--- a/正文/outline.pptx
+++ b/正文/outline.pptx
@@ -5,7 +5,9 @@
     <p:sldMasterId id="2147483648" r:id="rId1"/>
   </p:sldMasterIdLst>
   <p:sldIdLst>
-    <p:sldId id="256" r:id="rId2"/>
+    <p:sldId id="257" r:id="rId2"/>
+    <p:sldId id="258" r:id="rId3"/>
+    <p:sldId id="256" r:id="rId4"/>
   </p:sldIdLst>
   <p:sldSz cx="12192000" cy="6858000"/>
   <p:notesSz cx="6858000" cy="9144000"/>
@@ -104,6 +106,11 @@
       </a:defRPr>
     </a:lvl9pPr>
   </p:defaultTextStyle>
+  <p:extLst>
+    <p:ext uri="{EFAFB233-063F-42B5-8137-9DF3F51BA10A}">
+      <p15:sldGuideLst xmlns:p15="http://schemas.microsoft.com/office/powerpoint/2012/main"/>
+    </p:ext>
+  </p:extLst>
 </p:presentation>
 </file>
 
@@ -254,7 +261,7 @@
           <a:p>
             <a:fld id="{26632025-FB45-42CA-915A-C7DCBA5F44DF}" type="datetimeFigureOut">
               <a:rPr lang="zh-CN" altLang="en-US" smtClean="0"/>
-              <a:t>2023/6/28</a:t>
+              <a:t>2023/7/2</a:t>
             </a:fld>
             <a:endParaRPr lang="zh-CN" altLang="en-US"/>
           </a:p>
@@ -452,7 +459,7 @@
           <a:p>
             <a:fld id="{26632025-FB45-42CA-915A-C7DCBA5F44DF}" type="datetimeFigureOut">
               <a:rPr lang="zh-CN" altLang="en-US" smtClean="0"/>
-              <a:t>2023/6/28</a:t>
+              <a:t>2023/7/2</a:t>
             </a:fld>
             <a:endParaRPr lang="zh-CN" altLang="en-US"/>
           </a:p>
@@ -660,7 +667,7 @@
           <a:p>
             <a:fld id="{26632025-FB45-42CA-915A-C7DCBA5F44DF}" type="datetimeFigureOut">
               <a:rPr lang="zh-CN" altLang="en-US" smtClean="0"/>
-              <a:t>2023/6/28</a:t>
+              <a:t>2023/7/2</a:t>
             </a:fld>
             <a:endParaRPr lang="zh-CN" altLang="en-US"/>
           </a:p>
@@ -858,7 +865,7 @@
           <a:p>
             <a:fld id="{26632025-FB45-42CA-915A-C7DCBA5F44DF}" type="datetimeFigureOut">
               <a:rPr lang="zh-CN" altLang="en-US" smtClean="0"/>
-              <a:t>2023/6/28</a:t>
+              <a:t>2023/7/2</a:t>
             </a:fld>
             <a:endParaRPr lang="zh-CN" altLang="en-US"/>
           </a:p>
@@ -1133,7 +1140,7 @@
           <a:p>
             <a:fld id="{26632025-FB45-42CA-915A-C7DCBA5F44DF}" type="datetimeFigureOut">
               <a:rPr lang="zh-CN" altLang="en-US" smtClean="0"/>
-              <a:t>2023/6/28</a:t>
+              <a:t>2023/7/2</a:t>
             </a:fld>
             <a:endParaRPr lang="zh-CN" altLang="en-US"/>
           </a:p>
@@ -1398,7 +1405,7 @@
           <a:p>
             <a:fld id="{26632025-FB45-42CA-915A-C7DCBA5F44DF}" type="datetimeFigureOut">
               <a:rPr lang="zh-CN" altLang="en-US" smtClean="0"/>
-              <a:t>2023/6/28</a:t>
+              <a:t>2023/7/2</a:t>
             </a:fld>
             <a:endParaRPr lang="zh-CN" altLang="en-US"/>
           </a:p>
@@ -1810,7 +1817,7 @@
           <a:p>
             <a:fld id="{26632025-FB45-42CA-915A-C7DCBA5F44DF}" type="datetimeFigureOut">
               <a:rPr lang="zh-CN" altLang="en-US" smtClean="0"/>
-              <a:t>2023/6/28</a:t>
+              <a:t>2023/7/2</a:t>
             </a:fld>
             <a:endParaRPr lang="zh-CN" altLang="en-US"/>
           </a:p>
@@ -1951,7 +1958,7 @@
           <a:p>
             <a:fld id="{26632025-FB45-42CA-915A-C7DCBA5F44DF}" type="datetimeFigureOut">
               <a:rPr lang="zh-CN" altLang="en-US" smtClean="0"/>
-              <a:t>2023/6/28</a:t>
+              <a:t>2023/7/2</a:t>
             </a:fld>
             <a:endParaRPr lang="zh-CN" altLang="en-US"/>
           </a:p>
@@ -2064,7 +2071,7 @@
           <a:p>
             <a:fld id="{26632025-FB45-42CA-915A-C7DCBA5F44DF}" type="datetimeFigureOut">
               <a:rPr lang="zh-CN" altLang="en-US" smtClean="0"/>
-              <a:t>2023/6/28</a:t>
+              <a:t>2023/7/2</a:t>
             </a:fld>
             <a:endParaRPr lang="zh-CN" altLang="en-US"/>
           </a:p>
@@ -2375,7 +2382,7 @@
           <a:p>
             <a:fld id="{26632025-FB45-42CA-915A-C7DCBA5F44DF}" type="datetimeFigureOut">
               <a:rPr lang="zh-CN" altLang="en-US" smtClean="0"/>
-              <a:t>2023/6/28</a:t>
+              <a:t>2023/7/2</a:t>
             </a:fld>
             <a:endParaRPr lang="zh-CN" altLang="en-US"/>
           </a:p>
@@ -2663,7 +2670,7 @@
           <a:p>
             <a:fld id="{26632025-FB45-42CA-915A-C7DCBA5F44DF}" type="datetimeFigureOut">
               <a:rPr lang="zh-CN" altLang="en-US" smtClean="0"/>
-              <a:t>2023/6/28</a:t>
+              <a:t>2023/7/2</a:t>
             </a:fld>
             <a:endParaRPr lang="zh-CN" altLang="en-US"/>
           </a:p>
@@ -2904,7 +2911,7 @@
           <a:p>
             <a:fld id="{26632025-FB45-42CA-915A-C7DCBA5F44DF}" type="datetimeFigureOut">
               <a:rPr lang="zh-CN" altLang="en-US" smtClean="0"/>
-              <a:t>2023/6/28</a:t>
+              <a:t>2023/7/2</a:t>
             </a:fld>
             <a:endParaRPr lang="zh-CN" altLang="en-US"/>
           </a:p>
@@ -3321,12 +3328,1959 @@
           <a:chExt cx="0" cy="0"/>
         </a:xfrm>
       </p:grpSpPr>
+      <mc:AlternateContent xmlns:mc="http://schemas.openxmlformats.org/markup-compatibility/2006">
+        <mc:Choice xmlns:a14="http://schemas.microsoft.com/office/drawing/2010/main" Requires="a14">
+          <p:sp>
+            <p:nvSpPr>
+              <p:cNvPr id="4" name="文本框 3">
+                <a:extLst>
+                  <a:ext uri="{FF2B5EF4-FFF2-40B4-BE49-F238E27FC236}">
+                    <a16:creationId xmlns:a16="http://schemas.microsoft.com/office/drawing/2014/main" id="{BADC498D-72FD-2662-0A3F-E79AC0B68B5B}"/>
+                  </a:ext>
+                </a:extLst>
+              </p:cNvPr>
+              <p:cNvSpPr txBox="1"/>
+              <p:nvPr/>
+            </p:nvSpPr>
+            <p:spPr>
+              <a:xfrm>
+                <a:off x="4111869" y="2047318"/>
+                <a:ext cx="810671" cy="369332"/>
+              </a:xfrm>
+              <a:prstGeom prst="rect">
+                <a:avLst/>
+              </a:prstGeom>
+              <a:noFill/>
+            </p:spPr>
+            <p:txBody>
+              <a:bodyPr wrap="none" rtlCol="0">
+                <a:spAutoFit/>
+              </a:bodyPr>
+              <a:lstStyle/>
+              <a:p>
+                <a14:m>
+                  <m:oMathPara xmlns:m="http://schemas.openxmlformats.org/officeDocument/2006/math">
+                    <m:oMathParaPr>
+                      <m:jc m:val="centerGroup"/>
+                    </m:oMathParaPr>
+                    <m:oMath xmlns:m="http://schemas.openxmlformats.org/officeDocument/2006/math">
+                      <m:r>
+                        <a:rPr lang="en-US" altLang="zh-CN" i="1" smtClean="0">
+                          <a:latin typeface="Cambria Math" panose="02040503050406030204" pitchFamily="18" charset="0"/>
+                        </a:rPr>
+                        <m:t>𝐷𝑒𝑔𝑃</m:t>
+                      </m:r>
+                    </m:oMath>
+                  </m:oMathPara>
+                </a14:m>
+                <a:endParaRPr lang="en-US" altLang="zh-CN"/>
+              </a:p>
+            </p:txBody>
+          </p:sp>
+        </mc:Choice>
+        <mc:Fallback>
+          <p:sp>
+            <p:nvSpPr>
+              <p:cNvPr id="4" name="文本框 3">
+                <a:extLst>
+                  <a:ext uri="{FF2B5EF4-FFF2-40B4-BE49-F238E27FC236}">
+                    <a16:creationId xmlns:a16="http://schemas.microsoft.com/office/drawing/2014/main" id="{BADC498D-72FD-2662-0A3F-E79AC0B68B5B}"/>
+                  </a:ext>
+                </a:extLst>
+              </p:cNvPr>
+              <p:cNvSpPr txBox="1">
+                <a:spLocks noRot="1" noChangeAspect="1" noMove="1" noResize="1" noEditPoints="1" noAdjustHandles="1" noChangeArrowheads="1" noChangeShapeType="1" noTextEdit="1"/>
+              </p:cNvSpPr>
+              <p:nvPr/>
+            </p:nvSpPr>
+            <p:spPr>
+              <a:xfrm>
+                <a:off x="4111869" y="2047318"/>
+                <a:ext cx="810671" cy="369332"/>
+              </a:xfrm>
+              <a:prstGeom prst="rect">
+                <a:avLst/>
+              </a:prstGeom>
+              <a:blipFill>
+                <a:blip r:embed="rId2"/>
+                <a:stretch>
+                  <a:fillRect b="-13333"/>
+                </a:stretch>
+              </a:blipFill>
+            </p:spPr>
+            <p:txBody>
+              <a:bodyPr/>
+              <a:lstStyle/>
+              <a:p>
+                <a:r>
+                  <a:rPr lang="zh-CN" altLang="en-US">
+                    <a:noFill/>
+                  </a:rPr>
+                  <a:t> </a:t>
+                </a:r>
+              </a:p>
+            </p:txBody>
+          </p:sp>
+        </mc:Fallback>
+      </mc:AlternateContent>
+      <mc:AlternateContent xmlns:mc="http://schemas.openxmlformats.org/markup-compatibility/2006">
+        <mc:Choice xmlns:a14="http://schemas.microsoft.com/office/drawing/2010/main" Requires="a14">
+          <p:sp>
+            <p:nvSpPr>
+              <p:cNvPr id="2" name="文本框 1">
+                <a:extLst>
+                  <a:ext uri="{FF2B5EF4-FFF2-40B4-BE49-F238E27FC236}">
+                    <a16:creationId xmlns:a16="http://schemas.microsoft.com/office/drawing/2014/main" id="{E7D389EC-CA87-8E2E-FAC1-7EC70B06E529}"/>
+                  </a:ext>
+                </a:extLst>
+              </p:cNvPr>
+              <p:cNvSpPr txBox="1"/>
+              <p:nvPr/>
+            </p:nvSpPr>
+            <p:spPr>
+              <a:xfrm>
+                <a:off x="3092316" y="2686355"/>
+                <a:ext cx="874791" cy="369332"/>
+              </a:xfrm>
+              <a:prstGeom prst="rect">
+                <a:avLst/>
+              </a:prstGeom>
+              <a:noFill/>
+            </p:spPr>
+            <p:txBody>
+              <a:bodyPr wrap="none" rtlCol="0">
+                <a:spAutoFit/>
+              </a:bodyPr>
+              <a:lstStyle/>
+              <a:p>
+                <a14:m>
+                  <m:oMathPara xmlns:m="http://schemas.openxmlformats.org/officeDocument/2006/math">
+                    <m:oMathParaPr>
+                      <m:jc m:val="centerGroup"/>
+                    </m:oMathParaPr>
+                    <m:oMath xmlns:m="http://schemas.openxmlformats.org/officeDocument/2006/math">
+                      <m:r>
+                        <a:rPr lang="en-US" altLang="zh-CN" b="0" i="1" smtClean="0">
+                          <a:latin typeface="Cambria Math" panose="02040503050406030204" pitchFamily="18" charset="0"/>
+                        </a:rPr>
+                        <m:t>𝑆𝑡𝑛𝑑</m:t>
+                      </m:r>
+                      <m:r>
+                        <a:rPr lang="en-US" altLang="zh-CN" i="1" smtClean="0">
+                          <a:latin typeface="Cambria Math" panose="02040503050406030204" pitchFamily="18" charset="0"/>
+                        </a:rPr>
+                        <m:t>𝑃</m:t>
+                      </m:r>
+                    </m:oMath>
+                  </m:oMathPara>
+                </a14:m>
+                <a:endParaRPr lang="en-US" altLang="zh-CN"/>
+              </a:p>
+            </p:txBody>
+          </p:sp>
+        </mc:Choice>
+        <mc:Fallback>
+          <p:sp>
+            <p:nvSpPr>
+              <p:cNvPr id="2" name="文本框 1">
+                <a:extLst>
+                  <a:ext uri="{FF2B5EF4-FFF2-40B4-BE49-F238E27FC236}">
+                    <a16:creationId xmlns:a16="http://schemas.microsoft.com/office/drawing/2014/main" id="{E7D389EC-CA87-8E2E-FAC1-7EC70B06E529}"/>
+                  </a:ext>
+                </a:extLst>
+              </p:cNvPr>
+              <p:cNvSpPr txBox="1">
+                <a:spLocks noRot="1" noChangeAspect="1" noMove="1" noResize="1" noEditPoints="1" noAdjustHandles="1" noChangeArrowheads="1" noChangeShapeType="1" noTextEdit="1"/>
+              </p:cNvSpPr>
+              <p:nvPr/>
+            </p:nvSpPr>
+            <p:spPr>
+              <a:xfrm>
+                <a:off x="3092316" y="2686355"/>
+                <a:ext cx="874791" cy="369332"/>
+              </a:xfrm>
+              <a:prstGeom prst="rect">
+                <a:avLst/>
+              </a:prstGeom>
+              <a:blipFill>
+                <a:blip r:embed="rId3"/>
+                <a:stretch>
+                  <a:fillRect/>
+                </a:stretch>
+              </a:blipFill>
+            </p:spPr>
+            <p:txBody>
+              <a:bodyPr/>
+              <a:lstStyle/>
+              <a:p>
+                <a:r>
+                  <a:rPr lang="zh-CN" altLang="en-US">
+                    <a:noFill/>
+                  </a:rPr>
+                  <a:t> </a:t>
+                </a:r>
+              </a:p>
+            </p:txBody>
+          </p:sp>
+        </mc:Fallback>
+      </mc:AlternateContent>
+      <mc:AlternateContent xmlns:mc="http://schemas.openxmlformats.org/markup-compatibility/2006">
+        <mc:Choice xmlns:a14="http://schemas.microsoft.com/office/drawing/2010/main" Requires="a14">
+          <p:sp>
+            <p:nvSpPr>
+              <p:cNvPr id="3" name="文本框 2">
+                <a:extLst>
+                  <a:ext uri="{FF2B5EF4-FFF2-40B4-BE49-F238E27FC236}">
+                    <a16:creationId xmlns:a16="http://schemas.microsoft.com/office/drawing/2014/main" id="{8B95ACB2-66B9-E950-0053-1DCF252015C0}"/>
+                  </a:ext>
+                </a:extLst>
+              </p:cNvPr>
+              <p:cNvSpPr txBox="1"/>
+              <p:nvPr/>
+            </p:nvSpPr>
+            <p:spPr>
+              <a:xfrm>
+                <a:off x="5059879" y="2716129"/>
+                <a:ext cx="721672" cy="369332"/>
+              </a:xfrm>
+              <a:prstGeom prst="rect">
+                <a:avLst/>
+              </a:prstGeom>
+              <a:noFill/>
+            </p:spPr>
+            <p:txBody>
+              <a:bodyPr wrap="none" rtlCol="0">
+                <a:spAutoFit/>
+              </a:bodyPr>
+              <a:lstStyle/>
+              <a:p>
+                <a14:m>
+                  <m:oMathPara xmlns:m="http://schemas.openxmlformats.org/officeDocument/2006/math">
+                    <m:oMathParaPr>
+                      <m:jc m:val="centerGroup"/>
+                    </m:oMathParaPr>
+                    <m:oMath xmlns:m="http://schemas.openxmlformats.org/officeDocument/2006/math">
+                      <m:r>
+                        <a:rPr lang="en-US" altLang="zh-CN" i="1" smtClean="0">
+                          <a:latin typeface="Cambria Math" panose="02040503050406030204" pitchFamily="18" charset="0"/>
+                        </a:rPr>
+                        <m:t>𝐷𝑒𝑔</m:t>
+                      </m:r>
+                      <m:r>
+                        <a:rPr lang="en-US" altLang="zh-CN" b="0" i="1" smtClean="0">
+                          <a:latin typeface="Cambria Math" panose="02040503050406030204" pitchFamily="18" charset="0"/>
+                        </a:rPr>
+                        <m:t>′</m:t>
+                      </m:r>
+                    </m:oMath>
+                  </m:oMathPara>
+                </a14:m>
+                <a:endParaRPr lang="en-US" altLang="zh-CN"/>
+              </a:p>
+            </p:txBody>
+          </p:sp>
+        </mc:Choice>
+        <mc:Fallback>
+          <p:sp>
+            <p:nvSpPr>
+              <p:cNvPr id="3" name="文本框 2">
+                <a:extLst>
+                  <a:ext uri="{FF2B5EF4-FFF2-40B4-BE49-F238E27FC236}">
+                    <a16:creationId xmlns:a16="http://schemas.microsoft.com/office/drawing/2014/main" id="{8B95ACB2-66B9-E950-0053-1DCF252015C0}"/>
+                  </a:ext>
+                </a:extLst>
+              </p:cNvPr>
+              <p:cNvSpPr txBox="1">
+                <a:spLocks noRot="1" noChangeAspect="1" noMove="1" noResize="1" noEditPoints="1" noAdjustHandles="1" noChangeArrowheads="1" noChangeShapeType="1" noTextEdit="1"/>
+              </p:cNvSpPr>
+              <p:nvPr/>
+            </p:nvSpPr>
+            <p:spPr>
+              <a:xfrm>
+                <a:off x="5059879" y="2716129"/>
+                <a:ext cx="721672" cy="369332"/>
+              </a:xfrm>
+              <a:prstGeom prst="rect">
+                <a:avLst/>
+              </a:prstGeom>
+              <a:blipFill>
+                <a:blip r:embed="rId4"/>
+                <a:stretch>
+                  <a:fillRect b="-13333"/>
+                </a:stretch>
+              </a:blipFill>
+            </p:spPr>
+            <p:txBody>
+              <a:bodyPr/>
+              <a:lstStyle/>
+              <a:p>
+                <a:r>
+                  <a:rPr lang="zh-CN" altLang="en-US">
+                    <a:noFill/>
+                  </a:rPr>
+                  <a:t> </a:t>
+                </a:r>
+              </a:p>
+            </p:txBody>
+          </p:sp>
+        </mc:Fallback>
+      </mc:AlternateContent>
+      <mc:AlternateContent xmlns:mc="http://schemas.openxmlformats.org/markup-compatibility/2006">
+        <mc:Choice xmlns:a14="http://schemas.microsoft.com/office/drawing/2010/main" Requires="a14">
+          <p:sp>
+            <p:nvSpPr>
+              <p:cNvPr id="10" name="文本框 9">
+                <a:extLst>
+                  <a:ext uri="{FF2B5EF4-FFF2-40B4-BE49-F238E27FC236}">
+                    <a16:creationId xmlns:a16="http://schemas.microsoft.com/office/drawing/2014/main" id="{C4C321FD-814A-7A1B-E5DF-83206F4D5AFD}"/>
+                  </a:ext>
+                </a:extLst>
+              </p:cNvPr>
+              <p:cNvSpPr txBox="1"/>
+              <p:nvPr/>
+            </p:nvSpPr>
+            <p:spPr>
+              <a:xfrm>
+                <a:off x="6437433" y="3518109"/>
+                <a:ext cx="541367" cy="369332"/>
+              </a:xfrm>
+              <a:prstGeom prst="rect">
+                <a:avLst/>
+              </a:prstGeom>
+              <a:noFill/>
+            </p:spPr>
+            <p:txBody>
+              <a:bodyPr wrap="none" rtlCol="0">
+                <a:spAutoFit/>
+              </a:bodyPr>
+              <a:lstStyle/>
+              <a:p>
+                <a14:m>
+                  <m:oMathPara xmlns:m="http://schemas.openxmlformats.org/officeDocument/2006/math">
+                    <m:oMathParaPr>
+                      <m:jc m:val="centerGroup"/>
+                    </m:oMathParaPr>
+                    <m:oMath xmlns:m="http://schemas.openxmlformats.org/officeDocument/2006/math">
+                      <m:r>
+                        <a:rPr lang="en-US" altLang="zh-CN" i="1" smtClean="0">
+                          <a:latin typeface="Cambria Math" panose="02040503050406030204" pitchFamily="18" charset="0"/>
+                        </a:rPr>
+                        <m:t>𝐴𝑃</m:t>
+                      </m:r>
+                    </m:oMath>
+                  </m:oMathPara>
+                </a14:m>
+                <a:endParaRPr lang="en-US" altLang="zh-CN"/>
+              </a:p>
+            </p:txBody>
+          </p:sp>
+        </mc:Choice>
+        <mc:Fallback>
+          <p:sp>
+            <p:nvSpPr>
+              <p:cNvPr id="10" name="文本框 9">
+                <a:extLst>
+                  <a:ext uri="{FF2B5EF4-FFF2-40B4-BE49-F238E27FC236}">
+                    <a16:creationId xmlns:a16="http://schemas.microsoft.com/office/drawing/2014/main" id="{C4C321FD-814A-7A1B-E5DF-83206F4D5AFD}"/>
+                  </a:ext>
+                </a:extLst>
+              </p:cNvPr>
+              <p:cNvSpPr txBox="1">
+                <a:spLocks noRot="1" noChangeAspect="1" noMove="1" noResize="1" noEditPoints="1" noAdjustHandles="1" noChangeArrowheads="1" noChangeShapeType="1" noTextEdit="1"/>
+              </p:cNvSpPr>
+              <p:nvPr/>
+            </p:nvSpPr>
+            <p:spPr>
+              <a:xfrm>
+                <a:off x="6437433" y="3518109"/>
+                <a:ext cx="541367" cy="369332"/>
+              </a:xfrm>
+              <a:prstGeom prst="rect">
+                <a:avLst/>
+              </a:prstGeom>
+              <a:blipFill>
+                <a:blip r:embed="rId5"/>
+                <a:stretch>
+                  <a:fillRect/>
+                </a:stretch>
+              </a:blipFill>
+            </p:spPr>
+            <p:txBody>
+              <a:bodyPr/>
+              <a:lstStyle/>
+              <a:p>
+                <a:r>
+                  <a:rPr lang="zh-CN" altLang="en-US">
+                    <a:noFill/>
+                  </a:rPr>
+                  <a:t> </a:t>
+                </a:r>
+              </a:p>
+            </p:txBody>
+          </p:sp>
+        </mc:Fallback>
+      </mc:AlternateContent>
+      <mc:AlternateContent xmlns:mc="http://schemas.openxmlformats.org/markup-compatibility/2006">
+        <mc:Choice xmlns:a14="http://schemas.microsoft.com/office/drawing/2010/main" Requires="a14">
+          <p:sp>
+            <p:nvSpPr>
+              <p:cNvPr id="12" name="文本框 11">
+                <a:extLst>
+                  <a:ext uri="{FF2B5EF4-FFF2-40B4-BE49-F238E27FC236}">
+                    <a16:creationId xmlns:a16="http://schemas.microsoft.com/office/drawing/2014/main" id="{68DC509C-EB06-6067-D3CF-355F5F6395B3}"/>
+                  </a:ext>
+                </a:extLst>
+              </p:cNvPr>
+              <p:cNvSpPr txBox="1"/>
+              <p:nvPr/>
+            </p:nvSpPr>
+            <p:spPr>
+              <a:xfrm>
+                <a:off x="3968746" y="3448329"/>
+                <a:ext cx="773673" cy="369332"/>
+              </a:xfrm>
+              <a:prstGeom prst="rect">
+                <a:avLst/>
+              </a:prstGeom>
+              <a:noFill/>
+            </p:spPr>
+            <p:txBody>
+              <a:bodyPr wrap="none" rtlCol="0">
+                <a:spAutoFit/>
+              </a:bodyPr>
+              <a:lstStyle/>
+              <a:p>
+                <a14:m>
+                  <m:oMathPara xmlns:m="http://schemas.openxmlformats.org/officeDocument/2006/math">
+                    <m:oMathParaPr>
+                      <m:jc m:val="centerGroup"/>
+                    </m:oMathParaPr>
+                    <m:oMath xmlns:m="http://schemas.openxmlformats.org/officeDocument/2006/math">
+                      <m:sSup>
+                        <m:sSupPr>
+                          <m:ctrlPr>
+                            <a:rPr lang="en-US" altLang="zh-CN" i="1" smtClean="0">
+                              <a:latin typeface="Cambria Math" panose="02040503050406030204" pitchFamily="18" charset="0"/>
+                            </a:rPr>
+                          </m:ctrlPr>
+                        </m:sSupPr>
+                        <m:e>
+                          <m:r>
+                            <a:rPr lang="en-US" altLang="zh-CN" b="0" i="1" smtClean="0">
+                              <a:latin typeface="Cambria Math" panose="02040503050406030204" pitchFamily="18" charset="0"/>
+                            </a:rPr>
+                            <m:t>𝐷𝑒𝑔</m:t>
+                          </m:r>
+                        </m:e>
+                        <m:sup>
+                          <m:r>
+                            <a:rPr lang="en-US" altLang="zh-CN" b="0" i="1" smtClean="0">
+                              <a:latin typeface="Cambria Math" panose="02040503050406030204" pitchFamily="18" charset="0"/>
+                            </a:rPr>
+                            <m:t>0</m:t>
+                          </m:r>
+                        </m:sup>
+                      </m:sSup>
+                    </m:oMath>
+                  </m:oMathPara>
+                </a14:m>
+                <a:endParaRPr lang="en-US" altLang="zh-CN"/>
+              </a:p>
+            </p:txBody>
+          </p:sp>
+        </mc:Choice>
+        <mc:Fallback>
+          <p:sp>
+            <p:nvSpPr>
+              <p:cNvPr id="12" name="文本框 11">
+                <a:extLst>
+                  <a:ext uri="{FF2B5EF4-FFF2-40B4-BE49-F238E27FC236}">
+                    <a16:creationId xmlns:a16="http://schemas.microsoft.com/office/drawing/2014/main" id="{68DC509C-EB06-6067-D3CF-355F5F6395B3}"/>
+                  </a:ext>
+                </a:extLst>
+              </p:cNvPr>
+              <p:cNvSpPr txBox="1">
+                <a:spLocks noRot="1" noChangeAspect="1" noMove="1" noResize="1" noEditPoints="1" noAdjustHandles="1" noChangeArrowheads="1" noChangeShapeType="1" noTextEdit="1"/>
+              </p:cNvSpPr>
+              <p:nvPr/>
+            </p:nvSpPr>
+            <p:spPr>
+              <a:xfrm>
+                <a:off x="3968746" y="3448329"/>
+                <a:ext cx="773673" cy="369332"/>
+              </a:xfrm>
+              <a:prstGeom prst="rect">
+                <a:avLst/>
+              </a:prstGeom>
+              <a:blipFill>
+                <a:blip r:embed="rId6"/>
+                <a:stretch>
+                  <a:fillRect b="-13333"/>
+                </a:stretch>
+              </a:blipFill>
+            </p:spPr>
+            <p:txBody>
+              <a:bodyPr/>
+              <a:lstStyle/>
+              <a:p>
+                <a:r>
+                  <a:rPr lang="zh-CN" altLang="en-US">
+                    <a:noFill/>
+                  </a:rPr>
+                  <a:t> </a:t>
+                </a:r>
+              </a:p>
+            </p:txBody>
+          </p:sp>
+        </mc:Fallback>
+      </mc:AlternateContent>
+      <p:cxnSp>
+        <p:nvCxnSpPr>
+          <p:cNvPr id="14" name="直接连接符 13">
+            <a:extLst>
+              <a:ext uri="{FF2B5EF4-FFF2-40B4-BE49-F238E27FC236}">
+                <a16:creationId xmlns:a16="http://schemas.microsoft.com/office/drawing/2014/main" id="{16C02841-3110-214F-038F-0751E6683D75}"/>
+              </a:ext>
+            </a:extLst>
+          </p:cNvPr>
+          <p:cNvCxnSpPr>
+            <a:stCxn id="4" idx="2"/>
+            <a:endCxn id="2" idx="0"/>
+          </p:cNvCxnSpPr>
+          <p:nvPr/>
+        </p:nvCxnSpPr>
+        <p:spPr>
+          <a:xfrm flipH="1">
+            <a:off x="3529712" y="2416650"/>
+            <a:ext cx="987493" cy="269705"/>
+          </a:xfrm>
+          <a:prstGeom prst="line">
+            <a:avLst/>
+          </a:prstGeom>
+          <a:ln w="12700">
+            <a:solidFill>
+              <a:schemeClr val="tx1"/>
+            </a:solidFill>
+          </a:ln>
+        </p:spPr>
+        <p:style>
+          <a:lnRef idx="1">
+            <a:schemeClr val="accent1"/>
+          </a:lnRef>
+          <a:fillRef idx="0">
+            <a:schemeClr val="accent1"/>
+          </a:fillRef>
+          <a:effectRef idx="0">
+            <a:schemeClr val="accent1"/>
+          </a:effectRef>
+          <a:fontRef idx="minor">
+            <a:schemeClr val="tx1"/>
+          </a:fontRef>
+        </p:style>
+      </p:cxnSp>
+      <p:cxnSp>
+        <p:nvCxnSpPr>
+          <p:cNvPr id="16" name="直接连接符 15">
+            <a:extLst>
+              <a:ext uri="{FF2B5EF4-FFF2-40B4-BE49-F238E27FC236}">
+                <a16:creationId xmlns:a16="http://schemas.microsoft.com/office/drawing/2014/main" id="{15B979E2-E9D4-F2E3-9A5E-B80D48CFCEDB}"/>
+              </a:ext>
+            </a:extLst>
+          </p:cNvPr>
+          <p:cNvCxnSpPr>
+            <a:cxnSpLocks/>
+            <a:stCxn id="4" idx="2"/>
+            <a:endCxn id="3" idx="0"/>
+          </p:cNvCxnSpPr>
+          <p:nvPr/>
+        </p:nvCxnSpPr>
+        <p:spPr>
+          <a:xfrm>
+            <a:off x="4517205" y="2416650"/>
+            <a:ext cx="903510" cy="299479"/>
+          </a:xfrm>
+          <a:prstGeom prst="line">
+            <a:avLst/>
+          </a:prstGeom>
+          <a:ln w="12700">
+            <a:solidFill>
+              <a:schemeClr val="tx1"/>
+            </a:solidFill>
+          </a:ln>
+        </p:spPr>
+        <p:style>
+          <a:lnRef idx="1">
+            <a:schemeClr val="accent1"/>
+          </a:lnRef>
+          <a:fillRef idx="0">
+            <a:schemeClr val="accent1"/>
+          </a:fillRef>
+          <a:effectRef idx="0">
+            <a:schemeClr val="accent1"/>
+          </a:effectRef>
+          <a:fontRef idx="minor">
+            <a:schemeClr val="tx1"/>
+          </a:fontRef>
+        </p:style>
+      </p:cxnSp>
+      <p:cxnSp>
+        <p:nvCxnSpPr>
+          <p:cNvPr id="19" name="直接连接符 18">
+            <a:extLst>
+              <a:ext uri="{FF2B5EF4-FFF2-40B4-BE49-F238E27FC236}">
+                <a16:creationId xmlns:a16="http://schemas.microsoft.com/office/drawing/2014/main" id="{94649AA1-E922-047F-D734-40125D482227}"/>
+              </a:ext>
+            </a:extLst>
+          </p:cNvPr>
+          <p:cNvCxnSpPr>
+            <a:cxnSpLocks/>
+            <a:stCxn id="3" idx="2"/>
+            <a:endCxn id="12" idx="0"/>
+          </p:cNvCxnSpPr>
+          <p:nvPr/>
+        </p:nvCxnSpPr>
+        <p:spPr>
+          <a:xfrm flipH="1">
+            <a:off x="4355583" y="3085461"/>
+            <a:ext cx="1065132" cy="362868"/>
+          </a:xfrm>
+          <a:prstGeom prst="line">
+            <a:avLst/>
+          </a:prstGeom>
+          <a:ln w="12700">
+            <a:solidFill>
+              <a:schemeClr val="tx1"/>
+            </a:solidFill>
+          </a:ln>
+        </p:spPr>
+        <p:style>
+          <a:lnRef idx="1">
+            <a:schemeClr val="accent1"/>
+          </a:lnRef>
+          <a:fillRef idx="0">
+            <a:schemeClr val="accent1"/>
+          </a:fillRef>
+          <a:effectRef idx="0">
+            <a:schemeClr val="accent1"/>
+          </a:effectRef>
+          <a:fontRef idx="minor">
+            <a:schemeClr val="tx1"/>
+          </a:fontRef>
+        </p:style>
+      </p:cxnSp>
+      <p:cxnSp>
+        <p:nvCxnSpPr>
+          <p:cNvPr id="22" name="直接连接符 21">
+            <a:extLst>
+              <a:ext uri="{FF2B5EF4-FFF2-40B4-BE49-F238E27FC236}">
+                <a16:creationId xmlns:a16="http://schemas.microsoft.com/office/drawing/2014/main" id="{DA143DB0-CAAA-751D-4641-0ABACA35C5D8}"/>
+              </a:ext>
+            </a:extLst>
+          </p:cNvPr>
+          <p:cNvCxnSpPr>
+            <a:cxnSpLocks/>
+            <a:stCxn id="3" idx="2"/>
+            <a:endCxn id="10" idx="0"/>
+          </p:cNvCxnSpPr>
+          <p:nvPr/>
+        </p:nvCxnSpPr>
+        <p:spPr>
+          <a:xfrm>
+            <a:off x="5420715" y="3085461"/>
+            <a:ext cx="1287402" cy="432648"/>
+          </a:xfrm>
+          <a:prstGeom prst="line">
+            <a:avLst/>
+          </a:prstGeom>
+          <a:ln w="12700">
+            <a:solidFill>
+              <a:schemeClr val="tx1"/>
+            </a:solidFill>
+          </a:ln>
+        </p:spPr>
+        <p:style>
+          <a:lnRef idx="1">
+            <a:schemeClr val="accent1"/>
+          </a:lnRef>
+          <a:fillRef idx="0">
+            <a:schemeClr val="accent1"/>
+          </a:fillRef>
+          <a:effectRef idx="0">
+            <a:schemeClr val="accent1"/>
+          </a:effectRef>
+          <a:fontRef idx="minor">
+            <a:schemeClr val="tx1"/>
+          </a:fontRef>
+        </p:style>
+      </p:cxnSp>
+      <p:cxnSp>
+        <p:nvCxnSpPr>
+          <p:cNvPr id="37" name="直接连接符 36">
+            <a:extLst>
+              <a:ext uri="{FF2B5EF4-FFF2-40B4-BE49-F238E27FC236}">
+                <a16:creationId xmlns:a16="http://schemas.microsoft.com/office/drawing/2014/main" id="{B45A0D3A-0F94-DC01-70CB-BAB2EDE7198C}"/>
+              </a:ext>
+            </a:extLst>
+          </p:cNvPr>
+          <p:cNvCxnSpPr>
+            <a:cxnSpLocks/>
+            <a:stCxn id="10" idx="2"/>
+            <a:endCxn id="141" idx="0"/>
+          </p:cNvCxnSpPr>
+          <p:nvPr/>
+        </p:nvCxnSpPr>
+        <p:spPr>
+          <a:xfrm flipH="1">
+            <a:off x="6007671" y="3887441"/>
+            <a:ext cx="700446" cy="193898"/>
+          </a:xfrm>
+          <a:prstGeom prst="line">
+            <a:avLst/>
+          </a:prstGeom>
+          <a:ln w="12700">
+            <a:solidFill>
+              <a:schemeClr val="tx1"/>
+            </a:solidFill>
+          </a:ln>
+        </p:spPr>
+        <p:style>
+          <a:lnRef idx="1">
+            <a:schemeClr val="accent1"/>
+          </a:lnRef>
+          <a:fillRef idx="0">
+            <a:schemeClr val="accent1"/>
+          </a:fillRef>
+          <a:effectRef idx="0">
+            <a:schemeClr val="accent1"/>
+          </a:effectRef>
+          <a:fontRef idx="minor">
+            <a:schemeClr val="tx1"/>
+          </a:fontRef>
+        </p:style>
+      </p:cxnSp>
+      <mc:AlternateContent xmlns:mc="http://schemas.openxmlformats.org/markup-compatibility/2006">
+        <mc:Choice xmlns:a14="http://schemas.microsoft.com/office/drawing/2010/main" Requires="a14">
+          <p:sp>
+            <p:nvSpPr>
+              <p:cNvPr id="41" name="文本框 40">
+                <a:extLst>
+                  <a:ext uri="{FF2B5EF4-FFF2-40B4-BE49-F238E27FC236}">
+                    <a16:creationId xmlns:a16="http://schemas.microsoft.com/office/drawing/2014/main" id="{69DEAEAB-F721-1EC1-81C6-17ECB9278418}"/>
+                  </a:ext>
+                </a:extLst>
+              </p:cNvPr>
+              <p:cNvSpPr txBox="1"/>
+              <p:nvPr/>
+            </p:nvSpPr>
+            <p:spPr>
+              <a:xfrm>
+                <a:off x="7433733" y="4074427"/>
+                <a:ext cx="444352" cy="369332"/>
+              </a:xfrm>
+              <a:prstGeom prst="rect">
+                <a:avLst/>
+              </a:prstGeom>
+              <a:noFill/>
+            </p:spPr>
+            <p:txBody>
+              <a:bodyPr wrap="none" rtlCol="0">
+                <a:spAutoFit/>
+              </a:bodyPr>
+              <a:lstStyle/>
+              <a:p>
+                <a14:m>
+                  <m:oMathPara xmlns:m="http://schemas.openxmlformats.org/officeDocument/2006/math">
+                    <m:oMathParaPr>
+                      <m:jc m:val="centerGroup"/>
+                    </m:oMathParaPr>
+                    <m:oMath xmlns:m="http://schemas.openxmlformats.org/officeDocument/2006/math">
+                      <m:r>
+                        <a:rPr lang="en-US" altLang="zh-CN" i="1" smtClean="0">
+                          <a:latin typeface="Cambria Math" panose="02040503050406030204" pitchFamily="18" charset="0"/>
+                        </a:rPr>
+                        <m:t>𝐴</m:t>
+                      </m:r>
+                      <m:r>
+                        <a:rPr lang="en-US" altLang="zh-CN" i="1" smtClean="0">
+                          <a:latin typeface="Cambria Math" panose="02040503050406030204" pitchFamily="18" charset="0"/>
+                        </a:rPr>
+                        <m:t>’</m:t>
+                      </m:r>
+                    </m:oMath>
+                  </m:oMathPara>
+                </a14:m>
+                <a:endParaRPr lang="en-US" altLang="zh-CN"/>
+              </a:p>
+            </p:txBody>
+          </p:sp>
+        </mc:Choice>
+        <mc:Fallback>
+          <p:sp>
+            <p:nvSpPr>
+              <p:cNvPr id="41" name="文本框 40">
+                <a:extLst>
+                  <a:ext uri="{FF2B5EF4-FFF2-40B4-BE49-F238E27FC236}">
+                    <a16:creationId xmlns:a16="http://schemas.microsoft.com/office/drawing/2014/main" id="{69DEAEAB-F721-1EC1-81C6-17ECB9278418}"/>
+                  </a:ext>
+                </a:extLst>
+              </p:cNvPr>
+              <p:cNvSpPr txBox="1">
+                <a:spLocks noRot="1" noChangeAspect="1" noMove="1" noResize="1" noEditPoints="1" noAdjustHandles="1" noChangeArrowheads="1" noChangeShapeType="1" noTextEdit="1"/>
+              </p:cNvSpPr>
+              <p:nvPr/>
+            </p:nvSpPr>
+            <p:spPr>
+              <a:xfrm>
+                <a:off x="7433733" y="4074427"/>
+                <a:ext cx="444352" cy="369332"/>
+              </a:xfrm>
+              <a:prstGeom prst="rect">
+                <a:avLst/>
+              </a:prstGeom>
+              <a:blipFill>
+                <a:blip r:embed="rId7"/>
+                <a:stretch>
+                  <a:fillRect/>
+                </a:stretch>
+              </a:blipFill>
+            </p:spPr>
+            <p:txBody>
+              <a:bodyPr/>
+              <a:lstStyle/>
+              <a:p>
+                <a:r>
+                  <a:rPr lang="zh-CN" altLang="en-US">
+                    <a:noFill/>
+                  </a:rPr>
+                  <a:t> </a:t>
+                </a:r>
+              </a:p>
+            </p:txBody>
+          </p:sp>
+        </mc:Fallback>
+      </mc:AlternateContent>
+      <p:cxnSp>
+        <p:nvCxnSpPr>
+          <p:cNvPr id="43" name="直接连接符 42">
+            <a:extLst>
+              <a:ext uri="{FF2B5EF4-FFF2-40B4-BE49-F238E27FC236}">
+                <a16:creationId xmlns:a16="http://schemas.microsoft.com/office/drawing/2014/main" id="{3974FEF4-3336-C1C0-60E7-C784A61BF704}"/>
+              </a:ext>
+            </a:extLst>
+          </p:cNvPr>
+          <p:cNvCxnSpPr>
+            <a:cxnSpLocks/>
+            <a:stCxn id="10" idx="2"/>
+            <a:endCxn id="41" idx="0"/>
+          </p:cNvCxnSpPr>
+          <p:nvPr/>
+        </p:nvCxnSpPr>
+        <p:spPr>
+          <a:xfrm>
+            <a:off x="6708117" y="3887441"/>
+            <a:ext cx="947792" cy="186986"/>
+          </a:xfrm>
+          <a:prstGeom prst="line">
+            <a:avLst/>
+          </a:prstGeom>
+          <a:ln w="12700">
+            <a:solidFill>
+              <a:schemeClr val="tx1"/>
+            </a:solidFill>
+          </a:ln>
+        </p:spPr>
+        <p:style>
+          <a:lnRef idx="1">
+            <a:schemeClr val="accent1"/>
+          </a:lnRef>
+          <a:fillRef idx="0">
+            <a:schemeClr val="accent1"/>
+          </a:fillRef>
+          <a:effectRef idx="0">
+            <a:schemeClr val="accent1"/>
+          </a:effectRef>
+          <a:fontRef idx="minor">
+            <a:schemeClr val="tx1"/>
+          </a:fontRef>
+        </p:style>
+      </p:cxnSp>
+      <mc:AlternateContent xmlns:mc="http://schemas.openxmlformats.org/markup-compatibility/2006">
+        <mc:Choice xmlns:a14="http://schemas.microsoft.com/office/drawing/2010/main" Requires="a14">
+          <p:sp>
+            <p:nvSpPr>
+              <p:cNvPr id="47" name="文本框 46">
+                <a:extLst>
+                  <a:ext uri="{FF2B5EF4-FFF2-40B4-BE49-F238E27FC236}">
+                    <a16:creationId xmlns:a16="http://schemas.microsoft.com/office/drawing/2014/main" id="{7F963081-B602-7A78-D889-3FCE575ACD20}"/>
+                  </a:ext>
+                </a:extLst>
+              </p:cNvPr>
+              <p:cNvSpPr txBox="1"/>
+              <p:nvPr/>
+            </p:nvSpPr>
+            <p:spPr>
+              <a:xfrm>
+                <a:off x="7406834" y="4624246"/>
+                <a:ext cx="498149" cy="369332"/>
+              </a:xfrm>
+              <a:prstGeom prst="rect">
+                <a:avLst/>
+              </a:prstGeom>
+              <a:noFill/>
+            </p:spPr>
+            <p:txBody>
+              <a:bodyPr wrap="none" rtlCol="0">
+                <a:spAutoFit/>
+              </a:bodyPr>
+              <a:lstStyle/>
+              <a:p>
+                <a14:m>
+                  <m:oMathPara xmlns:m="http://schemas.openxmlformats.org/officeDocument/2006/math">
+                    <m:oMathParaPr>
+                      <m:jc m:val="centerGroup"/>
+                    </m:oMathParaPr>
+                    <m:oMath xmlns:m="http://schemas.openxmlformats.org/officeDocument/2006/math">
+                      <m:sSup>
+                        <m:sSupPr>
+                          <m:ctrlPr>
+                            <a:rPr lang="en-US" altLang="zh-CN" i="1" smtClean="0">
+                              <a:latin typeface="Cambria Math" panose="02040503050406030204" pitchFamily="18" charset="0"/>
+                            </a:rPr>
+                          </m:ctrlPr>
+                        </m:sSupPr>
+                        <m:e>
+                          <m:r>
+                            <a:rPr lang="en-US" altLang="zh-CN" b="0" i="1" smtClean="0">
+                              <a:latin typeface="Cambria Math" panose="02040503050406030204" pitchFamily="18" charset="0"/>
+                            </a:rPr>
+                            <m:t>𝐴</m:t>
+                          </m:r>
+                        </m:e>
+                        <m:sup>
+                          <m:r>
+                            <a:rPr lang="en-US" altLang="zh-CN" b="0" i="1" smtClean="0">
+                              <a:latin typeface="Cambria Math" panose="02040503050406030204" pitchFamily="18" charset="0"/>
+                            </a:rPr>
+                            <m:t>0</m:t>
+                          </m:r>
+                        </m:sup>
+                      </m:sSup>
+                    </m:oMath>
+                  </m:oMathPara>
+                </a14:m>
+                <a:endParaRPr lang="en-US" altLang="zh-CN"/>
+              </a:p>
+            </p:txBody>
+          </p:sp>
+        </mc:Choice>
+        <mc:Fallback>
+          <p:sp>
+            <p:nvSpPr>
+              <p:cNvPr id="47" name="文本框 46">
+                <a:extLst>
+                  <a:ext uri="{FF2B5EF4-FFF2-40B4-BE49-F238E27FC236}">
+                    <a16:creationId xmlns:a16="http://schemas.microsoft.com/office/drawing/2014/main" id="{7F963081-B602-7A78-D889-3FCE575ACD20}"/>
+                  </a:ext>
+                </a:extLst>
+              </p:cNvPr>
+              <p:cNvSpPr txBox="1">
+                <a:spLocks noRot="1" noChangeAspect="1" noMove="1" noResize="1" noEditPoints="1" noAdjustHandles="1" noChangeArrowheads="1" noChangeShapeType="1" noTextEdit="1"/>
+              </p:cNvSpPr>
+              <p:nvPr/>
+            </p:nvSpPr>
+            <p:spPr>
+              <a:xfrm>
+                <a:off x="7406834" y="4624246"/>
+                <a:ext cx="498149" cy="369332"/>
+              </a:xfrm>
+              <a:prstGeom prst="rect">
+                <a:avLst/>
+              </a:prstGeom>
+              <a:blipFill>
+                <a:blip r:embed="rId8"/>
+                <a:stretch>
+                  <a:fillRect/>
+                </a:stretch>
+              </a:blipFill>
+            </p:spPr>
+            <p:txBody>
+              <a:bodyPr/>
+              <a:lstStyle/>
+              <a:p>
+                <a:r>
+                  <a:rPr lang="zh-CN" altLang="en-US">
+                    <a:noFill/>
+                  </a:rPr>
+                  <a:t> </a:t>
+                </a:r>
+              </a:p>
+            </p:txBody>
+          </p:sp>
+        </mc:Fallback>
+      </mc:AlternateContent>
+      <p:cxnSp>
+        <p:nvCxnSpPr>
+          <p:cNvPr id="48" name="直接连接符 47">
+            <a:extLst>
+              <a:ext uri="{FF2B5EF4-FFF2-40B4-BE49-F238E27FC236}">
+                <a16:creationId xmlns:a16="http://schemas.microsoft.com/office/drawing/2014/main" id="{CAD9C502-9A60-65AF-8EE2-217224191A75}"/>
+              </a:ext>
+            </a:extLst>
+          </p:cNvPr>
+          <p:cNvCxnSpPr>
+            <a:cxnSpLocks/>
+            <a:stCxn id="47" idx="0"/>
+            <a:endCxn id="41" idx="2"/>
+          </p:cNvCxnSpPr>
+          <p:nvPr/>
+        </p:nvCxnSpPr>
+        <p:spPr>
+          <a:xfrm flipV="1">
+            <a:off x="7655909" y="4443759"/>
+            <a:ext cx="0" cy="180487"/>
+          </a:xfrm>
+          <a:prstGeom prst="line">
+            <a:avLst/>
+          </a:prstGeom>
+          <a:ln w="12700">
+            <a:solidFill>
+              <a:schemeClr val="tx1"/>
+            </a:solidFill>
+          </a:ln>
+        </p:spPr>
+        <p:style>
+          <a:lnRef idx="1">
+            <a:schemeClr val="accent1"/>
+          </a:lnRef>
+          <a:fillRef idx="0">
+            <a:schemeClr val="accent1"/>
+          </a:fillRef>
+          <a:effectRef idx="0">
+            <a:schemeClr val="accent1"/>
+          </a:effectRef>
+          <a:fontRef idx="minor">
+            <a:schemeClr val="tx1"/>
+          </a:fontRef>
+        </p:style>
+      </p:cxnSp>
+      <mc:AlternateContent xmlns:mc="http://schemas.openxmlformats.org/markup-compatibility/2006">
+        <mc:Choice xmlns:a14="http://schemas.microsoft.com/office/drawing/2010/main" Requires="a14">
+          <p:sp>
+            <p:nvSpPr>
+              <p:cNvPr id="90" name="文本框 89">
+                <a:extLst>
+                  <a:ext uri="{FF2B5EF4-FFF2-40B4-BE49-F238E27FC236}">
+                    <a16:creationId xmlns:a16="http://schemas.microsoft.com/office/drawing/2014/main" id="{B8324AC4-AD96-EC37-F6A1-15FC3975D5C7}"/>
+                  </a:ext>
+                </a:extLst>
+              </p:cNvPr>
+              <p:cNvSpPr txBox="1"/>
+              <p:nvPr/>
+            </p:nvSpPr>
+            <p:spPr>
+              <a:xfrm>
+                <a:off x="3799468" y="3718579"/>
+                <a:ext cx="1117550" cy="381515"/>
+              </a:xfrm>
+              <a:prstGeom prst="rect">
+                <a:avLst/>
+              </a:prstGeom>
+              <a:noFill/>
+            </p:spPr>
+            <p:txBody>
+              <a:bodyPr wrap="none" rtlCol="0">
+                <a:spAutoFit/>
+              </a:bodyPr>
+              <a:lstStyle/>
+              <a:p>
+                <a14:m>
+                  <m:oMath xmlns:m="http://schemas.openxmlformats.org/officeDocument/2006/math">
+                    <m:sSub>
+                      <m:sSubPr>
+                        <m:ctrlPr>
+                          <a:rPr lang="en-US" altLang="zh-CN" i="1" smtClean="0">
+                            <a:latin typeface="Cambria Math" panose="02040503050406030204" pitchFamily="18" charset="0"/>
+                          </a:rPr>
+                        </m:ctrlPr>
+                      </m:sSubPr>
+                      <m:e>
+                        <m:r>
+                          <a:rPr lang="en-US" altLang="zh-CN" i="1">
+                            <a:latin typeface="Cambria Math" panose="02040503050406030204" pitchFamily="18" charset="0"/>
+                          </a:rPr>
+                          <m:t>𝑔𝑎𝑜</m:t>
+                        </m:r>
+                      </m:e>
+                      <m:sub>
+                        <m:r>
+                          <a:rPr lang="en-US" altLang="zh-CN" i="1">
+                            <a:latin typeface="Cambria Math" panose="02040503050406030204" pitchFamily="18" charset="0"/>
+                          </a:rPr>
+                          <m:t>𝑖</m:t>
+                        </m:r>
+                      </m:sub>
+                    </m:sSub>
+                  </m:oMath>
+                </a14:m>
+                <a:r>
+                  <a:rPr lang="en-US" altLang="zh-CN"/>
+                  <a:t>-</a:t>
+                </a:r>
+                <a14:m>
+                  <m:oMath xmlns:m="http://schemas.openxmlformats.org/officeDocument/2006/math">
+                    <m:sSub>
+                      <m:sSubPr>
+                        <m:ctrlPr>
+                          <a:rPr lang="en-US" altLang="zh-CN" i="1" smtClean="0">
+                            <a:latin typeface="Cambria Math" panose="02040503050406030204" pitchFamily="18" charset="0"/>
+                          </a:rPr>
+                        </m:ctrlPr>
+                      </m:sSubPr>
+                      <m:e>
+                        <m:r>
+                          <a:rPr lang="zh-CN" altLang="en-US" i="1">
+                            <a:latin typeface="Cambria Math" panose="02040503050406030204" pitchFamily="18" charset="0"/>
+                          </a:rPr>
+                          <m:t>𝜉</m:t>
+                        </m:r>
+                      </m:e>
+                      <m:sub>
+                        <m:r>
+                          <a:rPr lang="en-US" altLang="zh-CN" b="0" i="1" smtClean="0">
+                            <a:latin typeface="Cambria Math" panose="02040503050406030204" pitchFamily="18" charset="0"/>
+                          </a:rPr>
+                          <m:t>𝑛</m:t>
+                        </m:r>
+                        <m:r>
+                          <a:rPr lang="en-US" altLang="zh-CN" b="0" i="1" smtClean="0">
+                            <a:latin typeface="Cambria Math" panose="02040503050406030204" pitchFamily="18" charset="0"/>
+                          </a:rPr>
+                          <m:t>,1</m:t>
+                        </m:r>
+                      </m:sub>
+                    </m:sSub>
+                  </m:oMath>
+                </a14:m>
+                <a:endParaRPr lang="en-US" altLang="zh-CN"/>
+              </a:p>
+            </p:txBody>
+          </p:sp>
+        </mc:Choice>
+        <mc:Fallback>
+          <p:sp>
+            <p:nvSpPr>
+              <p:cNvPr id="90" name="文本框 89">
+                <a:extLst>
+                  <a:ext uri="{FF2B5EF4-FFF2-40B4-BE49-F238E27FC236}">
+                    <a16:creationId xmlns:a16="http://schemas.microsoft.com/office/drawing/2014/main" id="{B8324AC4-AD96-EC37-F6A1-15FC3975D5C7}"/>
+                  </a:ext>
+                </a:extLst>
+              </p:cNvPr>
+              <p:cNvSpPr txBox="1">
+                <a:spLocks noRot="1" noChangeAspect="1" noMove="1" noResize="1" noEditPoints="1" noAdjustHandles="1" noChangeArrowheads="1" noChangeShapeType="1" noTextEdit="1"/>
+              </p:cNvSpPr>
+              <p:nvPr/>
+            </p:nvSpPr>
+            <p:spPr>
+              <a:xfrm>
+                <a:off x="3799468" y="3718579"/>
+                <a:ext cx="1117550" cy="381515"/>
+              </a:xfrm>
+              <a:prstGeom prst="rect">
+                <a:avLst/>
+              </a:prstGeom>
+              <a:blipFill>
+                <a:blip r:embed="rId9"/>
+                <a:stretch>
+                  <a:fillRect t="-6349" b="-22222"/>
+                </a:stretch>
+              </a:blipFill>
+            </p:spPr>
+            <p:txBody>
+              <a:bodyPr/>
+              <a:lstStyle/>
+              <a:p>
+                <a:r>
+                  <a:rPr lang="zh-CN" altLang="en-US">
+                    <a:noFill/>
+                  </a:rPr>
+                  <a:t> </a:t>
+                </a:r>
+              </a:p>
+            </p:txBody>
+          </p:sp>
+        </mc:Fallback>
+      </mc:AlternateContent>
+      <p:cxnSp>
+        <p:nvCxnSpPr>
+          <p:cNvPr id="97" name="连接符: 肘形 96">
+            <a:extLst>
+              <a:ext uri="{FF2B5EF4-FFF2-40B4-BE49-F238E27FC236}">
+                <a16:creationId xmlns:a16="http://schemas.microsoft.com/office/drawing/2014/main" id="{8556C2F5-DC96-4EE5-2D40-61B83DC1BC6F}"/>
+              </a:ext>
+            </a:extLst>
+          </p:cNvPr>
+          <p:cNvCxnSpPr>
+            <a:cxnSpLocks/>
+            <a:stCxn id="112" idx="2"/>
+            <a:endCxn id="90" idx="2"/>
+          </p:cNvCxnSpPr>
+          <p:nvPr/>
+        </p:nvCxnSpPr>
+        <p:spPr>
+          <a:xfrm rot="5400000" flipH="1">
+            <a:off x="5353579" y="3104759"/>
+            <a:ext cx="1262816" cy="3253487"/>
+          </a:xfrm>
+          <a:prstGeom prst="bentConnector3">
+            <a:avLst>
+              <a:gd name="adj1" fmla="val -18102"/>
+            </a:avLst>
+          </a:prstGeom>
+          <a:ln w="12700">
+            <a:solidFill>
+              <a:schemeClr val="tx1"/>
+            </a:solidFill>
+            <a:prstDash val="solid"/>
+            <a:tailEnd type="triangle"/>
+          </a:ln>
+        </p:spPr>
+        <p:style>
+          <a:lnRef idx="1">
+            <a:schemeClr val="accent1"/>
+          </a:lnRef>
+          <a:fillRef idx="0">
+            <a:schemeClr val="accent1"/>
+          </a:fillRef>
+          <a:effectRef idx="0">
+            <a:schemeClr val="accent1"/>
+          </a:effectRef>
+          <a:fontRef idx="minor">
+            <a:schemeClr val="tx1"/>
+          </a:fontRef>
+        </p:style>
+      </p:cxnSp>
+      <mc:AlternateContent xmlns:mc="http://schemas.openxmlformats.org/markup-compatibility/2006">
+        <mc:Choice xmlns:a14="http://schemas.microsoft.com/office/drawing/2010/main" Requires="a14">
+          <p:sp>
+            <p:nvSpPr>
+              <p:cNvPr id="112" name="文本框 111">
+                <a:extLst>
+                  <a:ext uri="{FF2B5EF4-FFF2-40B4-BE49-F238E27FC236}">
+                    <a16:creationId xmlns:a16="http://schemas.microsoft.com/office/drawing/2014/main" id="{5EC1E644-F881-87AB-4FC6-61ADDE6A7933}"/>
+                  </a:ext>
+                </a:extLst>
+              </p:cNvPr>
+              <p:cNvSpPr txBox="1"/>
+              <p:nvPr/>
+            </p:nvSpPr>
+            <p:spPr>
+              <a:xfrm>
+                <a:off x="7406834" y="4993578"/>
+                <a:ext cx="409792" cy="369332"/>
+              </a:xfrm>
+              <a:prstGeom prst="rect">
+                <a:avLst/>
+              </a:prstGeom>
+              <a:noFill/>
+            </p:spPr>
+            <p:txBody>
+              <a:bodyPr wrap="none" rtlCol="0">
+                <a:spAutoFit/>
+              </a:bodyPr>
+              <a:lstStyle/>
+              <a:p>
+                <a14:m>
+                  <m:oMathPara xmlns:m="http://schemas.openxmlformats.org/officeDocument/2006/math">
+                    <m:oMathParaPr>
+                      <m:jc m:val="centerGroup"/>
+                    </m:oMathParaPr>
+                    <m:oMath xmlns:m="http://schemas.openxmlformats.org/officeDocument/2006/math">
+                      <m:sSub>
+                        <m:sSubPr>
+                          <m:ctrlPr>
+                            <a:rPr lang="en-US" altLang="zh-CN" i="1" smtClean="0">
+                              <a:latin typeface="Cambria Math" panose="02040503050406030204" pitchFamily="18" charset="0"/>
+                            </a:rPr>
+                          </m:ctrlPr>
+                        </m:sSubPr>
+                        <m:e>
+                          <m:r>
+                            <a:rPr lang="en-US" altLang="zh-CN" b="0" i="1" smtClean="0">
+                              <a:latin typeface="Cambria Math" panose="02040503050406030204" pitchFamily="18" charset="0"/>
+                            </a:rPr>
+                            <m:t>𝑡</m:t>
+                          </m:r>
+                        </m:e>
+                        <m:sub>
+                          <m:r>
+                            <a:rPr lang="en-US" altLang="zh-CN" b="0" i="1" smtClean="0">
+                              <a:latin typeface="Cambria Math" panose="02040503050406030204" pitchFamily="18" charset="0"/>
+                            </a:rPr>
+                            <m:t>𝑖</m:t>
+                          </m:r>
+                        </m:sub>
+                      </m:sSub>
+                    </m:oMath>
+                  </m:oMathPara>
+                </a14:m>
+                <a:endParaRPr lang="en-US" altLang="zh-CN"/>
+              </a:p>
+            </p:txBody>
+          </p:sp>
+        </mc:Choice>
+        <mc:Fallback>
+          <p:sp>
+            <p:nvSpPr>
+              <p:cNvPr id="112" name="文本框 111">
+                <a:extLst>
+                  <a:ext uri="{FF2B5EF4-FFF2-40B4-BE49-F238E27FC236}">
+                    <a16:creationId xmlns:a16="http://schemas.microsoft.com/office/drawing/2014/main" id="{5EC1E644-F881-87AB-4FC6-61ADDE6A7933}"/>
+                  </a:ext>
+                </a:extLst>
+              </p:cNvPr>
+              <p:cNvSpPr txBox="1">
+                <a:spLocks noRot="1" noChangeAspect="1" noMove="1" noResize="1" noEditPoints="1" noAdjustHandles="1" noChangeArrowheads="1" noChangeShapeType="1" noTextEdit="1"/>
+              </p:cNvSpPr>
+              <p:nvPr/>
+            </p:nvSpPr>
+            <p:spPr>
+              <a:xfrm>
+                <a:off x="7406834" y="4993578"/>
+                <a:ext cx="409792" cy="369332"/>
+              </a:xfrm>
+              <a:prstGeom prst="rect">
+                <a:avLst/>
+              </a:prstGeom>
+              <a:blipFill>
+                <a:blip r:embed="rId10"/>
+                <a:stretch>
+                  <a:fillRect/>
+                </a:stretch>
+              </a:blipFill>
+            </p:spPr>
+            <p:txBody>
+              <a:bodyPr/>
+              <a:lstStyle/>
+              <a:p>
+                <a:r>
+                  <a:rPr lang="zh-CN" altLang="en-US">
+                    <a:noFill/>
+                  </a:rPr>
+                  <a:t> </a:t>
+                </a:r>
+              </a:p>
+            </p:txBody>
+          </p:sp>
+        </mc:Fallback>
+      </mc:AlternateContent>
+      <mc:AlternateContent xmlns:mc="http://schemas.openxmlformats.org/markup-compatibility/2006">
+        <mc:Choice xmlns:a14="http://schemas.microsoft.com/office/drawing/2010/main" Requires="a14">
+          <p:sp>
+            <p:nvSpPr>
+              <p:cNvPr id="141" name="文本框 140">
+                <a:extLst>
+                  <a:ext uri="{FF2B5EF4-FFF2-40B4-BE49-F238E27FC236}">
+                    <a16:creationId xmlns:a16="http://schemas.microsoft.com/office/drawing/2014/main" id="{AC93F4A9-D3FE-9716-0656-070653713C3F}"/>
+                  </a:ext>
+                </a:extLst>
+              </p:cNvPr>
+              <p:cNvSpPr txBox="1"/>
+              <p:nvPr/>
+            </p:nvSpPr>
+            <p:spPr>
+              <a:xfrm>
+                <a:off x="5781551" y="4081339"/>
+                <a:ext cx="452240" cy="369332"/>
+              </a:xfrm>
+              <a:prstGeom prst="rect">
+                <a:avLst/>
+              </a:prstGeom>
+              <a:noFill/>
+            </p:spPr>
+            <p:txBody>
+              <a:bodyPr wrap="none" rtlCol="0">
+                <a:spAutoFit/>
+              </a:bodyPr>
+              <a:lstStyle/>
+              <a:p>
+                <a14:m>
+                  <m:oMathPara xmlns:m="http://schemas.openxmlformats.org/officeDocument/2006/math">
+                    <m:oMathParaPr>
+                      <m:jc m:val="centerGroup"/>
+                    </m:oMathParaPr>
+                    <m:oMath xmlns:m="http://schemas.openxmlformats.org/officeDocument/2006/math">
+                      <m:sSub>
+                        <m:sSubPr>
+                          <m:ctrlPr>
+                            <a:rPr lang="en-US" altLang="zh-CN" i="1" smtClean="0">
+                              <a:latin typeface="Cambria Math" panose="02040503050406030204" pitchFamily="18" charset="0"/>
+                            </a:rPr>
+                          </m:ctrlPr>
+                        </m:sSubPr>
+                        <m:e>
+                          <m:r>
+                            <a:rPr lang="en-US" altLang="zh-CN" b="0" i="1" smtClean="0">
+                              <a:latin typeface="Cambria Math" panose="02040503050406030204" pitchFamily="18" charset="0"/>
+                            </a:rPr>
+                            <m:t>𝑡</m:t>
+                          </m:r>
+                        </m:e>
+                        <m:sub>
+                          <m:r>
+                            <a:rPr lang="en-US" altLang="zh-CN" b="0" i="1" smtClean="0">
+                              <a:latin typeface="Cambria Math" panose="02040503050406030204" pitchFamily="18" charset="0"/>
+                            </a:rPr>
+                            <m:t>𝑘</m:t>
+                          </m:r>
+                        </m:sub>
+                      </m:sSub>
+                    </m:oMath>
+                  </m:oMathPara>
+                </a14:m>
+                <a:endParaRPr lang="en-US" altLang="zh-CN"/>
+              </a:p>
+            </p:txBody>
+          </p:sp>
+        </mc:Choice>
+        <mc:Fallback>
+          <p:sp>
+            <p:nvSpPr>
+              <p:cNvPr id="141" name="文本框 140">
+                <a:extLst>
+                  <a:ext uri="{FF2B5EF4-FFF2-40B4-BE49-F238E27FC236}">
+                    <a16:creationId xmlns:a16="http://schemas.microsoft.com/office/drawing/2014/main" id="{AC93F4A9-D3FE-9716-0656-070653713C3F}"/>
+                  </a:ext>
+                </a:extLst>
+              </p:cNvPr>
+              <p:cNvSpPr txBox="1">
+                <a:spLocks noRot="1" noChangeAspect="1" noMove="1" noResize="1" noEditPoints="1" noAdjustHandles="1" noChangeArrowheads="1" noChangeShapeType="1" noTextEdit="1"/>
+              </p:cNvSpPr>
+              <p:nvPr/>
+            </p:nvSpPr>
+            <p:spPr>
+              <a:xfrm>
+                <a:off x="5781551" y="4081339"/>
+                <a:ext cx="452240" cy="369332"/>
+              </a:xfrm>
+              <a:prstGeom prst="rect">
+                <a:avLst/>
+              </a:prstGeom>
+              <a:blipFill>
+                <a:blip r:embed="rId11"/>
+                <a:stretch>
+                  <a:fillRect/>
+                </a:stretch>
+              </a:blipFill>
+            </p:spPr>
+            <p:txBody>
+              <a:bodyPr/>
+              <a:lstStyle/>
+              <a:p>
+                <a:r>
+                  <a:rPr lang="zh-CN" altLang="en-US">
+                    <a:noFill/>
+                  </a:rPr>
+                  <a:t> </a:t>
+                </a:r>
+              </a:p>
+            </p:txBody>
+          </p:sp>
+        </mc:Fallback>
+      </mc:AlternateContent>
+      <mc:AlternateContent xmlns:mc="http://schemas.openxmlformats.org/markup-compatibility/2006">
+        <mc:Choice xmlns:a14="http://schemas.microsoft.com/office/drawing/2010/main" Requires="a14">
+          <p:sp>
+            <p:nvSpPr>
+              <p:cNvPr id="142" name="文本框 141">
+                <a:extLst>
+                  <a:ext uri="{FF2B5EF4-FFF2-40B4-BE49-F238E27FC236}">
+                    <a16:creationId xmlns:a16="http://schemas.microsoft.com/office/drawing/2014/main" id="{3DC4C53C-9C52-C615-D356-A9D76952D67D}"/>
+                  </a:ext>
+                </a:extLst>
+              </p:cNvPr>
+              <p:cNvSpPr txBox="1"/>
+              <p:nvPr/>
+            </p:nvSpPr>
+            <p:spPr>
+              <a:xfrm>
+                <a:off x="2242667" y="69407"/>
+                <a:ext cx="483659" cy="369332"/>
+              </a:xfrm>
+              <a:prstGeom prst="rect">
+                <a:avLst/>
+              </a:prstGeom>
+              <a:noFill/>
+            </p:spPr>
+            <p:txBody>
+              <a:bodyPr wrap="none" rtlCol="0">
+                <a:spAutoFit/>
+              </a:bodyPr>
+              <a:lstStyle/>
+              <a:p>
+                <a14:m>
+                  <m:oMathPara xmlns:m="http://schemas.openxmlformats.org/officeDocument/2006/math">
+                    <m:oMathParaPr>
+                      <m:jc m:val="centerGroup"/>
+                    </m:oMathParaPr>
+                    <m:oMath xmlns:m="http://schemas.openxmlformats.org/officeDocument/2006/math">
+                      <m:r>
+                        <a:rPr lang="en-US" altLang="zh-CN" b="0" i="1" smtClean="0">
+                          <a:latin typeface="Cambria Math" panose="02040503050406030204" pitchFamily="18" charset="0"/>
+                        </a:rPr>
+                        <m:t>𝐼</m:t>
+                      </m:r>
+                      <m:r>
+                        <a:rPr lang="en-US" altLang="zh-CN" i="1" smtClean="0">
+                          <a:latin typeface="Cambria Math" panose="02040503050406030204" pitchFamily="18" charset="0"/>
+                        </a:rPr>
+                        <m:t>𝑃</m:t>
+                      </m:r>
+                    </m:oMath>
+                  </m:oMathPara>
+                </a14:m>
+                <a:endParaRPr lang="en-US" altLang="zh-CN"/>
+              </a:p>
+            </p:txBody>
+          </p:sp>
+        </mc:Choice>
+        <mc:Fallback>
+          <p:sp>
+            <p:nvSpPr>
+              <p:cNvPr id="142" name="文本框 141">
+                <a:extLst>
+                  <a:ext uri="{FF2B5EF4-FFF2-40B4-BE49-F238E27FC236}">
+                    <a16:creationId xmlns:a16="http://schemas.microsoft.com/office/drawing/2014/main" id="{3DC4C53C-9C52-C615-D356-A9D76952D67D}"/>
+                  </a:ext>
+                </a:extLst>
+              </p:cNvPr>
+              <p:cNvSpPr txBox="1">
+                <a:spLocks noRot="1" noChangeAspect="1" noMove="1" noResize="1" noEditPoints="1" noAdjustHandles="1" noChangeArrowheads="1" noChangeShapeType="1" noTextEdit="1"/>
+              </p:cNvSpPr>
+              <p:nvPr/>
+            </p:nvSpPr>
+            <p:spPr>
+              <a:xfrm>
+                <a:off x="2242667" y="69407"/>
+                <a:ext cx="483659" cy="369332"/>
+              </a:xfrm>
+              <a:prstGeom prst="rect">
+                <a:avLst/>
+              </a:prstGeom>
+              <a:blipFill>
+                <a:blip r:embed="rId12"/>
+                <a:stretch>
+                  <a:fillRect/>
+                </a:stretch>
+              </a:blipFill>
+            </p:spPr>
+            <p:txBody>
+              <a:bodyPr/>
+              <a:lstStyle/>
+              <a:p>
+                <a:r>
+                  <a:rPr lang="zh-CN" altLang="en-US">
+                    <a:noFill/>
+                  </a:rPr>
+                  <a:t> </a:t>
+                </a:r>
+              </a:p>
+            </p:txBody>
+          </p:sp>
+        </mc:Fallback>
+      </mc:AlternateContent>
+      <mc:AlternateContent xmlns:mc="http://schemas.openxmlformats.org/markup-compatibility/2006">
+        <mc:Choice xmlns:a14="http://schemas.microsoft.com/office/drawing/2010/main" Requires="a14">
+          <p:sp>
+            <p:nvSpPr>
+              <p:cNvPr id="147" name="文本框 146">
+                <a:extLst>
+                  <a:ext uri="{FF2B5EF4-FFF2-40B4-BE49-F238E27FC236}">
+                    <a16:creationId xmlns:a16="http://schemas.microsoft.com/office/drawing/2014/main" id="{2C3E468F-84CA-D966-E4B6-6E3D9AF1ECE1}"/>
+                  </a:ext>
+                </a:extLst>
+              </p:cNvPr>
+              <p:cNvSpPr txBox="1"/>
+              <p:nvPr/>
+            </p:nvSpPr>
+            <p:spPr>
+              <a:xfrm>
+                <a:off x="3167111" y="777569"/>
+                <a:ext cx="373820" cy="369332"/>
+              </a:xfrm>
+              <a:prstGeom prst="rect">
+                <a:avLst/>
+              </a:prstGeom>
+              <a:noFill/>
+            </p:spPr>
+            <p:txBody>
+              <a:bodyPr wrap="none" rtlCol="0">
+                <a:spAutoFit/>
+              </a:bodyPr>
+              <a:lstStyle/>
+              <a:p>
+                <a14:m>
+                  <m:oMathPara xmlns:m="http://schemas.openxmlformats.org/officeDocument/2006/math">
+                    <m:oMathParaPr>
+                      <m:jc m:val="centerGroup"/>
+                    </m:oMathParaPr>
+                    <m:oMath xmlns:m="http://schemas.openxmlformats.org/officeDocument/2006/math">
+                      <m:r>
+                        <m:rPr>
+                          <m:sty m:val="p"/>
+                        </m:rPr>
+                        <a:rPr lang="en-US" altLang="zh-CN" b="0" i="0" smtClean="0">
+                          <a:latin typeface="Cambria Math" panose="02040503050406030204" pitchFamily="18" charset="0"/>
+                        </a:rPr>
+                        <m:t>I</m:t>
+                      </m:r>
+                      <m:r>
+                        <a:rPr lang="en-US" altLang="zh-CN" i="1" smtClean="0">
+                          <a:latin typeface="Cambria Math" panose="02040503050406030204" pitchFamily="18" charset="0"/>
+                        </a:rPr>
+                        <m:t>’</m:t>
+                      </m:r>
+                    </m:oMath>
+                  </m:oMathPara>
+                </a14:m>
+                <a:endParaRPr lang="en-US" altLang="zh-CN"/>
+              </a:p>
+            </p:txBody>
+          </p:sp>
+        </mc:Choice>
+        <mc:Fallback>
+          <p:sp>
+            <p:nvSpPr>
+              <p:cNvPr id="147" name="文本框 146">
+                <a:extLst>
+                  <a:ext uri="{FF2B5EF4-FFF2-40B4-BE49-F238E27FC236}">
+                    <a16:creationId xmlns:a16="http://schemas.microsoft.com/office/drawing/2014/main" id="{2C3E468F-84CA-D966-E4B6-6E3D9AF1ECE1}"/>
+                  </a:ext>
+                </a:extLst>
+              </p:cNvPr>
+              <p:cNvSpPr txBox="1">
+                <a:spLocks noRot="1" noChangeAspect="1" noMove="1" noResize="1" noEditPoints="1" noAdjustHandles="1" noChangeArrowheads="1" noChangeShapeType="1" noTextEdit="1"/>
+              </p:cNvSpPr>
+              <p:nvPr/>
+            </p:nvSpPr>
+            <p:spPr>
+              <a:xfrm>
+                <a:off x="3167111" y="777569"/>
+                <a:ext cx="373820" cy="369332"/>
+              </a:xfrm>
+              <a:prstGeom prst="rect">
+                <a:avLst/>
+              </a:prstGeom>
+              <a:blipFill>
+                <a:blip r:embed="rId13"/>
+                <a:stretch>
+                  <a:fillRect/>
+                </a:stretch>
+              </a:blipFill>
+            </p:spPr>
+            <p:txBody>
+              <a:bodyPr/>
+              <a:lstStyle/>
+              <a:p>
+                <a:r>
+                  <a:rPr lang="zh-CN" altLang="en-US">
+                    <a:noFill/>
+                  </a:rPr>
+                  <a:t> </a:t>
+                </a:r>
+              </a:p>
+            </p:txBody>
+          </p:sp>
+        </mc:Fallback>
+      </mc:AlternateContent>
+      <mc:AlternateContent xmlns:mc="http://schemas.openxmlformats.org/markup-compatibility/2006">
+        <mc:Choice xmlns:a14="http://schemas.microsoft.com/office/drawing/2010/main" Requires="a14">
+          <p:sp>
+            <p:nvSpPr>
+              <p:cNvPr id="154" name="文本框 153">
+                <a:extLst>
+                  <a:ext uri="{FF2B5EF4-FFF2-40B4-BE49-F238E27FC236}">
+                    <a16:creationId xmlns:a16="http://schemas.microsoft.com/office/drawing/2014/main" id="{A1509B48-A6D1-4366-AEFA-2062C04CBACF}"/>
+                  </a:ext>
+                </a:extLst>
+              </p:cNvPr>
+              <p:cNvSpPr txBox="1"/>
+              <p:nvPr/>
+            </p:nvSpPr>
+            <p:spPr>
+              <a:xfrm>
+                <a:off x="947185" y="783299"/>
+                <a:ext cx="1443857" cy="369332"/>
+              </a:xfrm>
+              <a:prstGeom prst="rect">
+                <a:avLst/>
+              </a:prstGeom>
+              <a:noFill/>
+            </p:spPr>
+            <p:txBody>
+              <a:bodyPr wrap="none" rtlCol="0">
+                <a:spAutoFit/>
+              </a:bodyPr>
+              <a:lstStyle/>
+              <a:p>
+                <a14:m>
+                  <m:oMathPara xmlns:m="http://schemas.openxmlformats.org/officeDocument/2006/math">
+                    <m:oMathParaPr>
+                      <m:jc m:val="centerGroup"/>
+                    </m:oMathParaPr>
+                    <m:oMath xmlns:m="http://schemas.openxmlformats.org/officeDocument/2006/math">
+                      <m:r>
+                        <a:rPr lang="en-US" altLang="zh-CN" b="0" i="1" smtClean="0">
+                          <a:latin typeface="Cambria Math" panose="02040503050406030204" pitchFamily="18" charset="0"/>
+                        </a:rPr>
+                        <m:t>𝐶𝑜𝑚𝑝𝑎𝑟𝑒𝑒𝑃</m:t>
+                      </m:r>
+                    </m:oMath>
+                  </m:oMathPara>
+                </a14:m>
+                <a:endParaRPr lang="en-US" altLang="zh-CN"/>
+              </a:p>
+            </p:txBody>
+          </p:sp>
+        </mc:Choice>
+        <mc:Fallback>
+          <p:sp>
+            <p:nvSpPr>
+              <p:cNvPr id="154" name="文本框 153">
+                <a:extLst>
+                  <a:ext uri="{FF2B5EF4-FFF2-40B4-BE49-F238E27FC236}">
+                    <a16:creationId xmlns:a16="http://schemas.microsoft.com/office/drawing/2014/main" id="{A1509B48-A6D1-4366-AEFA-2062C04CBACF}"/>
+                  </a:ext>
+                </a:extLst>
+              </p:cNvPr>
+              <p:cNvSpPr txBox="1">
+                <a:spLocks noRot="1" noChangeAspect="1" noMove="1" noResize="1" noEditPoints="1" noAdjustHandles="1" noChangeArrowheads="1" noChangeShapeType="1" noTextEdit="1"/>
+              </p:cNvSpPr>
+              <p:nvPr/>
+            </p:nvSpPr>
+            <p:spPr>
+              <a:xfrm>
+                <a:off x="947185" y="783299"/>
+                <a:ext cx="1443857" cy="369332"/>
+              </a:xfrm>
+              <a:prstGeom prst="rect">
+                <a:avLst/>
+              </a:prstGeom>
+              <a:blipFill>
+                <a:blip r:embed="rId14"/>
+                <a:stretch>
+                  <a:fillRect b="-11475"/>
+                </a:stretch>
+              </a:blipFill>
+            </p:spPr>
+            <p:txBody>
+              <a:bodyPr/>
+              <a:lstStyle/>
+              <a:p>
+                <a:r>
+                  <a:rPr lang="zh-CN" altLang="en-US">
+                    <a:noFill/>
+                  </a:rPr>
+                  <a:t> </a:t>
+                </a:r>
+              </a:p>
+            </p:txBody>
+          </p:sp>
+        </mc:Fallback>
+      </mc:AlternateContent>
       <p:sp>
         <p:nvSpPr>
-          <p:cNvPr id="4" name="文本框 3">
-            <a:extLst>
-              <a:ext uri="{FF2B5EF4-FFF2-40B4-BE49-F238E27FC236}">
-                <a16:creationId xmlns:a16="http://schemas.microsoft.com/office/drawing/2014/main" id="{BADC498D-72FD-2662-0A3F-E79AC0B68B5B}"/>
+          <p:cNvPr id="155" name="等腰三角形 154">
+            <a:extLst>
+              <a:ext uri="{FF2B5EF4-FFF2-40B4-BE49-F238E27FC236}">
+                <a16:creationId xmlns:a16="http://schemas.microsoft.com/office/drawing/2014/main" id="{4519AC16-307D-A61F-0C11-864D0809E19A}"/>
+              </a:ext>
+            </a:extLst>
+          </p:cNvPr>
+          <p:cNvSpPr/>
+          <p:nvPr/>
+        </p:nvSpPr>
+        <p:spPr>
+          <a:xfrm>
+            <a:off x="1359072" y="1146901"/>
+            <a:ext cx="684655" cy="230414"/>
+          </a:xfrm>
+          <a:prstGeom prst="triangle">
+            <a:avLst/>
+          </a:prstGeom>
+          <a:noFill/>
+          <a:ln>
+            <a:solidFill>
+              <a:schemeClr val="tx1"/>
+            </a:solidFill>
+          </a:ln>
+        </p:spPr>
+        <p:style>
+          <a:lnRef idx="2">
+            <a:schemeClr val="accent1">
+              <a:shade val="15000"/>
+            </a:schemeClr>
+          </a:lnRef>
+          <a:fillRef idx="1">
+            <a:schemeClr val="accent1"/>
+          </a:fillRef>
+          <a:effectRef idx="0">
+            <a:schemeClr val="accent1"/>
+          </a:effectRef>
+          <a:fontRef idx="minor">
+            <a:schemeClr val="lt1"/>
+          </a:fontRef>
+        </p:style>
+        <p:txBody>
+          <a:bodyPr rtlCol="0" anchor="ctr"/>
+          <a:lstStyle/>
+          <a:p>
+            <a:pPr algn="ctr"/>
+            <a:endParaRPr lang="zh-CN" altLang="en-US"/>
+          </a:p>
+        </p:txBody>
+      </p:sp>
+      <p:cxnSp>
+        <p:nvCxnSpPr>
+          <p:cNvPr id="157" name="直接连接符 156">
+            <a:extLst>
+              <a:ext uri="{FF2B5EF4-FFF2-40B4-BE49-F238E27FC236}">
+                <a16:creationId xmlns:a16="http://schemas.microsoft.com/office/drawing/2014/main" id="{866465E3-D602-B8C5-0618-DFBDDDE7ABBA}"/>
+              </a:ext>
+            </a:extLst>
+          </p:cNvPr>
+          <p:cNvCxnSpPr>
+            <a:cxnSpLocks/>
+            <a:stCxn id="154" idx="0"/>
+            <a:endCxn id="142" idx="2"/>
+          </p:cNvCxnSpPr>
+          <p:nvPr/>
+        </p:nvCxnSpPr>
+        <p:spPr>
+          <a:xfrm flipV="1">
+            <a:off x="1669114" y="438739"/>
+            <a:ext cx="815383" cy="344560"/>
+          </a:xfrm>
+          <a:prstGeom prst="line">
+            <a:avLst/>
+          </a:prstGeom>
+          <a:ln w="12700">
+            <a:solidFill>
+              <a:schemeClr val="tx1"/>
+            </a:solidFill>
+          </a:ln>
+        </p:spPr>
+        <p:style>
+          <a:lnRef idx="1">
+            <a:schemeClr val="accent1"/>
+          </a:lnRef>
+          <a:fillRef idx="0">
+            <a:schemeClr val="accent1"/>
+          </a:fillRef>
+          <a:effectRef idx="0">
+            <a:schemeClr val="accent1"/>
+          </a:effectRef>
+          <a:fontRef idx="minor">
+            <a:schemeClr val="tx1"/>
+          </a:fontRef>
+        </p:style>
+      </p:cxnSp>
+      <p:cxnSp>
+        <p:nvCxnSpPr>
+          <p:cNvPr id="160" name="直接连接符 159">
+            <a:extLst>
+              <a:ext uri="{FF2B5EF4-FFF2-40B4-BE49-F238E27FC236}">
+                <a16:creationId xmlns:a16="http://schemas.microsoft.com/office/drawing/2014/main" id="{361819B8-5878-64B9-B200-3918C6D30549}"/>
+              </a:ext>
+            </a:extLst>
+          </p:cNvPr>
+          <p:cNvCxnSpPr>
+            <a:cxnSpLocks/>
+            <a:stCxn id="147" idx="0"/>
+            <a:endCxn id="142" idx="2"/>
+          </p:cNvCxnSpPr>
+          <p:nvPr/>
+        </p:nvCxnSpPr>
+        <p:spPr>
+          <a:xfrm flipH="1" flipV="1">
+            <a:off x="2484497" y="438739"/>
+            <a:ext cx="869524" cy="338830"/>
+          </a:xfrm>
+          <a:prstGeom prst="line">
+            <a:avLst/>
+          </a:prstGeom>
+          <a:ln w="12700">
+            <a:solidFill>
+              <a:schemeClr val="tx1"/>
+            </a:solidFill>
+          </a:ln>
+        </p:spPr>
+        <p:style>
+          <a:lnRef idx="1">
+            <a:schemeClr val="accent1"/>
+          </a:lnRef>
+          <a:fillRef idx="0">
+            <a:schemeClr val="accent1"/>
+          </a:fillRef>
+          <a:effectRef idx="0">
+            <a:schemeClr val="accent1"/>
+          </a:effectRef>
+          <a:fontRef idx="minor">
+            <a:schemeClr val="tx1"/>
+          </a:fontRef>
+        </p:style>
+      </p:cxnSp>
+      <p:cxnSp>
+        <p:nvCxnSpPr>
+          <p:cNvPr id="166" name="直接连接符 165">
+            <a:extLst>
+              <a:ext uri="{FF2B5EF4-FFF2-40B4-BE49-F238E27FC236}">
+                <a16:creationId xmlns:a16="http://schemas.microsoft.com/office/drawing/2014/main" id="{888452A3-12ED-7E1E-BA84-E65492B1D72E}"/>
+              </a:ext>
+            </a:extLst>
+          </p:cNvPr>
+          <p:cNvCxnSpPr>
+            <a:cxnSpLocks/>
+            <a:stCxn id="147" idx="2"/>
+            <a:endCxn id="215" idx="0"/>
+          </p:cNvCxnSpPr>
+          <p:nvPr/>
+        </p:nvCxnSpPr>
+        <p:spPr>
+          <a:xfrm flipH="1">
+            <a:off x="2723689" y="1146901"/>
+            <a:ext cx="630332" cy="318695"/>
+          </a:xfrm>
+          <a:prstGeom prst="line">
+            <a:avLst/>
+          </a:prstGeom>
+          <a:ln w="12700">
+            <a:solidFill>
+              <a:schemeClr val="tx1"/>
+            </a:solidFill>
+          </a:ln>
+        </p:spPr>
+        <p:style>
+          <a:lnRef idx="1">
+            <a:schemeClr val="accent1"/>
+          </a:lnRef>
+          <a:fillRef idx="0">
+            <a:schemeClr val="accent1"/>
+          </a:fillRef>
+          <a:effectRef idx="0">
+            <a:schemeClr val="accent1"/>
+          </a:effectRef>
+          <a:fontRef idx="minor">
+            <a:schemeClr val="tx1"/>
+          </a:fontRef>
+        </p:style>
+      </p:cxnSp>
+      <p:sp>
+        <p:nvSpPr>
+          <p:cNvPr id="201" name="文本框 200">
+            <a:extLst>
+              <a:ext uri="{FF2B5EF4-FFF2-40B4-BE49-F238E27FC236}">
+                <a16:creationId xmlns:a16="http://schemas.microsoft.com/office/drawing/2014/main" id="{210CADAE-8900-2F7F-A865-559C34EC4A84}"/>
               </a:ext>
             </a:extLst>
           </p:cNvPr>
@@ -3335,8 +5289,8 @@
         </p:nvSpPr>
         <p:spPr>
           <a:xfrm>
-            <a:off x="4498328" y="372693"/>
-            <a:ext cx="721672" cy="369332"/>
+            <a:off x="3855783" y="1462584"/>
+            <a:ext cx="346570" cy="369332"/>
           </a:xfrm>
           <a:prstGeom prst="rect">
             <a:avLst/>
@@ -3344,19 +5298,5866 @@
           <a:noFill/>
         </p:spPr>
         <p:txBody>
-          <a:bodyPr wrap="none" rtlCol="0">
+          <a:bodyPr wrap="square" rtlCol="0">
             <a:spAutoFit/>
           </a:bodyPr>
           <a:lstStyle/>
           <a:p>
             <a:r>
-              <a:rPr lang="en-US" altLang="zh-CN" err="1"/>
-              <a:t>DegP</a:t>
+              <a:rPr lang="en-US" altLang="zh-CN"/>
+              <a:t>…</a:t>
             </a:r>
-            <a:endParaRPr lang="en-US" altLang="zh-CN"/>
           </a:p>
         </p:txBody>
       </p:sp>
+      <p:cxnSp>
+        <p:nvCxnSpPr>
+          <p:cNvPr id="202" name="直接连接符 201">
+            <a:extLst>
+              <a:ext uri="{FF2B5EF4-FFF2-40B4-BE49-F238E27FC236}">
+                <a16:creationId xmlns:a16="http://schemas.microsoft.com/office/drawing/2014/main" id="{453E73D1-6A72-8ED7-76EE-CCBD57914043}"/>
+              </a:ext>
+            </a:extLst>
+          </p:cNvPr>
+          <p:cNvCxnSpPr>
+            <a:cxnSpLocks/>
+            <a:stCxn id="4" idx="0"/>
+          </p:cNvCxnSpPr>
+          <p:nvPr/>
+        </p:nvCxnSpPr>
+        <p:spPr>
+          <a:xfrm flipH="1" flipV="1">
+            <a:off x="4146176" y="1757394"/>
+            <a:ext cx="371029" cy="289924"/>
+          </a:xfrm>
+          <a:prstGeom prst="line">
+            <a:avLst/>
+          </a:prstGeom>
+          <a:ln w="12700">
+            <a:solidFill>
+              <a:schemeClr val="tx1"/>
+            </a:solidFill>
+          </a:ln>
+        </p:spPr>
+        <p:style>
+          <a:lnRef idx="1">
+            <a:schemeClr val="accent1"/>
+          </a:lnRef>
+          <a:fillRef idx="0">
+            <a:schemeClr val="accent1"/>
+          </a:fillRef>
+          <a:effectRef idx="0">
+            <a:schemeClr val="accent1"/>
+          </a:effectRef>
+          <a:fontRef idx="minor">
+            <a:schemeClr val="tx1"/>
+          </a:fontRef>
+        </p:style>
+      </p:cxnSp>
+      <p:cxnSp>
+        <p:nvCxnSpPr>
+          <p:cNvPr id="205" name="直接连接符 204">
+            <a:extLst>
+              <a:ext uri="{FF2B5EF4-FFF2-40B4-BE49-F238E27FC236}">
+                <a16:creationId xmlns:a16="http://schemas.microsoft.com/office/drawing/2014/main" id="{48BBC60E-3EB8-32C4-EC31-57F1086AB8FD}"/>
+              </a:ext>
+            </a:extLst>
+          </p:cNvPr>
+          <p:cNvCxnSpPr>
+            <a:cxnSpLocks/>
+            <a:stCxn id="147" idx="2"/>
+          </p:cNvCxnSpPr>
+          <p:nvPr/>
+        </p:nvCxnSpPr>
+        <p:spPr>
+          <a:xfrm>
+            <a:off x="3354021" y="1146901"/>
+            <a:ext cx="554591" cy="345786"/>
+          </a:xfrm>
+          <a:prstGeom prst="line">
+            <a:avLst/>
+          </a:prstGeom>
+          <a:ln w="12700">
+            <a:solidFill>
+              <a:schemeClr val="tx1"/>
+            </a:solidFill>
+          </a:ln>
+        </p:spPr>
+        <p:style>
+          <a:lnRef idx="1">
+            <a:schemeClr val="accent1"/>
+          </a:lnRef>
+          <a:fillRef idx="0">
+            <a:schemeClr val="accent1"/>
+          </a:fillRef>
+          <a:effectRef idx="0">
+            <a:schemeClr val="accent1"/>
+          </a:effectRef>
+          <a:fontRef idx="minor">
+            <a:schemeClr val="tx1"/>
+          </a:fontRef>
+        </p:style>
+      </p:cxnSp>
+      <mc:AlternateContent xmlns:mc="http://schemas.openxmlformats.org/markup-compatibility/2006">
+        <mc:Choice xmlns:a14="http://schemas.microsoft.com/office/drawing/2010/main" Requires="a14">
+          <p:sp>
+            <p:nvSpPr>
+              <p:cNvPr id="215" name="文本框 214">
+                <a:extLst>
+                  <a:ext uri="{FF2B5EF4-FFF2-40B4-BE49-F238E27FC236}">
+                    <a16:creationId xmlns:a16="http://schemas.microsoft.com/office/drawing/2014/main" id="{6E91EB17-9AE7-239F-C755-751CCDDD856F}"/>
+                  </a:ext>
+                </a:extLst>
+              </p:cNvPr>
+              <p:cNvSpPr txBox="1"/>
+              <p:nvPr/>
+            </p:nvSpPr>
+            <p:spPr>
+              <a:xfrm>
+                <a:off x="2498691" y="1465596"/>
+                <a:ext cx="449995" cy="369332"/>
+              </a:xfrm>
+              <a:prstGeom prst="rect">
+                <a:avLst/>
+              </a:prstGeom>
+              <a:noFill/>
+            </p:spPr>
+            <p:txBody>
+              <a:bodyPr wrap="none" rtlCol="0">
+                <a:spAutoFit/>
+              </a:bodyPr>
+              <a:lstStyle/>
+              <a:p>
+                <a14:m>
+                  <m:oMathPara xmlns:m="http://schemas.openxmlformats.org/officeDocument/2006/math">
+                    <m:oMathParaPr>
+                      <m:jc m:val="centerGroup"/>
+                    </m:oMathParaPr>
+                    <m:oMath xmlns:m="http://schemas.openxmlformats.org/officeDocument/2006/math">
+                      <m:sSup>
+                        <m:sSupPr>
+                          <m:ctrlPr>
+                            <a:rPr lang="en-US" altLang="zh-CN" i="1" smtClean="0">
+                              <a:latin typeface="Cambria Math" panose="02040503050406030204" pitchFamily="18" charset="0"/>
+                            </a:rPr>
+                          </m:ctrlPr>
+                        </m:sSupPr>
+                        <m:e>
+                          <m:r>
+                            <a:rPr lang="en-US" altLang="zh-CN" b="0" i="1" smtClean="0">
+                              <a:latin typeface="Cambria Math" panose="02040503050406030204" pitchFamily="18" charset="0"/>
+                            </a:rPr>
+                            <m:t>𝐼</m:t>
+                          </m:r>
+                        </m:e>
+                        <m:sup>
+                          <m:r>
+                            <a:rPr lang="en-US" altLang="zh-CN" b="0" i="1" smtClean="0">
+                              <a:latin typeface="Cambria Math" panose="02040503050406030204" pitchFamily="18" charset="0"/>
+                            </a:rPr>
+                            <m:t>0</m:t>
+                          </m:r>
+                        </m:sup>
+                      </m:sSup>
+                    </m:oMath>
+                  </m:oMathPara>
+                </a14:m>
+                <a:endParaRPr lang="en-US" altLang="zh-CN"/>
+              </a:p>
+            </p:txBody>
+          </p:sp>
+        </mc:Choice>
+        <mc:Fallback>
+          <p:sp>
+            <p:nvSpPr>
+              <p:cNvPr id="215" name="文本框 214">
+                <a:extLst>
+                  <a:ext uri="{FF2B5EF4-FFF2-40B4-BE49-F238E27FC236}">
+                    <a16:creationId xmlns:a16="http://schemas.microsoft.com/office/drawing/2014/main" id="{6E91EB17-9AE7-239F-C755-751CCDDD856F}"/>
+                  </a:ext>
+                </a:extLst>
+              </p:cNvPr>
+              <p:cNvSpPr txBox="1">
+                <a:spLocks noRot="1" noChangeAspect="1" noMove="1" noResize="1" noEditPoints="1" noAdjustHandles="1" noChangeArrowheads="1" noChangeShapeType="1" noTextEdit="1"/>
+              </p:cNvSpPr>
+              <p:nvPr/>
+            </p:nvSpPr>
+            <p:spPr>
+              <a:xfrm>
+                <a:off x="2498691" y="1465596"/>
+                <a:ext cx="449995" cy="369332"/>
+              </a:xfrm>
+              <a:prstGeom prst="rect">
+                <a:avLst/>
+              </a:prstGeom>
+              <a:blipFill>
+                <a:blip r:embed="rId15"/>
+                <a:stretch>
+                  <a:fillRect/>
+                </a:stretch>
+              </a:blipFill>
+            </p:spPr>
+            <p:txBody>
+              <a:bodyPr/>
+              <a:lstStyle/>
+              <a:p>
+                <a:r>
+                  <a:rPr lang="zh-CN" altLang="en-US">
+                    <a:noFill/>
+                  </a:rPr>
+                  <a:t> </a:t>
+                </a:r>
+              </a:p>
+            </p:txBody>
+          </p:sp>
+        </mc:Fallback>
+      </mc:AlternateContent>
+      <p:sp>
+        <p:nvSpPr>
+          <p:cNvPr id="229" name="等腰三角形 228">
+            <a:extLst>
+              <a:ext uri="{FF2B5EF4-FFF2-40B4-BE49-F238E27FC236}">
+                <a16:creationId xmlns:a16="http://schemas.microsoft.com/office/drawing/2014/main" id="{763893E1-3983-DC82-B082-E742B28E0787}"/>
+              </a:ext>
+            </a:extLst>
+          </p:cNvPr>
+          <p:cNvSpPr/>
+          <p:nvPr/>
+        </p:nvSpPr>
+        <p:spPr>
+          <a:xfrm>
+            <a:off x="3187383" y="3021594"/>
+            <a:ext cx="684655" cy="230414"/>
+          </a:xfrm>
+          <a:prstGeom prst="triangle">
+            <a:avLst/>
+          </a:prstGeom>
+          <a:noFill/>
+          <a:ln>
+            <a:solidFill>
+              <a:schemeClr val="tx1"/>
+            </a:solidFill>
+          </a:ln>
+        </p:spPr>
+        <p:style>
+          <a:lnRef idx="2">
+            <a:schemeClr val="accent1">
+              <a:shade val="15000"/>
+            </a:schemeClr>
+          </a:lnRef>
+          <a:fillRef idx="1">
+            <a:schemeClr val="accent1"/>
+          </a:fillRef>
+          <a:effectRef idx="0">
+            <a:schemeClr val="accent1"/>
+          </a:effectRef>
+          <a:fontRef idx="minor">
+            <a:schemeClr val="lt1"/>
+          </a:fontRef>
+        </p:style>
+        <p:txBody>
+          <a:bodyPr rtlCol="0" anchor="ctr"/>
+          <a:lstStyle/>
+          <a:p>
+            <a:pPr algn="ctr"/>
+            <a:endParaRPr lang="zh-CN" altLang="en-US"/>
+          </a:p>
+        </p:txBody>
+      </p:sp>
+      <p:cxnSp>
+        <p:nvCxnSpPr>
+          <p:cNvPr id="231" name="连接符: 肘形 230">
+            <a:extLst>
+              <a:ext uri="{FF2B5EF4-FFF2-40B4-BE49-F238E27FC236}">
+                <a16:creationId xmlns:a16="http://schemas.microsoft.com/office/drawing/2014/main" id="{E07BDBB9-950D-A153-DFA7-C2977A378195}"/>
+              </a:ext>
+            </a:extLst>
+          </p:cNvPr>
+          <p:cNvCxnSpPr>
+            <a:cxnSpLocks/>
+            <a:stCxn id="141" idx="2"/>
+            <a:endCxn id="155" idx="3"/>
+          </p:cNvCxnSpPr>
+          <p:nvPr/>
+        </p:nvCxnSpPr>
+        <p:spPr>
+          <a:xfrm rot="5400000" flipH="1">
+            <a:off x="2317858" y="760858"/>
+            <a:ext cx="3073356" cy="4306271"/>
+          </a:xfrm>
+          <a:prstGeom prst="bentConnector3">
+            <a:avLst>
+              <a:gd name="adj1" fmla="val -7438"/>
+            </a:avLst>
+          </a:prstGeom>
+          <a:ln w="12700">
+            <a:solidFill>
+              <a:schemeClr val="tx1"/>
+            </a:solidFill>
+            <a:prstDash val="lgDashDot"/>
+            <a:tailEnd type="triangle"/>
+          </a:ln>
+        </p:spPr>
+        <p:style>
+          <a:lnRef idx="1">
+            <a:schemeClr val="accent1"/>
+          </a:lnRef>
+          <a:fillRef idx="0">
+            <a:schemeClr val="accent1"/>
+          </a:fillRef>
+          <a:effectRef idx="0">
+            <a:schemeClr val="accent1"/>
+          </a:effectRef>
+          <a:fontRef idx="minor">
+            <a:schemeClr val="tx1"/>
+          </a:fontRef>
+        </p:style>
+      </p:cxnSp>
+    </p:spTree>
+    <p:extLst>
+      <p:ext uri="{BB962C8B-B14F-4D97-AF65-F5344CB8AC3E}">
+        <p14:creationId xmlns:p14="http://schemas.microsoft.com/office/powerpoint/2010/main" val="109303824"/>
+      </p:ext>
+    </p:extLst>
+  </p:cSld>
+  <p:clrMapOvr>
+    <a:masterClrMapping/>
+  </p:clrMapOvr>
+</p:sld>
+</file>
+
+<file path=ppt/slides/slide2.xml><?xml version="1.0" encoding="utf-8"?>
+<p:sld xmlns:a="http://schemas.openxmlformats.org/drawingml/2006/main" xmlns:r="http://schemas.openxmlformats.org/officeDocument/2006/relationships" xmlns:p="http://schemas.openxmlformats.org/presentationml/2006/main">
+  <p:cSld>
+    <p:spTree>
+      <p:nvGrpSpPr>
+        <p:cNvPr id="1" name=""/>
+        <p:cNvGrpSpPr/>
+        <p:nvPr/>
+      </p:nvGrpSpPr>
+      <p:grpSpPr>
+        <a:xfrm>
+          <a:off x="0" y="0"/>
+          <a:ext cx="0" cy="0"/>
+          <a:chOff x="0" y="0"/>
+          <a:chExt cx="0" cy="0"/>
+        </a:xfrm>
+      </p:grpSpPr>
+      <mc:AlternateContent xmlns:mc="http://schemas.openxmlformats.org/markup-compatibility/2006">
+        <mc:Choice xmlns:a14="http://schemas.microsoft.com/office/drawing/2010/main" Requires="a14">
+          <p:sp>
+            <p:nvSpPr>
+              <p:cNvPr id="4" name="文本框 3">
+                <a:extLst>
+                  <a:ext uri="{FF2B5EF4-FFF2-40B4-BE49-F238E27FC236}">
+                    <a16:creationId xmlns:a16="http://schemas.microsoft.com/office/drawing/2014/main" id="{BADC498D-72FD-2662-0A3F-E79AC0B68B5B}"/>
+                  </a:ext>
+                </a:extLst>
+              </p:cNvPr>
+              <p:cNvSpPr txBox="1"/>
+              <p:nvPr/>
+            </p:nvSpPr>
+            <p:spPr>
+              <a:xfrm>
+                <a:off x="5131921" y="2347490"/>
+                <a:ext cx="810671" cy="369332"/>
+              </a:xfrm>
+              <a:prstGeom prst="rect">
+                <a:avLst/>
+              </a:prstGeom>
+              <a:noFill/>
+            </p:spPr>
+            <p:txBody>
+              <a:bodyPr wrap="none" rtlCol="0">
+                <a:spAutoFit/>
+              </a:bodyPr>
+              <a:lstStyle/>
+              <a:p>
+                <a14:m>
+                  <m:oMathPara xmlns:m="http://schemas.openxmlformats.org/officeDocument/2006/math">
+                    <m:oMathParaPr>
+                      <m:jc m:val="centerGroup"/>
+                    </m:oMathParaPr>
+                    <m:oMath xmlns:m="http://schemas.openxmlformats.org/officeDocument/2006/math">
+                      <m:r>
+                        <a:rPr lang="en-US" altLang="zh-CN" i="1" smtClean="0">
+                          <a:latin typeface="Cambria Math" panose="02040503050406030204" pitchFamily="18" charset="0"/>
+                        </a:rPr>
+                        <m:t>𝐷𝑒𝑔𝑃</m:t>
+                      </m:r>
+                    </m:oMath>
+                  </m:oMathPara>
+                </a14:m>
+                <a:endParaRPr lang="en-US" altLang="zh-CN"/>
+              </a:p>
+            </p:txBody>
+          </p:sp>
+        </mc:Choice>
+        <mc:Fallback>
+          <p:sp>
+            <p:nvSpPr>
+              <p:cNvPr id="4" name="文本框 3">
+                <a:extLst>
+                  <a:ext uri="{FF2B5EF4-FFF2-40B4-BE49-F238E27FC236}">
+                    <a16:creationId xmlns:a16="http://schemas.microsoft.com/office/drawing/2014/main" id="{BADC498D-72FD-2662-0A3F-E79AC0B68B5B}"/>
+                  </a:ext>
+                </a:extLst>
+              </p:cNvPr>
+              <p:cNvSpPr txBox="1">
+                <a:spLocks noRot="1" noChangeAspect="1" noMove="1" noResize="1" noEditPoints="1" noAdjustHandles="1" noChangeArrowheads="1" noChangeShapeType="1" noTextEdit="1"/>
+              </p:cNvSpPr>
+              <p:nvPr/>
+            </p:nvSpPr>
+            <p:spPr>
+              <a:xfrm>
+                <a:off x="5131921" y="2347490"/>
+                <a:ext cx="810671" cy="369332"/>
+              </a:xfrm>
+              <a:prstGeom prst="rect">
+                <a:avLst/>
+              </a:prstGeom>
+              <a:blipFill>
+                <a:blip r:embed="rId2"/>
+                <a:stretch>
+                  <a:fillRect b="-11475"/>
+                </a:stretch>
+              </a:blipFill>
+            </p:spPr>
+            <p:txBody>
+              <a:bodyPr/>
+              <a:lstStyle/>
+              <a:p>
+                <a:r>
+                  <a:rPr lang="zh-CN" altLang="en-US">
+                    <a:noFill/>
+                  </a:rPr>
+                  <a:t> </a:t>
+                </a:r>
+              </a:p>
+            </p:txBody>
+          </p:sp>
+        </mc:Fallback>
+      </mc:AlternateContent>
+      <mc:AlternateContent xmlns:mc="http://schemas.openxmlformats.org/markup-compatibility/2006">
+        <mc:Choice xmlns:a14="http://schemas.microsoft.com/office/drawing/2010/main" Requires="a14">
+          <p:sp>
+            <p:nvSpPr>
+              <p:cNvPr id="3" name="文本框 2">
+                <a:extLst>
+                  <a:ext uri="{FF2B5EF4-FFF2-40B4-BE49-F238E27FC236}">
+                    <a16:creationId xmlns:a16="http://schemas.microsoft.com/office/drawing/2014/main" id="{8B95ACB2-66B9-E950-0053-1DCF252015C0}"/>
+                  </a:ext>
+                </a:extLst>
+              </p:cNvPr>
+              <p:cNvSpPr txBox="1"/>
+              <p:nvPr/>
+            </p:nvSpPr>
+            <p:spPr>
+              <a:xfrm>
+                <a:off x="5176421" y="3003000"/>
+                <a:ext cx="721672" cy="369332"/>
+              </a:xfrm>
+              <a:prstGeom prst="rect">
+                <a:avLst/>
+              </a:prstGeom>
+              <a:noFill/>
+            </p:spPr>
+            <p:txBody>
+              <a:bodyPr wrap="none" rtlCol="0">
+                <a:spAutoFit/>
+              </a:bodyPr>
+              <a:lstStyle/>
+              <a:p>
+                <a14:m>
+                  <m:oMathPara xmlns:m="http://schemas.openxmlformats.org/officeDocument/2006/math">
+                    <m:oMathParaPr>
+                      <m:jc m:val="centerGroup"/>
+                    </m:oMathParaPr>
+                    <m:oMath xmlns:m="http://schemas.openxmlformats.org/officeDocument/2006/math">
+                      <m:r>
+                        <a:rPr lang="en-US" altLang="zh-CN" i="1" smtClean="0">
+                          <a:latin typeface="Cambria Math" panose="02040503050406030204" pitchFamily="18" charset="0"/>
+                        </a:rPr>
+                        <m:t>𝐷𝑒𝑔</m:t>
+                      </m:r>
+                      <m:r>
+                        <a:rPr lang="en-US" altLang="zh-CN" b="0" i="1" smtClean="0">
+                          <a:latin typeface="Cambria Math" panose="02040503050406030204" pitchFamily="18" charset="0"/>
+                        </a:rPr>
+                        <m:t>′</m:t>
+                      </m:r>
+                    </m:oMath>
+                  </m:oMathPara>
+                </a14:m>
+                <a:endParaRPr lang="en-US" altLang="zh-CN"/>
+              </a:p>
+            </p:txBody>
+          </p:sp>
+        </mc:Choice>
+        <mc:Fallback>
+          <p:sp>
+            <p:nvSpPr>
+              <p:cNvPr id="3" name="文本框 2">
+                <a:extLst>
+                  <a:ext uri="{FF2B5EF4-FFF2-40B4-BE49-F238E27FC236}">
+                    <a16:creationId xmlns:a16="http://schemas.microsoft.com/office/drawing/2014/main" id="{8B95ACB2-66B9-E950-0053-1DCF252015C0}"/>
+                  </a:ext>
+                </a:extLst>
+              </p:cNvPr>
+              <p:cNvSpPr txBox="1">
+                <a:spLocks noRot="1" noChangeAspect="1" noMove="1" noResize="1" noEditPoints="1" noAdjustHandles="1" noChangeArrowheads="1" noChangeShapeType="1" noTextEdit="1"/>
+              </p:cNvSpPr>
+              <p:nvPr/>
+            </p:nvSpPr>
+            <p:spPr>
+              <a:xfrm>
+                <a:off x="5176421" y="3003000"/>
+                <a:ext cx="721672" cy="369332"/>
+              </a:xfrm>
+              <a:prstGeom prst="rect">
+                <a:avLst/>
+              </a:prstGeom>
+              <a:blipFill>
+                <a:blip r:embed="rId3"/>
+                <a:stretch>
+                  <a:fillRect b="-13333"/>
+                </a:stretch>
+              </a:blipFill>
+            </p:spPr>
+            <p:txBody>
+              <a:bodyPr/>
+              <a:lstStyle/>
+              <a:p>
+                <a:r>
+                  <a:rPr lang="zh-CN" altLang="en-US">
+                    <a:noFill/>
+                  </a:rPr>
+                  <a:t> </a:t>
+                </a:r>
+              </a:p>
+            </p:txBody>
+          </p:sp>
+        </mc:Fallback>
+      </mc:AlternateContent>
+      <mc:AlternateContent xmlns:mc="http://schemas.openxmlformats.org/markup-compatibility/2006">
+        <mc:Choice xmlns:a14="http://schemas.microsoft.com/office/drawing/2010/main" Requires="a14">
+          <p:sp>
+            <p:nvSpPr>
+              <p:cNvPr id="10" name="文本框 9">
+                <a:extLst>
+                  <a:ext uri="{FF2B5EF4-FFF2-40B4-BE49-F238E27FC236}">
+                    <a16:creationId xmlns:a16="http://schemas.microsoft.com/office/drawing/2014/main" id="{C4C321FD-814A-7A1B-E5DF-83206F4D5AFD}"/>
+                  </a:ext>
+                </a:extLst>
+              </p:cNvPr>
+              <p:cNvSpPr txBox="1"/>
+              <p:nvPr/>
+            </p:nvSpPr>
+            <p:spPr>
+              <a:xfrm>
+                <a:off x="6101529" y="3934290"/>
+                <a:ext cx="541367" cy="369332"/>
+              </a:xfrm>
+              <a:prstGeom prst="rect">
+                <a:avLst/>
+              </a:prstGeom>
+              <a:noFill/>
+            </p:spPr>
+            <p:txBody>
+              <a:bodyPr wrap="none" rtlCol="0">
+                <a:spAutoFit/>
+              </a:bodyPr>
+              <a:lstStyle/>
+              <a:p>
+                <a14:m>
+                  <m:oMathPara xmlns:m="http://schemas.openxmlformats.org/officeDocument/2006/math">
+                    <m:oMathParaPr>
+                      <m:jc m:val="centerGroup"/>
+                    </m:oMathParaPr>
+                    <m:oMath xmlns:m="http://schemas.openxmlformats.org/officeDocument/2006/math">
+                      <m:r>
+                        <a:rPr lang="en-US" altLang="zh-CN" i="1" smtClean="0">
+                          <a:latin typeface="Cambria Math" panose="02040503050406030204" pitchFamily="18" charset="0"/>
+                        </a:rPr>
+                        <m:t>𝐴𝑃</m:t>
+                      </m:r>
+                    </m:oMath>
+                  </m:oMathPara>
+                </a14:m>
+                <a:endParaRPr lang="en-US" altLang="zh-CN"/>
+              </a:p>
+            </p:txBody>
+          </p:sp>
+        </mc:Choice>
+        <mc:Fallback>
+          <p:sp>
+            <p:nvSpPr>
+              <p:cNvPr id="10" name="文本框 9">
+                <a:extLst>
+                  <a:ext uri="{FF2B5EF4-FFF2-40B4-BE49-F238E27FC236}">
+                    <a16:creationId xmlns:a16="http://schemas.microsoft.com/office/drawing/2014/main" id="{C4C321FD-814A-7A1B-E5DF-83206F4D5AFD}"/>
+                  </a:ext>
+                </a:extLst>
+              </p:cNvPr>
+              <p:cNvSpPr txBox="1">
+                <a:spLocks noRot="1" noChangeAspect="1" noMove="1" noResize="1" noEditPoints="1" noAdjustHandles="1" noChangeArrowheads="1" noChangeShapeType="1" noTextEdit="1"/>
+              </p:cNvSpPr>
+              <p:nvPr/>
+            </p:nvSpPr>
+            <p:spPr>
+              <a:xfrm>
+                <a:off x="6101529" y="3934290"/>
+                <a:ext cx="541367" cy="369332"/>
+              </a:xfrm>
+              <a:prstGeom prst="rect">
+                <a:avLst/>
+              </a:prstGeom>
+              <a:blipFill>
+                <a:blip r:embed="rId4"/>
+                <a:stretch>
+                  <a:fillRect/>
+                </a:stretch>
+              </a:blipFill>
+            </p:spPr>
+            <p:txBody>
+              <a:bodyPr/>
+              <a:lstStyle/>
+              <a:p>
+                <a:r>
+                  <a:rPr lang="zh-CN" altLang="en-US">
+                    <a:noFill/>
+                  </a:rPr>
+                  <a:t> </a:t>
+                </a:r>
+              </a:p>
+            </p:txBody>
+          </p:sp>
+        </mc:Fallback>
+      </mc:AlternateContent>
+      <mc:AlternateContent xmlns:mc="http://schemas.openxmlformats.org/markup-compatibility/2006">
+        <mc:Choice xmlns:a14="http://schemas.microsoft.com/office/drawing/2010/main" Requires="a14">
+          <p:sp>
+            <p:nvSpPr>
+              <p:cNvPr id="12" name="文本框 11">
+                <a:extLst>
+                  <a:ext uri="{FF2B5EF4-FFF2-40B4-BE49-F238E27FC236}">
+                    <a16:creationId xmlns:a16="http://schemas.microsoft.com/office/drawing/2014/main" id="{68DC509C-EB06-6067-D3CF-355F5F6395B3}"/>
+                  </a:ext>
+                </a:extLst>
+              </p:cNvPr>
+              <p:cNvSpPr txBox="1"/>
+              <p:nvPr/>
+            </p:nvSpPr>
+            <p:spPr>
+              <a:xfrm>
+                <a:off x="4405080" y="3934290"/>
+                <a:ext cx="773673" cy="369332"/>
+              </a:xfrm>
+              <a:prstGeom prst="rect">
+                <a:avLst/>
+              </a:prstGeom>
+              <a:noFill/>
+            </p:spPr>
+            <p:txBody>
+              <a:bodyPr wrap="none" rtlCol="0">
+                <a:spAutoFit/>
+              </a:bodyPr>
+              <a:lstStyle/>
+              <a:p>
+                <a14:m>
+                  <m:oMathPara xmlns:m="http://schemas.openxmlformats.org/officeDocument/2006/math">
+                    <m:oMathParaPr>
+                      <m:jc m:val="centerGroup"/>
+                    </m:oMathParaPr>
+                    <m:oMath xmlns:m="http://schemas.openxmlformats.org/officeDocument/2006/math">
+                      <m:sSup>
+                        <m:sSupPr>
+                          <m:ctrlPr>
+                            <a:rPr lang="en-US" altLang="zh-CN" i="1" smtClean="0">
+                              <a:latin typeface="Cambria Math" panose="02040503050406030204" pitchFamily="18" charset="0"/>
+                            </a:rPr>
+                          </m:ctrlPr>
+                        </m:sSupPr>
+                        <m:e>
+                          <m:r>
+                            <a:rPr lang="en-US" altLang="zh-CN" b="0" i="1" smtClean="0">
+                              <a:latin typeface="Cambria Math" panose="02040503050406030204" pitchFamily="18" charset="0"/>
+                            </a:rPr>
+                            <m:t>𝐷𝑒𝑔</m:t>
+                          </m:r>
+                        </m:e>
+                        <m:sup>
+                          <m:r>
+                            <a:rPr lang="en-US" altLang="zh-CN" b="0" i="1" smtClean="0">
+                              <a:latin typeface="Cambria Math" panose="02040503050406030204" pitchFamily="18" charset="0"/>
+                            </a:rPr>
+                            <m:t>0</m:t>
+                          </m:r>
+                        </m:sup>
+                      </m:sSup>
+                    </m:oMath>
+                  </m:oMathPara>
+                </a14:m>
+                <a:endParaRPr lang="en-US" altLang="zh-CN"/>
+              </a:p>
+            </p:txBody>
+          </p:sp>
+        </mc:Choice>
+        <mc:Fallback>
+          <p:sp>
+            <p:nvSpPr>
+              <p:cNvPr id="12" name="文本框 11">
+                <a:extLst>
+                  <a:ext uri="{FF2B5EF4-FFF2-40B4-BE49-F238E27FC236}">
+                    <a16:creationId xmlns:a16="http://schemas.microsoft.com/office/drawing/2014/main" id="{68DC509C-EB06-6067-D3CF-355F5F6395B3}"/>
+                  </a:ext>
+                </a:extLst>
+              </p:cNvPr>
+              <p:cNvSpPr txBox="1">
+                <a:spLocks noRot="1" noChangeAspect="1" noMove="1" noResize="1" noEditPoints="1" noAdjustHandles="1" noChangeArrowheads="1" noChangeShapeType="1" noTextEdit="1"/>
+              </p:cNvSpPr>
+              <p:nvPr/>
+            </p:nvSpPr>
+            <p:spPr>
+              <a:xfrm>
+                <a:off x="4405080" y="3934290"/>
+                <a:ext cx="773673" cy="369332"/>
+              </a:xfrm>
+              <a:prstGeom prst="rect">
+                <a:avLst/>
+              </a:prstGeom>
+              <a:blipFill>
+                <a:blip r:embed="rId5"/>
+                <a:stretch>
+                  <a:fillRect b="-11475"/>
+                </a:stretch>
+              </a:blipFill>
+            </p:spPr>
+            <p:txBody>
+              <a:bodyPr/>
+              <a:lstStyle/>
+              <a:p>
+                <a:r>
+                  <a:rPr lang="zh-CN" altLang="en-US">
+                    <a:noFill/>
+                  </a:rPr>
+                  <a:t> </a:t>
+                </a:r>
+              </a:p>
+            </p:txBody>
+          </p:sp>
+        </mc:Fallback>
+      </mc:AlternateContent>
+      <p:cxnSp>
+        <p:nvCxnSpPr>
+          <p:cNvPr id="16" name="直接连接符 15">
+            <a:extLst>
+              <a:ext uri="{FF2B5EF4-FFF2-40B4-BE49-F238E27FC236}">
+                <a16:creationId xmlns:a16="http://schemas.microsoft.com/office/drawing/2014/main" id="{15B979E2-E9D4-F2E3-9A5E-B80D48CFCEDB}"/>
+              </a:ext>
+            </a:extLst>
+          </p:cNvPr>
+          <p:cNvCxnSpPr>
+            <a:cxnSpLocks/>
+            <a:stCxn id="4" idx="2"/>
+            <a:endCxn id="3" idx="0"/>
+          </p:cNvCxnSpPr>
+          <p:nvPr/>
+        </p:nvCxnSpPr>
+        <p:spPr>
+          <a:xfrm>
+            <a:off x="5537257" y="2716822"/>
+            <a:ext cx="0" cy="286178"/>
+          </a:xfrm>
+          <a:prstGeom prst="line">
+            <a:avLst/>
+          </a:prstGeom>
+          <a:ln w="12700">
+            <a:solidFill>
+              <a:schemeClr val="tx1"/>
+            </a:solidFill>
+          </a:ln>
+        </p:spPr>
+        <p:style>
+          <a:lnRef idx="1">
+            <a:schemeClr val="accent1"/>
+          </a:lnRef>
+          <a:fillRef idx="0">
+            <a:schemeClr val="accent1"/>
+          </a:fillRef>
+          <a:effectRef idx="0">
+            <a:schemeClr val="accent1"/>
+          </a:effectRef>
+          <a:fontRef idx="minor">
+            <a:schemeClr val="tx1"/>
+          </a:fontRef>
+        </p:style>
+      </p:cxnSp>
+      <p:cxnSp>
+        <p:nvCxnSpPr>
+          <p:cNvPr id="19" name="直接连接符 18">
+            <a:extLst>
+              <a:ext uri="{FF2B5EF4-FFF2-40B4-BE49-F238E27FC236}">
+                <a16:creationId xmlns:a16="http://schemas.microsoft.com/office/drawing/2014/main" id="{94649AA1-E922-047F-D734-40125D482227}"/>
+              </a:ext>
+            </a:extLst>
+          </p:cNvPr>
+          <p:cNvCxnSpPr>
+            <a:cxnSpLocks/>
+            <a:stCxn id="3" idx="2"/>
+            <a:endCxn id="12" idx="0"/>
+          </p:cNvCxnSpPr>
+          <p:nvPr/>
+        </p:nvCxnSpPr>
+        <p:spPr>
+          <a:xfrm flipH="1">
+            <a:off x="4791917" y="3372332"/>
+            <a:ext cx="745340" cy="561958"/>
+          </a:xfrm>
+          <a:prstGeom prst="line">
+            <a:avLst/>
+          </a:prstGeom>
+          <a:ln w="12700">
+            <a:solidFill>
+              <a:schemeClr val="tx1"/>
+            </a:solidFill>
+          </a:ln>
+        </p:spPr>
+        <p:style>
+          <a:lnRef idx="1">
+            <a:schemeClr val="accent1"/>
+          </a:lnRef>
+          <a:fillRef idx="0">
+            <a:schemeClr val="accent1"/>
+          </a:fillRef>
+          <a:effectRef idx="0">
+            <a:schemeClr val="accent1"/>
+          </a:effectRef>
+          <a:fontRef idx="minor">
+            <a:schemeClr val="tx1"/>
+          </a:fontRef>
+        </p:style>
+      </p:cxnSp>
+      <p:cxnSp>
+        <p:nvCxnSpPr>
+          <p:cNvPr id="22" name="直接连接符 21">
+            <a:extLst>
+              <a:ext uri="{FF2B5EF4-FFF2-40B4-BE49-F238E27FC236}">
+                <a16:creationId xmlns:a16="http://schemas.microsoft.com/office/drawing/2014/main" id="{DA143DB0-CAAA-751D-4641-0ABACA35C5D8}"/>
+              </a:ext>
+            </a:extLst>
+          </p:cNvPr>
+          <p:cNvCxnSpPr>
+            <a:cxnSpLocks/>
+            <a:stCxn id="3" idx="2"/>
+            <a:endCxn id="10" idx="0"/>
+          </p:cNvCxnSpPr>
+          <p:nvPr/>
+        </p:nvCxnSpPr>
+        <p:spPr>
+          <a:xfrm>
+            <a:off x="5537257" y="3372332"/>
+            <a:ext cx="834956" cy="561958"/>
+          </a:xfrm>
+          <a:prstGeom prst="line">
+            <a:avLst/>
+          </a:prstGeom>
+          <a:ln w="12700">
+            <a:solidFill>
+              <a:schemeClr val="tx1"/>
+            </a:solidFill>
+          </a:ln>
+        </p:spPr>
+        <p:style>
+          <a:lnRef idx="1">
+            <a:schemeClr val="accent1"/>
+          </a:lnRef>
+          <a:fillRef idx="0">
+            <a:schemeClr val="accent1"/>
+          </a:fillRef>
+          <a:effectRef idx="0">
+            <a:schemeClr val="accent1"/>
+          </a:effectRef>
+          <a:fontRef idx="minor">
+            <a:schemeClr val="tx1"/>
+          </a:fontRef>
+        </p:style>
+      </p:cxnSp>
+      <p:cxnSp>
+        <p:nvCxnSpPr>
+          <p:cNvPr id="37" name="直接连接符 36">
+            <a:extLst>
+              <a:ext uri="{FF2B5EF4-FFF2-40B4-BE49-F238E27FC236}">
+                <a16:creationId xmlns:a16="http://schemas.microsoft.com/office/drawing/2014/main" id="{B45A0D3A-0F94-DC01-70CB-BAB2EDE7198C}"/>
+              </a:ext>
+            </a:extLst>
+          </p:cNvPr>
+          <p:cNvCxnSpPr>
+            <a:cxnSpLocks/>
+            <a:stCxn id="10" idx="2"/>
+            <a:endCxn id="141" idx="0"/>
+          </p:cNvCxnSpPr>
+          <p:nvPr/>
+        </p:nvCxnSpPr>
+        <p:spPr>
+          <a:xfrm flipH="1">
+            <a:off x="5923917" y="4303622"/>
+            <a:ext cx="448296" cy="432108"/>
+          </a:xfrm>
+          <a:prstGeom prst="line">
+            <a:avLst/>
+          </a:prstGeom>
+          <a:ln w="12700">
+            <a:solidFill>
+              <a:schemeClr val="tx1"/>
+            </a:solidFill>
+          </a:ln>
+        </p:spPr>
+        <p:style>
+          <a:lnRef idx="1">
+            <a:schemeClr val="accent1"/>
+          </a:lnRef>
+          <a:fillRef idx="0">
+            <a:schemeClr val="accent1"/>
+          </a:fillRef>
+          <a:effectRef idx="0">
+            <a:schemeClr val="accent1"/>
+          </a:effectRef>
+          <a:fontRef idx="minor">
+            <a:schemeClr val="tx1"/>
+          </a:fontRef>
+        </p:style>
+      </p:cxnSp>
+      <mc:AlternateContent xmlns:mc="http://schemas.openxmlformats.org/markup-compatibility/2006">
+        <mc:Choice xmlns:a14="http://schemas.microsoft.com/office/drawing/2010/main" Requires="a14">
+          <p:sp>
+            <p:nvSpPr>
+              <p:cNvPr id="41" name="文本框 40">
+                <a:extLst>
+                  <a:ext uri="{FF2B5EF4-FFF2-40B4-BE49-F238E27FC236}">
+                    <a16:creationId xmlns:a16="http://schemas.microsoft.com/office/drawing/2014/main" id="{69DEAEAB-F721-1EC1-81C6-17ECB9278418}"/>
+                  </a:ext>
+                </a:extLst>
+              </p:cNvPr>
+              <p:cNvSpPr txBox="1"/>
+              <p:nvPr/>
+            </p:nvSpPr>
+            <p:spPr>
+              <a:xfrm>
+                <a:off x="6710382" y="4809813"/>
+                <a:ext cx="444352" cy="369332"/>
+              </a:xfrm>
+              <a:prstGeom prst="rect">
+                <a:avLst/>
+              </a:prstGeom>
+              <a:noFill/>
+            </p:spPr>
+            <p:txBody>
+              <a:bodyPr wrap="none" rtlCol="0">
+                <a:spAutoFit/>
+              </a:bodyPr>
+              <a:lstStyle/>
+              <a:p>
+                <a14:m>
+                  <m:oMathPara xmlns:m="http://schemas.openxmlformats.org/officeDocument/2006/math">
+                    <m:oMathParaPr>
+                      <m:jc m:val="centerGroup"/>
+                    </m:oMathParaPr>
+                    <m:oMath xmlns:m="http://schemas.openxmlformats.org/officeDocument/2006/math">
+                      <m:r>
+                        <a:rPr lang="en-US" altLang="zh-CN" i="1" smtClean="0">
+                          <a:latin typeface="Cambria Math" panose="02040503050406030204" pitchFamily="18" charset="0"/>
+                        </a:rPr>
+                        <m:t>𝐴</m:t>
+                      </m:r>
+                      <m:r>
+                        <a:rPr lang="en-US" altLang="zh-CN" i="1" smtClean="0">
+                          <a:latin typeface="Cambria Math" panose="02040503050406030204" pitchFamily="18" charset="0"/>
+                        </a:rPr>
+                        <m:t>’</m:t>
+                      </m:r>
+                    </m:oMath>
+                  </m:oMathPara>
+                </a14:m>
+                <a:endParaRPr lang="en-US" altLang="zh-CN"/>
+              </a:p>
+            </p:txBody>
+          </p:sp>
+        </mc:Choice>
+        <mc:Fallback>
+          <p:sp>
+            <p:nvSpPr>
+              <p:cNvPr id="41" name="文本框 40">
+                <a:extLst>
+                  <a:ext uri="{FF2B5EF4-FFF2-40B4-BE49-F238E27FC236}">
+                    <a16:creationId xmlns:a16="http://schemas.microsoft.com/office/drawing/2014/main" id="{69DEAEAB-F721-1EC1-81C6-17ECB9278418}"/>
+                  </a:ext>
+                </a:extLst>
+              </p:cNvPr>
+              <p:cNvSpPr txBox="1">
+                <a:spLocks noRot="1" noChangeAspect="1" noMove="1" noResize="1" noEditPoints="1" noAdjustHandles="1" noChangeArrowheads="1" noChangeShapeType="1" noTextEdit="1"/>
+              </p:cNvSpPr>
+              <p:nvPr/>
+            </p:nvSpPr>
+            <p:spPr>
+              <a:xfrm>
+                <a:off x="6710382" y="4809813"/>
+                <a:ext cx="444352" cy="369332"/>
+              </a:xfrm>
+              <a:prstGeom prst="rect">
+                <a:avLst/>
+              </a:prstGeom>
+              <a:blipFill>
+                <a:blip r:embed="rId6"/>
+                <a:stretch>
+                  <a:fillRect/>
+                </a:stretch>
+              </a:blipFill>
+            </p:spPr>
+            <p:txBody>
+              <a:bodyPr/>
+              <a:lstStyle/>
+              <a:p>
+                <a:r>
+                  <a:rPr lang="zh-CN" altLang="en-US">
+                    <a:noFill/>
+                  </a:rPr>
+                  <a:t> </a:t>
+                </a:r>
+              </a:p>
+            </p:txBody>
+          </p:sp>
+        </mc:Fallback>
+      </mc:AlternateContent>
+      <p:cxnSp>
+        <p:nvCxnSpPr>
+          <p:cNvPr id="43" name="直接连接符 42">
+            <a:extLst>
+              <a:ext uri="{FF2B5EF4-FFF2-40B4-BE49-F238E27FC236}">
+                <a16:creationId xmlns:a16="http://schemas.microsoft.com/office/drawing/2014/main" id="{3974FEF4-3336-C1C0-60E7-C784A61BF704}"/>
+              </a:ext>
+            </a:extLst>
+          </p:cNvPr>
+          <p:cNvCxnSpPr>
+            <a:cxnSpLocks/>
+            <a:stCxn id="10" idx="2"/>
+            <a:endCxn id="41" idx="0"/>
+          </p:cNvCxnSpPr>
+          <p:nvPr/>
+        </p:nvCxnSpPr>
+        <p:spPr>
+          <a:xfrm>
+            <a:off x="6372213" y="4303622"/>
+            <a:ext cx="560345" cy="506191"/>
+          </a:xfrm>
+          <a:prstGeom prst="line">
+            <a:avLst/>
+          </a:prstGeom>
+          <a:ln w="12700">
+            <a:solidFill>
+              <a:schemeClr val="tx1"/>
+            </a:solidFill>
+          </a:ln>
+        </p:spPr>
+        <p:style>
+          <a:lnRef idx="1">
+            <a:schemeClr val="accent1"/>
+          </a:lnRef>
+          <a:fillRef idx="0">
+            <a:schemeClr val="accent1"/>
+          </a:fillRef>
+          <a:effectRef idx="0">
+            <a:schemeClr val="accent1"/>
+          </a:effectRef>
+          <a:fontRef idx="minor">
+            <a:schemeClr val="tx1"/>
+          </a:fontRef>
+        </p:style>
+      </p:cxnSp>
+      <mc:AlternateContent xmlns:mc="http://schemas.openxmlformats.org/markup-compatibility/2006">
+        <mc:Choice xmlns:a14="http://schemas.microsoft.com/office/drawing/2010/main" Requires="a14">
+          <p:sp>
+            <p:nvSpPr>
+              <p:cNvPr id="47" name="文本框 46">
+                <a:extLst>
+                  <a:ext uri="{FF2B5EF4-FFF2-40B4-BE49-F238E27FC236}">
+                    <a16:creationId xmlns:a16="http://schemas.microsoft.com/office/drawing/2014/main" id="{7F963081-B602-7A78-D889-3FCE575ACD20}"/>
+                  </a:ext>
+                </a:extLst>
+              </p:cNvPr>
+              <p:cNvSpPr txBox="1"/>
+              <p:nvPr/>
+            </p:nvSpPr>
+            <p:spPr>
+              <a:xfrm>
+                <a:off x="6699123" y="5565540"/>
+                <a:ext cx="498149" cy="369332"/>
+              </a:xfrm>
+              <a:prstGeom prst="rect">
+                <a:avLst/>
+              </a:prstGeom>
+              <a:noFill/>
+            </p:spPr>
+            <p:txBody>
+              <a:bodyPr wrap="none" rtlCol="0">
+                <a:spAutoFit/>
+              </a:bodyPr>
+              <a:lstStyle/>
+              <a:p>
+                <a14:m>
+                  <m:oMathPara xmlns:m="http://schemas.openxmlformats.org/officeDocument/2006/math">
+                    <m:oMathParaPr>
+                      <m:jc m:val="centerGroup"/>
+                    </m:oMathParaPr>
+                    <m:oMath xmlns:m="http://schemas.openxmlformats.org/officeDocument/2006/math">
+                      <m:sSup>
+                        <m:sSupPr>
+                          <m:ctrlPr>
+                            <a:rPr lang="en-US" altLang="zh-CN" i="1" smtClean="0">
+                              <a:latin typeface="Cambria Math" panose="02040503050406030204" pitchFamily="18" charset="0"/>
+                            </a:rPr>
+                          </m:ctrlPr>
+                        </m:sSupPr>
+                        <m:e>
+                          <m:r>
+                            <a:rPr lang="en-US" altLang="zh-CN" b="0" i="1" smtClean="0">
+                              <a:latin typeface="Cambria Math" panose="02040503050406030204" pitchFamily="18" charset="0"/>
+                            </a:rPr>
+                            <m:t>𝐴</m:t>
+                          </m:r>
+                        </m:e>
+                        <m:sup>
+                          <m:r>
+                            <a:rPr lang="en-US" altLang="zh-CN" b="0" i="1" smtClean="0">
+                              <a:latin typeface="Cambria Math" panose="02040503050406030204" pitchFamily="18" charset="0"/>
+                            </a:rPr>
+                            <m:t>0</m:t>
+                          </m:r>
+                        </m:sup>
+                      </m:sSup>
+                    </m:oMath>
+                  </m:oMathPara>
+                </a14:m>
+                <a:endParaRPr lang="en-US" altLang="zh-CN"/>
+              </a:p>
+            </p:txBody>
+          </p:sp>
+        </mc:Choice>
+        <mc:Fallback>
+          <p:sp>
+            <p:nvSpPr>
+              <p:cNvPr id="47" name="文本框 46">
+                <a:extLst>
+                  <a:ext uri="{FF2B5EF4-FFF2-40B4-BE49-F238E27FC236}">
+                    <a16:creationId xmlns:a16="http://schemas.microsoft.com/office/drawing/2014/main" id="{7F963081-B602-7A78-D889-3FCE575ACD20}"/>
+                  </a:ext>
+                </a:extLst>
+              </p:cNvPr>
+              <p:cNvSpPr txBox="1">
+                <a:spLocks noRot="1" noChangeAspect="1" noMove="1" noResize="1" noEditPoints="1" noAdjustHandles="1" noChangeArrowheads="1" noChangeShapeType="1" noTextEdit="1"/>
+              </p:cNvSpPr>
+              <p:nvPr/>
+            </p:nvSpPr>
+            <p:spPr>
+              <a:xfrm>
+                <a:off x="6699123" y="5565540"/>
+                <a:ext cx="498149" cy="369332"/>
+              </a:xfrm>
+              <a:prstGeom prst="rect">
+                <a:avLst/>
+              </a:prstGeom>
+              <a:blipFill>
+                <a:blip r:embed="rId7"/>
+                <a:stretch>
+                  <a:fillRect/>
+                </a:stretch>
+              </a:blipFill>
+            </p:spPr>
+            <p:txBody>
+              <a:bodyPr/>
+              <a:lstStyle/>
+              <a:p>
+                <a:r>
+                  <a:rPr lang="zh-CN" altLang="en-US">
+                    <a:noFill/>
+                  </a:rPr>
+                  <a:t> </a:t>
+                </a:r>
+              </a:p>
+            </p:txBody>
+          </p:sp>
+        </mc:Fallback>
+      </mc:AlternateContent>
+      <p:cxnSp>
+        <p:nvCxnSpPr>
+          <p:cNvPr id="48" name="直接连接符 47">
+            <a:extLst>
+              <a:ext uri="{FF2B5EF4-FFF2-40B4-BE49-F238E27FC236}">
+                <a16:creationId xmlns:a16="http://schemas.microsoft.com/office/drawing/2014/main" id="{CAD9C502-9A60-65AF-8EE2-217224191A75}"/>
+              </a:ext>
+            </a:extLst>
+          </p:cNvPr>
+          <p:cNvCxnSpPr>
+            <a:cxnSpLocks/>
+            <a:stCxn id="47" idx="0"/>
+            <a:endCxn id="41" idx="2"/>
+          </p:cNvCxnSpPr>
+          <p:nvPr/>
+        </p:nvCxnSpPr>
+        <p:spPr>
+          <a:xfrm flipH="1" flipV="1">
+            <a:off x="6932558" y="5179145"/>
+            <a:ext cx="15640" cy="386395"/>
+          </a:xfrm>
+          <a:prstGeom prst="line">
+            <a:avLst/>
+          </a:prstGeom>
+          <a:ln w="12700">
+            <a:solidFill>
+              <a:schemeClr val="tx1"/>
+            </a:solidFill>
+          </a:ln>
+        </p:spPr>
+        <p:style>
+          <a:lnRef idx="1">
+            <a:schemeClr val="accent1"/>
+          </a:lnRef>
+          <a:fillRef idx="0">
+            <a:schemeClr val="accent1"/>
+          </a:fillRef>
+          <a:effectRef idx="0">
+            <a:schemeClr val="accent1"/>
+          </a:effectRef>
+          <a:fontRef idx="minor">
+            <a:schemeClr val="tx1"/>
+          </a:fontRef>
+        </p:style>
+      </p:cxnSp>
+      <mc:AlternateContent xmlns:mc="http://schemas.openxmlformats.org/markup-compatibility/2006">
+        <mc:Choice xmlns:a14="http://schemas.microsoft.com/office/drawing/2010/main" Requires="a14">
+          <p:sp>
+            <p:nvSpPr>
+              <p:cNvPr id="90" name="文本框 89">
+                <a:extLst>
+                  <a:ext uri="{FF2B5EF4-FFF2-40B4-BE49-F238E27FC236}">
+                    <a16:creationId xmlns:a16="http://schemas.microsoft.com/office/drawing/2014/main" id="{B8324AC4-AD96-EC37-F6A1-15FC3975D5C7}"/>
+                  </a:ext>
+                </a:extLst>
+              </p:cNvPr>
+              <p:cNvSpPr txBox="1"/>
+              <p:nvPr/>
+            </p:nvSpPr>
+            <p:spPr>
+              <a:xfrm>
+                <a:off x="4212083" y="4237790"/>
+                <a:ext cx="1117550" cy="381515"/>
+              </a:xfrm>
+              <a:prstGeom prst="rect">
+                <a:avLst/>
+              </a:prstGeom>
+              <a:noFill/>
+            </p:spPr>
+            <p:txBody>
+              <a:bodyPr wrap="none" rtlCol="0">
+                <a:spAutoFit/>
+              </a:bodyPr>
+              <a:lstStyle/>
+              <a:p>
+                <a14:m>
+                  <m:oMath xmlns:m="http://schemas.openxmlformats.org/officeDocument/2006/math">
+                    <m:sSub>
+                      <m:sSubPr>
+                        <m:ctrlPr>
+                          <a:rPr lang="en-US" altLang="zh-CN" i="1" smtClean="0">
+                            <a:latin typeface="Cambria Math" panose="02040503050406030204" pitchFamily="18" charset="0"/>
+                          </a:rPr>
+                        </m:ctrlPr>
+                      </m:sSubPr>
+                      <m:e>
+                        <m:r>
+                          <a:rPr lang="en-US" altLang="zh-CN" i="1">
+                            <a:latin typeface="Cambria Math" panose="02040503050406030204" pitchFamily="18" charset="0"/>
+                          </a:rPr>
+                          <m:t>𝑔𝑎𝑜</m:t>
+                        </m:r>
+                      </m:e>
+                      <m:sub>
+                        <m:r>
+                          <a:rPr lang="en-US" altLang="zh-CN" i="1">
+                            <a:latin typeface="Cambria Math" panose="02040503050406030204" pitchFamily="18" charset="0"/>
+                          </a:rPr>
+                          <m:t>𝑖</m:t>
+                        </m:r>
+                      </m:sub>
+                    </m:sSub>
+                  </m:oMath>
+                </a14:m>
+                <a:r>
+                  <a:rPr lang="en-US" altLang="zh-CN"/>
+                  <a:t>-</a:t>
+                </a:r>
+                <a14:m>
+                  <m:oMath xmlns:m="http://schemas.openxmlformats.org/officeDocument/2006/math">
+                    <m:sSub>
+                      <m:sSubPr>
+                        <m:ctrlPr>
+                          <a:rPr lang="en-US" altLang="zh-CN" i="1" smtClean="0">
+                            <a:latin typeface="Cambria Math" panose="02040503050406030204" pitchFamily="18" charset="0"/>
+                          </a:rPr>
+                        </m:ctrlPr>
+                      </m:sSubPr>
+                      <m:e>
+                        <m:r>
+                          <a:rPr lang="zh-CN" altLang="en-US" i="1">
+                            <a:latin typeface="Cambria Math" panose="02040503050406030204" pitchFamily="18" charset="0"/>
+                          </a:rPr>
+                          <m:t>𝜉</m:t>
+                        </m:r>
+                      </m:e>
+                      <m:sub>
+                        <m:r>
+                          <a:rPr lang="en-US" altLang="zh-CN" b="0" i="1" smtClean="0">
+                            <a:latin typeface="Cambria Math" panose="02040503050406030204" pitchFamily="18" charset="0"/>
+                          </a:rPr>
+                          <m:t>𝑛</m:t>
+                        </m:r>
+                        <m:r>
+                          <a:rPr lang="en-US" altLang="zh-CN" b="0" i="1" smtClean="0">
+                            <a:latin typeface="Cambria Math" panose="02040503050406030204" pitchFamily="18" charset="0"/>
+                          </a:rPr>
+                          <m:t>,2</m:t>
+                        </m:r>
+                      </m:sub>
+                    </m:sSub>
+                  </m:oMath>
+                </a14:m>
+                <a:endParaRPr lang="en-US" altLang="zh-CN"/>
+              </a:p>
+            </p:txBody>
+          </p:sp>
+        </mc:Choice>
+        <mc:Fallback>
+          <p:sp>
+            <p:nvSpPr>
+              <p:cNvPr id="90" name="文本框 89">
+                <a:extLst>
+                  <a:ext uri="{FF2B5EF4-FFF2-40B4-BE49-F238E27FC236}">
+                    <a16:creationId xmlns:a16="http://schemas.microsoft.com/office/drawing/2014/main" id="{B8324AC4-AD96-EC37-F6A1-15FC3975D5C7}"/>
+                  </a:ext>
+                </a:extLst>
+              </p:cNvPr>
+              <p:cNvSpPr txBox="1">
+                <a:spLocks noRot="1" noChangeAspect="1" noMove="1" noResize="1" noEditPoints="1" noAdjustHandles="1" noChangeArrowheads="1" noChangeShapeType="1" noTextEdit="1"/>
+              </p:cNvSpPr>
+              <p:nvPr/>
+            </p:nvSpPr>
+            <p:spPr>
+              <a:xfrm>
+                <a:off x="4212083" y="4237790"/>
+                <a:ext cx="1117550" cy="381515"/>
+              </a:xfrm>
+              <a:prstGeom prst="rect">
+                <a:avLst/>
+              </a:prstGeom>
+              <a:blipFill>
+                <a:blip r:embed="rId8"/>
+                <a:stretch>
+                  <a:fillRect t="-6349" b="-22222"/>
+                </a:stretch>
+              </a:blipFill>
+            </p:spPr>
+            <p:txBody>
+              <a:bodyPr/>
+              <a:lstStyle/>
+              <a:p>
+                <a:r>
+                  <a:rPr lang="zh-CN" altLang="en-US">
+                    <a:noFill/>
+                  </a:rPr>
+                  <a:t> </a:t>
+                </a:r>
+              </a:p>
+            </p:txBody>
+          </p:sp>
+        </mc:Fallback>
+      </mc:AlternateContent>
+      <p:cxnSp>
+        <p:nvCxnSpPr>
+          <p:cNvPr id="97" name="连接符: 肘形 96">
+            <a:extLst>
+              <a:ext uri="{FF2B5EF4-FFF2-40B4-BE49-F238E27FC236}">
+                <a16:creationId xmlns:a16="http://schemas.microsoft.com/office/drawing/2014/main" id="{8556C2F5-DC96-4EE5-2D40-61B83DC1BC6F}"/>
+              </a:ext>
+            </a:extLst>
+          </p:cNvPr>
+          <p:cNvCxnSpPr>
+            <a:cxnSpLocks/>
+            <a:stCxn id="112" idx="2"/>
+            <a:endCxn id="90" idx="2"/>
+          </p:cNvCxnSpPr>
+          <p:nvPr/>
+        </p:nvCxnSpPr>
+        <p:spPr>
+          <a:xfrm rot="5400000" flipH="1">
+            <a:off x="5049103" y="4341060"/>
+            <a:ext cx="1613182" cy="2169672"/>
+          </a:xfrm>
+          <a:prstGeom prst="bentConnector3">
+            <a:avLst>
+              <a:gd name="adj1" fmla="val -14171"/>
+            </a:avLst>
+          </a:prstGeom>
+          <a:ln w="12700">
+            <a:solidFill>
+              <a:schemeClr val="tx1"/>
+            </a:solidFill>
+            <a:prstDash val="solid"/>
+            <a:tailEnd type="triangle"/>
+          </a:ln>
+        </p:spPr>
+        <p:style>
+          <a:lnRef idx="1">
+            <a:schemeClr val="accent1"/>
+          </a:lnRef>
+          <a:fillRef idx="0">
+            <a:schemeClr val="accent1"/>
+          </a:fillRef>
+          <a:effectRef idx="0">
+            <a:schemeClr val="accent1"/>
+          </a:effectRef>
+          <a:fontRef idx="minor">
+            <a:schemeClr val="tx1"/>
+          </a:fontRef>
+        </p:style>
+      </p:cxnSp>
+      <mc:AlternateContent xmlns:mc="http://schemas.openxmlformats.org/markup-compatibility/2006">
+        <mc:Choice xmlns:a14="http://schemas.microsoft.com/office/drawing/2010/main" Requires="a14">
+          <p:sp>
+            <p:nvSpPr>
+              <p:cNvPr id="112" name="文本框 111">
+                <a:extLst>
+                  <a:ext uri="{FF2B5EF4-FFF2-40B4-BE49-F238E27FC236}">
+                    <a16:creationId xmlns:a16="http://schemas.microsoft.com/office/drawing/2014/main" id="{5EC1E644-F881-87AB-4FC6-61ADDE6A7933}"/>
+                  </a:ext>
+                </a:extLst>
+              </p:cNvPr>
+              <p:cNvSpPr txBox="1"/>
+              <p:nvPr/>
+            </p:nvSpPr>
+            <p:spPr>
+              <a:xfrm>
+                <a:off x="6735634" y="5863155"/>
+                <a:ext cx="409792" cy="369332"/>
+              </a:xfrm>
+              <a:prstGeom prst="rect">
+                <a:avLst/>
+              </a:prstGeom>
+              <a:noFill/>
+            </p:spPr>
+            <p:txBody>
+              <a:bodyPr wrap="none" rtlCol="0">
+                <a:spAutoFit/>
+              </a:bodyPr>
+              <a:lstStyle/>
+              <a:p>
+                <a14:m>
+                  <m:oMathPara xmlns:m="http://schemas.openxmlformats.org/officeDocument/2006/math">
+                    <m:oMathParaPr>
+                      <m:jc m:val="centerGroup"/>
+                    </m:oMathParaPr>
+                    <m:oMath xmlns:m="http://schemas.openxmlformats.org/officeDocument/2006/math">
+                      <m:sSub>
+                        <m:sSubPr>
+                          <m:ctrlPr>
+                            <a:rPr lang="en-US" altLang="zh-CN" i="1" smtClean="0">
+                              <a:latin typeface="Cambria Math" panose="02040503050406030204" pitchFamily="18" charset="0"/>
+                            </a:rPr>
+                          </m:ctrlPr>
+                        </m:sSubPr>
+                        <m:e>
+                          <m:r>
+                            <a:rPr lang="en-US" altLang="zh-CN" b="0" i="1" smtClean="0">
+                              <a:latin typeface="Cambria Math" panose="02040503050406030204" pitchFamily="18" charset="0"/>
+                            </a:rPr>
+                            <m:t>𝑡</m:t>
+                          </m:r>
+                        </m:e>
+                        <m:sub>
+                          <m:r>
+                            <a:rPr lang="en-US" altLang="zh-CN" b="0" i="1" smtClean="0">
+                              <a:latin typeface="Cambria Math" panose="02040503050406030204" pitchFamily="18" charset="0"/>
+                            </a:rPr>
+                            <m:t>𝑖</m:t>
+                          </m:r>
+                        </m:sub>
+                      </m:sSub>
+                    </m:oMath>
+                  </m:oMathPara>
+                </a14:m>
+                <a:endParaRPr lang="en-US" altLang="zh-CN"/>
+              </a:p>
+            </p:txBody>
+          </p:sp>
+        </mc:Choice>
+        <mc:Fallback>
+          <p:sp>
+            <p:nvSpPr>
+              <p:cNvPr id="112" name="文本框 111">
+                <a:extLst>
+                  <a:ext uri="{FF2B5EF4-FFF2-40B4-BE49-F238E27FC236}">
+                    <a16:creationId xmlns:a16="http://schemas.microsoft.com/office/drawing/2014/main" id="{5EC1E644-F881-87AB-4FC6-61ADDE6A7933}"/>
+                  </a:ext>
+                </a:extLst>
+              </p:cNvPr>
+              <p:cNvSpPr txBox="1">
+                <a:spLocks noRot="1" noChangeAspect="1" noMove="1" noResize="1" noEditPoints="1" noAdjustHandles="1" noChangeArrowheads="1" noChangeShapeType="1" noTextEdit="1"/>
+              </p:cNvSpPr>
+              <p:nvPr/>
+            </p:nvSpPr>
+            <p:spPr>
+              <a:xfrm>
+                <a:off x="6735634" y="5863155"/>
+                <a:ext cx="409792" cy="369332"/>
+              </a:xfrm>
+              <a:prstGeom prst="rect">
+                <a:avLst/>
+              </a:prstGeom>
+              <a:blipFill>
+                <a:blip r:embed="rId9"/>
+                <a:stretch>
+                  <a:fillRect b="-1667"/>
+                </a:stretch>
+              </a:blipFill>
+            </p:spPr>
+            <p:txBody>
+              <a:bodyPr/>
+              <a:lstStyle/>
+              <a:p>
+                <a:r>
+                  <a:rPr lang="zh-CN" altLang="en-US">
+                    <a:noFill/>
+                  </a:rPr>
+                  <a:t> </a:t>
+                </a:r>
+              </a:p>
+            </p:txBody>
+          </p:sp>
+        </mc:Fallback>
+      </mc:AlternateContent>
+      <mc:AlternateContent xmlns:mc="http://schemas.openxmlformats.org/markup-compatibility/2006">
+        <mc:Choice xmlns:a14="http://schemas.microsoft.com/office/drawing/2010/main" Requires="a14">
+          <p:sp>
+            <p:nvSpPr>
+              <p:cNvPr id="141" name="文本框 140">
+                <a:extLst>
+                  <a:ext uri="{FF2B5EF4-FFF2-40B4-BE49-F238E27FC236}">
+                    <a16:creationId xmlns:a16="http://schemas.microsoft.com/office/drawing/2014/main" id="{AC93F4A9-D3FE-9716-0656-070653713C3F}"/>
+                  </a:ext>
+                </a:extLst>
+              </p:cNvPr>
+              <p:cNvSpPr txBox="1"/>
+              <p:nvPr/>
+            </p:nvSpPr>
+            <p:spPr>
+              <a:xfrm>
+                <a:off x="5697797" y="4735730"/>
+                <a:ext cx="452240" cy="369332"/>
+              </a:xfrm>
+              <a:prstGeom prst="rect">
+                <a:avLst/>
+              </a:prstGeom>
+              <a:noFill/>
+            </p:spPr>
+            <p:txBody>
+              <a:bodyPr wrap="none" rtlCol="0">
+                <a:spAutoFit/>
+              </a:bodyPr>
+              <a:lstStyle/>
+              <a:p>
+                <a14:m>
+                  <m:oMathPara xmlns:m="http://schemas.openxmlformats.org/officeDocument/2006/math">
+                    <m:oMathParaPr>
+                      <m:jc m:val="centerGroup"/>
+                    </m:oMathParaPr>
+                    <m:oMath xmlns:m="http://schemas.openxmlformats.org/officeDocument/2006/math">
+                      <m:sSub>
+                        <m:sSubPr>
+                          <m:ctrlPr>
+                            <a:rPr lang="en-US" altLang="zh-CN" i="1" smtClean="0">
+                              <a:latin typeface="Cambria Math" panose="02040503050406030204" pitchFamily="18" charset="0"/>
+                            </a:rPr>
+                          </m:ctrlPr>
+                        </m:sSubPr>
+                        <m:e>
+                          <m:r>
+                            <a:rPr lang="en-US" altLang="zh-CN" b="0" i="1" smtClean="0">
+                              <a:latin typeface="Cambria Math" panose="02040503050406030204" pitchFamily="18" charset="0"/>
+                            </a:rPr>
+                            <m:t>𝑡</m:t>
+                          </m:r>
+                        </m:e>
+                        <m:sub>
+                          <m:r>
+                            <a:rPr lang="en-US" altLang="zh-CN" b="0" i="1" smtClean="0">
+                              <a:latin typeface="Cambria Math" panose="02040503050406030204" pitchFamily="18" charset="0"/>
+                            </a:rPr>
+                            <m:t>𝑘</m:t>
+                          </m:r>
+                        </m:sub>
+                      </m:sSub>
+                    </m:oMath>
+                  </m:oMathPara>
+                </a14:m>
+                <a:endParaRPr lang="en-US" altLang="zh-CN"/>
+              </a:p>
+            </p:txBody>
+          </p:sp>
+        </mc:Choice>
+        <mc:Fallback>
+          <p:sp>
+            <p:nvSpPr>
+              <p:cNvPr id="141" name="文本框 140">
+                <a:extLst>
+                  <a:ext uri="{FF2B5EF4-FFF2-40B4-BE49-F238E27FC236}">
+                    <a16:creationId xmlns:a16="http://schemas.microsoft.com/office/drawing/2014/main" id="{AC93F4A9-D3FE-9716-0656-070653713C3F}"/>
+                  </a:ext>
+                </a:extLst>
+              </p:cNvPr>
+              <p:cNvSpPr txBox="1">
+                <a:spLocks noRot="1" noChangeAspect="1" noMove="1" noResize="1" noEditPoints="1" noAdjustHandles="1" noChangeArrowheads="1" noChangeShapeType="1" noTextEdit="1"/>
+              </p:cNvSpPr>
+              <p:nvPr/>
+            </p:nvSpPr>
+            <p:spPr>
+              <a:xfrm>
+                <a:off x="5697797" y="4735730"/>
+                <a:ext cx="452240" cy="369332"/>
+              </a:xfrm>
+              <a:prstGeom prst="rect">
+                <a:avLst/>
+              </a:prstGeom>
+              <a:blipFill>
+                <a:blip r:embed="rId10"/>
+                <a:stretch>
+                  <a:fillRect/>
+                </a:stretch>
+              </a:blipFill>
+            </p:spPr>
+            <p:txBody>
+              <a:bodyPr/>
+              <a:lstStyle/>
+              <a:p>
+                <a:r>
+                  <a:rPr lang="zh-CN" altLang="en-US">
+                    <a:noFill/>
+                  </a:rPr>
+                  <a:t> </a:t>
+                </a:r>
+              </a:p>
+            </p:txBody>
+          </p:sp>
+        </mc:Fallback>
+      </mc:AlternateContent>
+      <mc:AlternateContent xmlns:mc="http://schemas.openxmlformats.org/markup-compatibility/2006">
+        <mc:Choice xmlns:a14="http://schemas.microsoft.com/office/drawing/2010/main" Requires="a14">
+          <p:sp>
+            <p:nvSpPr>
+              <p:cNvPr id="142" name="文本框 141">
+                <a:extLst>
+                  <a:ext uri="{FF2B5EF4-FFF2-40B4-BE49-F238E27FC236}">
+                    <a16:creationId xmlns:a16="http://schemas.microsoft.com/office/drawing/2014/main" id="{3DC4C53C-9C52-C615-D356-A9D76952D67D}"/>
+                  </a:ext>
+                </a:extLst>
+              </p:cNvPr>
+              <p:cNvSpPr txBox="1"/>
+              <p:nvPr/>
+            </p:nvSpPr>
+            <p:spPr>
+              <a:xfrm>
+                <a:off x="3214097" y="251012"/>
+                <a:ext cx="483659" cy="369332"/>
+              </a:xfrm>
+              <a:prstGeom prst="rect">
+                <a:avLst/>
+              </a:prstGeom>
+              <a:noFill/>
+            </p:spPr>
+            <p:txBody>
+              <a:bodyPr wrap="none" rtlCol="0">
+                <a:spAutoFit/>
+              </a:bodyPr>
+              <a:lstStyle/>
+              <a:p>
+                <a14:m>
+                  <m:oMathPara xmlns:m="http://schemas.openxmlformats.org/officeDocument/2006/math">
+                    <m:oMathParaPr>
+                      <m:jc m:val="centerGroup"/>
+                    </m:oMathParaPr>
+                    <m:oMath xmlns:m="http://schemas.openxmlformats.org/officeDocument/2006/math">
+                      <m:r>
+                        <a:rPr lang="en-US" altLang="zh-CN" b="0" i="1" smtClean="0">
+                          <a:latin typeface="Cambria Math" panose="02040503050406030204" pitchFamily="18" charset="0"/>
+                        </a:rPr>
+                        <m:t>𝐼</m:t>
+                      </m:r>
+                      <m:r>
+                        <a:rPr lang="en-US" altLang="zh-CN" i="1" smtClean="0">
+                          <a:latin typeface="Cambria Math" panose="02040503050406030204" pitchFamily="18" charset="0"/>
+                        </a:rPr>
+                        <m:t>𝑃</m:t>
+                      </m:r>
+                    </m:oMath>
+                  </m:oMathPara>
+                </a14:m>
+                <a:endParaRPr lang="en-US" altLang="zh-CN"/>
+              </a:p>
+            </p:txBody>
+          </p:sp>
+        </mc:Choice>
+        <mc:Fallback>
+          <p:sp>
+            <p:nvSpPr>
+              <p:cNvPr id="142" name="文本框 141">
+                <a:extLst>
+                  <a:ext uri="{FF2B5EF4-FFF2-40B4-BE49-F238E27FC236}">
+                    <a16:creationId xmlns:a16="http://schemas.microsoft.com/office/drawing/2014/main" id="{3DC4C53C-9C52-C615-D356-A9D76952D67D}"/>
+                  </a:ext>
+                </a:extLst>
+              </p:cNvPr>
+              <p:cNvSpPr txBox="1">
+                <a:spLocks noRot="1" noChangeAspect="1" noMove="1" noResize="1" noEditPoints="1" noAdjustHandles="1" noChangeArrowheads="1" noChangeShapeType="1" noTextEdit="1"/>
+              </p:cNvSpPr>
+              <p:nvPr/>
+            </p:nvSpPr>
+            <p:spPr>
+              <a:xfrm>
+                <a:off x="3214097" y="251012"/>
+                <a:ext cx="483659" cy="369332"/>
+              </a:xfrm>
+              <a:prstGeom prst="rect">
+                <a:avLst/>
+              </a:prstGeom>
+              <a:blipFill>
+                <a:blip r:embed="rId11"/>
+                <a:stretch>
+                  <a:fillRect/>
+                </a:stretch>
+              </a:blipFill>
+            </p:spPr>
+            <p:txBody>
+              <a:bodyPr/>
+              <a:lstStyle/>
+              <a:p>
+                <a:r>
+                  <a:rPr lang="zh-CN" altLang="en-US">
+                    <a:noFill/>
+                  </a:rPr>
+                  <a:t> </a:t>
+                </a:r>
+              </a:p>
+            </p:txBody>
+          </p:sp>
+        </mc:Fallback>
+      </mc:AlternateContent>
+      <mc:AlternateContent xmlns:mc="http://schemas.openxmlformats.org/markup-compatibility/2006">
+        <mc:Choice xmlns:a14="http://schemas.microsoft.com/office/drawing/2010/main" Requires="a14">
+          <p:sp>
+            <p:nvSpPr>
+              <p:cNvPr id="147" name="文本框 146">
+                <a:extLst>
+                  <a:ext uri="{FF2B5EF4-FFF2-40B4-BE49-F238E27FC236}">
+                    <a16:creationId xmlns:a16="http://schemas.microsoft.com/office/drawing/2014/main" id="{2C3E468F-84CA-D966-E4B6-6E3D9AF1ECE1}"/>
+                  </a:ext>
+                </a:extLst>
+              </p:cNvPr>
+              <p:cNvSpPr txBox="1"/>
+              <p:nvPr/>
+            </p:nvSpPr>
+            <p:spPr>
+              <a:xfrm>
+                <a:off x="4141179" y="1082564"/>
+                <a:ext cx="373820" cy="369332"/>
+              </a:xfrm>
+              <a:prstGeom prst="rect">
+                <a:avLst/>
+              </a:prstGeom>
+              <a:noFill/>
+            </p:spPr>
+            <p:txBody>
+              <a:bodyPr wrap="none" rtlCol="0">
+                <a:spAutoFit/>
+              </a:bodyPr>
+              <a:lstStyle/>
+              <a:p>
+                <a14:m>
+                  <m:oMathPara xmlns:m="http://schemas.openxmlformats.org/officeDocument/2006/math">
+                    <m:oMathParaPr>
+                      <m:jc m:val="centerGroup"/>
+                    </m:oMathParaPr>
+                    <m:oMath xmlns:m="http://schemas.openxmlformats.org/officeDocument/2006/math">
+                      <m:r>
+                        <m:rPr>
+                          <m:sty m:val="p"/>
+                        </m:rPr>
+                        <a:rPr lang="en-US" altLang="zh-CN" b="0" i="0" smtClean="0">
+                          <a:latin typeface="Cambria Math" panose="02040503050406030204" pitchFamily="18" charset="0"/>
+                        </a:rPr>
+                        <m:t>I</m:t>
+                      </m:r>
+                      <m:r>
+                        <a:rPr lang="en-US" altLang="zh-CN" i="1" smtClean="0">
+                          <a:latin typeface="Cambria Math" panose="02040503050406030204" pitchFamily="18" charset="0"/>
+                        </a:rPr>
+                        <m:t>’</m:t>
+                      </m:r>
+                    </m:oMath>
+                  </m:oMathPara>
+                </a14:m>
+                <a:endParaRPr lang="en-US" altLang="zh-CN"/>
+              </a:p>
+            </p:txBody>
+          </p:sp>
+        </mc:Choice>
+        <mc:Fallback>
+          <p:sp>
+            <p:nvSpPr>
+              <p:cNvPr id="147" name="文本框 146">
+                <a:extLst>
+                  <a:ext uri="{FF2B5EF4-FFF2-40B4-BE49-F238E27FC236}">
+                    <a16:creationId xmlns:a16="http://schemas.microsoft.com/office/drawing/2014/main" id="{2C3E468F-84CA-D966-E4B6-6E3D9AF1ECE1}"/>
+                  </a:ext>
+                </a:extLst>
+              </p:cNvPr>
+              <p:cNvSpPr txBox="1">
+                <a:spLocks noRot="1" noChangeAspect="1" noMove="1" noResize="1" noEditPoints="1" noAdjustHandles="1" noChangeArrowheads="1" noChangeShapeType="1" noTextEdit="1"/>
+              </p:cNvSpPr>
+              <p:nvPr/>
+            </p:nvSpPr>
+            <p:spPr>
+              <a:xfrm>
+                <a:off x="4141179" y="1082564"/>
+                <a:ext cx="373820" cy="369332"/>
+              </a:xfrm>
+              <a:prstGeom prst="rect">
+                <a:avLst/>
+              </a:prstGeom>
+              <a:blipFill>
+                <a:blip r:embed="rId12"/>
+                <a:stretch>
+                  <a:fillRect/>
+                </a:stretch>
+              </a:blipFill>
+            </p:spPr>
+            <p:txBody>
+              <a:bodyPr/>
+              <a:lstStyle/>
+              <a:p>
+                <a:r>
+                  <a:rPr lang="zh-CN" altLang="en-US">
+                    <a:noFill/>
+                  </a:rPr>
+                  <a:t> </a:t>
+                </a:r>
+              </a:p>
+            </p:txBody>
+          </p:sp>
+        </mc:Fallback>
+      </mc:AlternateContent>
+      <mc:AlternateContent xmlns:mc="http://schemas.openxmlformats.org/markup-compatibility/2006">
+        <mc:Choice xmlns:a14="http://schemas.microsoft.com/office/drawing/2010/main" Requires="a14">
+          <p:sp>
+            <p:nvSpPr>
+              <p:cNvPr id="154" name="文本框 153">
+                <a:extLst>
+                  <a:ext uri="{FF2B5EF4-FFF2-40B4-BE49-F238E27FC236}">
+                    <a16:creationId xmlns:a16="http://schemas.microsoft.com/office/drawing/2014/main" id="{A1509B48-A6D1-4366-AEFA-2062C04CBACF}"/>
+                  </a:ext>
+                </a:extLst>
+              </p:cNvPr>
+              <p:cNvSpPr txBox="1"/>
+              <p:nvPr/>
+            </p:nvSpPr>
+            <p:spPr>
+              <a:xfrm>
+                <a:off x="1921253" y="1088294"/>
+                <a:ext cx="1443857" cy="369332"/>
+              </a:xfrm>
+              <a:prstGeom prst="rect">
+                <a:avLst/>
+              </a:prstGeom>
+              <a:noFill/>
+            </p:spPr>
+            <p:txBody>
+              <a:bodyPr wrap="none" rtlCol="0">
+                <a:spAutoFit/>
+              </a:bodyPr>
+              <a:lstStyle/>
+              <a:p>
+                <a14:m>
+                  <m:oMathPara xmlns:m="http://schemas.openxmlformats.org/officeDocument/2006/math">
+                    <m:oMathParaPr>
+                      <m:jc m:val="centerGroup"/>
+                    </m:oMathParaPr>
+                    <m:oMath xmlns:m="http://schemas.openxmlformats.org/officeDocument/2006/math">
+                      <m:r>
+                        <a:rPr lang="en-US" altLang="zh-CN" b="0" i="1" smtClean="0">
+                          <a:latin typeface="Cambria Math" panose="02040503050406030204" pitchFamily="18" charset="0"/>
+                        </a:rPr>
+                        <m:t>𝐶𝑜𝑚𝑝𝑎𝑟𝑒𝑒𝑃</m:t>
+                      </m:r>
+                    </m:oMath>
+                  </m:oMathPara>
+                </a14:m>
+                <a:endParaRPr lang="en-US" altLang="zh-CN"/>
+              </a:p>
+            </p:txBody>
+          </p:sp>
+        </mc:Choice>
+        <mc:Fallback>
+          <p:sp>
+            <p:nvSpPr>
+              <p:cNvPr id="154" name="文本框 153">
+                <a:extLst>
+                  <a:ext uri="{FF2B5EF4-FFF2-40B4-BE49-F238E27FC236}">
+                    <a16:creationId xmlns:a16="http://schemas.microsoft.com/office/drawing/2014/main" id="{A1509B48-A6D1-4366-AEFA-2062C04CBACF}"/>
+                  </a:ext>
+                </a:extLst>
+              </p:cNvPr>
+              <p:cNvSpPr txBox="1">
+                <a:spLocks noRot="1" noChangeAspect="1" noMove="1" noResize="1" noEditPoints="1" noAdjustHandles="1" noChangeArrowheads="1" noChangeShapeType="1" noTextEdit="1"/>
+              </p:cNvSpPr>
+              <p:nvPr/>
+            </p:nvSpPr>
+            <p:spPr>
+              <a:xfrm>
+                <a:off x="1921253" y="1088294"/>
+                <a:ext cx="1443857" cy="369332"/>
+              </a:xfrm>
+              <a:prstGeom prst="rect">
+                <a:avLst/>
+              </a:prstGeom>
+              <a:blipFill>
+                <a:blip r:embed="rId13"/>
+                <a:stretch>
+                  <a:fillRect b="-13333"/>
+                </a:stretch>
+              </a:blipFill>
+            </p:spPr>
+            <p:txBody>
+              <a:bodyPr/>
+              <a:lstStyle/>
+              <a:p>
+                <a:r>
+                  <a:rPr lang="zh-CN" altLang="en-US">
+                    <a:noFill/>
+                  </a:rPr>
+                  <a:t> </a:t>
+                </a:r>
+              </a:p>
+            </p:txBody>
+          </p:sp>
+        </mc:Fallback>
+      </mc:AlternateContent>
+      <p:sp>
+        <p:nvSpPr>
+          <p:cNvPr id="155" name="等腰三角形 154">
+            <a:extLst>
+              <a:ext uri="{FF2B5EF4-FFF2-40B4-BE49-F238E27FC236}">
+                <a16:creationId xmlns:a16="http://schemas.microsoft.com/office/drawing/2014/main" id="{4519AC16-307D-A61F-0C11-864D0809E19A}"/>
+              </a:ext>
+            </a:extLst>
+          </p:cNvPr>
+          <p:cNvSpPr/>
+          <p:nvPr/>
+        </p:nvSpPr>
+        <p:spPr>
+          <a:xfrm>
+            <a:off x="2333140" y="1451896"/>
+            <a:ext cx="684655" cy="230414"/>
+          </a:xfrm>
+          <a:prstGeom prst="triangle">
+            <a:avLst/>
+          </a:prstGeom>
+          <a:noFill/>
+          <a:ln>
+            <a:solidFill>
+              <a:schemeClr val="tx1"/>
+            </a:solidFill>
+          </a:ln>
+        </p:spPr>
+        <p:style>
+          <a:lnRef idx="2">
+            <a:schemeClr val="accent1">
+              <a:shade val="15000"/>
+            </a:schemeClr>
+          </a:lnRef>
+          <a:fillRef idx="1">
+            <a:schemeClr val="accent1"/>
+          </a:fillRef>
+          <a:effectRef idx="0">
+            <a:schemeClr val="accent1"/>
+          </a:effectRef>
+          <a:fontRef idx="minor">
+            <a:schemeClr val="lt1"/>
+          </a:fontRef>
+        </p:style>
+        <p:txBody>
+          <a:bodyPr rtlCol="0" anchor="ctr"/>
+          <a:lstStyle/>
+          <a:p>
+            <a:pPr algn="ctr"/>
+            <a:endParaRPr lang="zh-CN" altLang="en-US"/>
+          </a:p>
+        </p:txBody>
+      </p:sp>
+      <p:cxnSp>
+        <p:nvCxnSpPr>
+          <p:cNvPr id="157" name="直接连接符 156">
+            <a:extLst>
+              <a:ext uri="{FF2B5EF4-FFF2-40B4-BE49-F238E27FC236}">
+                <a16:creationId xmlns:a16="http://schemas.microsoft.com/office/drawing/2014/main" id="{866465E3-D602-B8C5-0618-DFBDDDE7ABBA}"/>
+              </a:ext>
+            </a:extLst>
+          </p:cNvPr>
+          <p:cNvCxnSpPr>
+            <a:cxnSpLocks/>
+            <a:stCxn id="154" idx="0"/>
+            <a:endCxn id="142" idx="2"/>
+          </p:cNvCxnSpPr>
+          <p:nvPr/>
+        </p:nvCxnSpPr>
+        <p:spPr>
+          <a:xfrm flipV="1">
+            <a:off x="2643182" y="620344"/>
+            <a:ext cx="812745" cy="467950"/>
+          </a:xfrm>
+          <a:prstGeom prst="line">
+            <a:avLst/>
+          </a:prstGeom>
+          <a:ln w="12700">
+            <a:solidFill>
+              <a:schemeClr val="tx1"/>
+            </a:solidFill>
+          </a:ln>
+        </p:spPr>
+        <p:style>
+          <a:lnRef idx="1">
+            <a:schemeClr val="accent1"/>
+          </a:lnRef>
+          <a:fillRef idx="0">
+            <a:schemeClr val="accent1"/>
+          </a:fillRef>
+          <a:effectRef idx="0">
+            <a:schemeClr val="accent1"/>
+          </a:effectRef>
+          <a:fontRef idx="minor">
+            <a:schemeClr val="tx1"/>
+          </a:fontRef>
+        </p:style>
+      </p:cxnSp>
+      <p:cxnSp>
+        <p:nvCxnSpPr>
+          <p:cNvPr id="160" name="直接连接符 159">
+            <a:extLst>
+              <a:ext uri="{FF2B5EF4-FFF2-40B4-BE49-F238E27FC236}">
+                <a16:creationId xmlns:a16="http://schemas.microsoft.com/office/drawing/2014/main" id="{361819B8-5878-64B9-B200-3918C6D30549}"/>
+              </a:ext>
+            </a:extLst>
+          </p:cNvPr>
+          <p:cNvCxnSpPr>
+            <a:cxnSpLocks/>
+            <a:stCxn id="147" idx="0"/>
+            <a:endCxn id="142" idx="2"/>
+          </p:cNvCxnSpPr>
+          <p:nvPr/>
+        </p:nvCxnSpPr>
+        <p:spPr>
+          <a:xfrm flipH="1" flipV="1">
+            <a:off x="3455927" y="620344"/>
+            <a:ext cx="872162" cy="462220"/>
+          </a:xfrm>
+          <a:prstGeom prst="line">
+            <a:avLst/>
+          </a:prstGeom>
+          <a:ln w="12700">
+            <a:solidFill>
+              <a:schemeClr val="tx1"/>
+            </a:solidFill>
+          </a:ln>
+        </p:spPr>
+        <p:style>
+          <a:lnRef idx="1">
+            <a:schemeClr val="accent1"/>
+          </a:lnRef>
+          <a:fillRef idx="0">
+            <a:schemeClr val="accent1"/>
+          </a:fillRef>
+          <a:effectRef idx="0">
+            <a:schemeClr val="accent1"/>
+          </a:effectRef>
+          <a:fontRef idx="minor">
+            <a:schemeClr val="tx1"/>
+          </a:fontRef>
+        </p:style>
+      </p:cxnSp>
+      <p:cxnSp>
+        <p:nvCxnSpPr>
+          <p:cNvPr id="166" name="直接连接符 165">
+            <a:extLst>
+              <a:ext uri="{FF2B5EF4-FFF2-40B4-BE49-F238E27FC236}">
+                <a16:creationId xmlns:a16="http://schemas.microsoft.com/office/drawing/2014/main" id="{888452A3-12ED-7E1E-BA84-E65492B1D72E}"/>
+              </a:ext>
+            </a:extLst>
+          </p:cNvPr>
+          <p:cNvCxnSpPr>
+            <a:cxnSpLocks/>
+            <a:stCxn id="147" idx="2"/>
+            <a:endCxn id="215" idx="0"/>
+          </p:cNvCxnSpPr>
+          <p:nvPr/>
+        </p:nvCxnSpPr>
+        <p:spPr>
+          <a:xfrm flipH="1">
+            <a:off x="3784640" y="1451896"/>
+            <a:ext cx="543449" cy="345786"/>
+          </a:xfrm>
+          <a:prstGeom prst="line">
+            <a:avLst/>
+          </a:prstGeom>
+          <a:ln w="12700">
+            <a:solidFill>
+              <a:schemeClr val="tx1"/>
+            </a:solidFill>
+          </a:ln>
+        </p:spPr>
+        <p:style>
+          <a:lnRef idx="1">
+            <a:schemeClr val="accent1"/>
+          </a:lnRef>
+          <a:fillRef idx="0">
+            <a:schemeClr val="accent1"/>
+          </a:fillRef>
+          <a:effectRef idx="0">
+            <a:schemeClr val="accent1"/>
+          </a:effectRef>
+          <a:fontRef idx="minor">
+            <a:schemeClr val="tx1"/>
+          </a:fontRef>
+        </p:style>
+      </p:cxnSp>
+      <p:sp>
+        <p:nvSpPr>
+          <p:cNvPr id="201" name="文本框 200">
+            <a:extLst>
+              <a:ext uri="{FF2B5EF4-FFF2-40B4-BE49-F238E27FC236}">
+                <a16:creationId xmlns:a16="http://schemas.microsoft.com/office/drawing/2014/main" id="{210CADAE-8900-2F7F-A865-559C34EC4A84}"/>
+              </a:ext>
+            </a:extLst>
+          </p:cNvPr>
+          <p:cNvSpPr txBox="1"/>
+          <p:nvPr/>
+        </p:nvSpPr>
+        <p:spPr>
+          <a:xfrm>
+            <a:off x="4829851" y="1767579"/>
+            <a:ext cx="346570" cy="369332"/>
+          </a:xfrm>
+          <a:prstGeom prst="rect">
+            <a:avLst/>
+          </a:prstGeom>
+          <a:noFill/>
+        </p:spPr>
+        <p:txBody>
+          <a:bodyPr wrap="square" rtlCol="0">
+            <a:spAutoFit/>
+          </a:bodyPr>
+          <a:lstStyle/>
+          <a:p>
+            <a:r>
+              <a:rPr lang="en-US" altLang="zh-CN"/>
+              <a:t>…</a:t>
+            </a:r>
+          </a:p>
+        </p:txBody>
+      </p:sp>
+      <p:cxnSp>
+        <p:nvCxnSpPr>
+          <p:cNvPr id="202" name="直接连接符 201">
+            <a:extLst>
+              <a:ext uri="{FF2B5EF4-FFF2-40B4-BE49-F238E27FC236}">
+                <a16:creationId xmlns:a16="http://schemas.microsoft.com/office/drawing/2014/main" id="{453E73D1-6A72-8ED7-76EE-CCBD57914043}"/>
+              </a:ext>
+            </a:extLst>
+          </p:cNvPr>
+          <p:cNvCxnSpPr>
+            <a:cxnSpLocks/>
+            <a:stCxn id="4" idx="0"/>
+          </p:cNvCxnSpPr>
+          <p:nvPr/>
+        </p:nvCxnSpPr>
+        <p:spPr>
+          <a:xfrm flipH="1" flipV="1">
+            <a:off x="5166228" y="2057566"/>
+            <a:ext cx="371029" cy="289924"/>
+          </a:xfrm>
+          <a:prstGeom prst="line">
+            <a:avLst/>
+          </a:prstGeom>
+          <a:ln w="12700">
+            <a:solidFill>
+              <a:schemeClr val="tx1"/>
+            </a:solidFill>
+          </a:ln>
+        </p:spPr>
+        <p:style>
+          <a:lnRef idx="1">
+            <a:schemeClr val="accent1"/>
+          </a:lnRef>
+          <a:fillRef idx="0">
+            <a:schemeClr val="accent1"/>
+          </a:fillRef>
+          <a:effectRef idx="0">
+            <a:schemeClr val="accent1"/>
+          </a:effectRef>
+          <a:fontRef idx="minor">
+            <a:schemeClr val="tx1"/>
+          </a:fontRef>
+        </p:style>
+      </p:cxnSp>
+      <p:cxnSp>
+        <p:nvCxnSpPr>
+          <p:cNvPr id="205" name="直接连接符 204">
+            <a:extLst>
+              <a:ext uri="{FF2B5EF4-FFF2-40B4-BE49-F238E27FC236}">
+                <a16:creationId xmlns:a16="http://schemas.microsoft.com/office/drawing/2014/main" id="{48BBC60E-3EB8-32C4-EC31-57F1086AB8FD}"/>
+              </a:ext>
+            </a:extLst>
+          </p:cNvPr>
+          <p:cNvCxnSpPr>
+            <a:cxnSpLocks/>
+            <a:stCxn id="147" idx="2"/>
+          </p:cNvCxnSpPr>
+          <p:nvPr/>
+        </p:nvCxnSpPr>
+        <p:spPr>
+          <a:xfrm>
+            <a:off x="4328089" y="1451896"/>
+            <a:ext cx="554591" cy="345786"/>
+          </a:xfrm>
+          <a:prstGeom prst="line">
+            <a:avLst/>
+          </a:prstGeom>
+          <a:ln w="12700">
+            <a:solidFill>
+              <a:schemeClr val="tx1"/>
+            </a:solidFill>
+          </a:ln>
+        </p:spPr>
+        <p:style>
+          <a:lnRef idx="1">
+            <a:schemeClr val="accent1"/>
+          </a:lnRef>
+          <a:fillRef idx="0">
+            <a:schemeClr val="accent1"/>
+          </a:fillRef>
+          <a:effectRef idx="0">
+            <a:schemeClr val="accent1"/>
+          </a:effectRef>
+          <a:fontRef idx="minor">
+            <a:schemeClr val="tx1"/>
+          </a:fontRef>
+        </p:style>
+      </p:cxnSp>
+      <mc:AlternateContent xmlns:mc="http://schemas.openxmlformats.org/markup-compatibility/2006">
+        <mc:Choice xmlns:a14="http://schemas.microsoft.com/office/drawing/2010/main" Requires="a14">
+          <p:sp>
+            <p:nvSpPr>
+              <p:cNvPr id="215" name="文本框 214">
+                <a:extLst>
+                  <a:ext uri="{FF2B5EF4-FFF2-40B4-BE49-F238E27FC236}">
+                    <a16:creationId xmlns:a16="http://schemas.microsoft.com/office/drawing/2014/main" id="{6E91EB17-9AE7-239F-C755-751CCDDD856F}"/>
+                  </a:ext>
+                </a:extLst>
+              </p:cNvPr>
+              <p:cNvSpPr txBox="1"/>
+              <p:nvPr/>
+            </p:nvSpPr>
+            <p:spPr>
+              <a:xfrm>
+                <a:off x="3559642" y="1797682"/>
+                <a:ext cx="449995" cy="369332"/>
+              </a:xfrm>
+              <a:prstGeom prst="rect">
+                <a:avLst/>
+              </a:prstGeom>
+              <a:noFill/>
+            </p:spPr>
+            <p:txBody>
+              <a:bodyPr wrap="none" rtlCol="0">
+                <a:spAutoFit/>
+              </a:bodyPr>
+              <a:lstStyle/>
+              <a:p>
+                <a14:m>
+                  <m:oMathPara xmlns:m="http://schemas.openxmlformats.org/officeDocument/2006/math">
+                    <m:oMathParaPr>
+                      <m:jc m:val="centerGroup"/>
+                    </m:oMathParaPr>
+                    <m:oMath xmlns:m="http://schemas.openxmlformats.org/officeDocument/2006/math">
+                      <m:sSup>
+                        <m:sSupPr>
+                          <m:ctrlPr>
+                            <a:rPr lang="en-US" altLang="zh-CN" i="1" smtClean="0">
+                              <a:latin typeface="Cambria Math" panose="02040503050406030204" pitchFamily="18" charset="0"/>
+                            </a:rPr>
+                          </m:ctrlPr>
+                        </m:sSupPr>
+                        <m:e>
+                          <m:r>
+                            <a:rPr lang="en-US" altLang="zh-CN" b="0" i="1" smtClean="0">
+                              <a:latin typeface="Cambria Math" panose="02040503050406030204" pitchFamily="18" charset="0"/>
+                            </a:rPr>
+                            <m:t>𝐼</m:t>
+                          </m:r>
+                        </m:e>
+                        <m:sup>
+                          <m:r>
+                            <a:rPr lang="en-US" altLang="zh-CN" b="0" i="1" smtClean="0">
+                              <a:latin typeface="Cambria Math" panose="02040503050406030204" pitchFamily="18" charset="0"/>
+                            </a:rPr>
+                            <m:t>0</m:t>
+                          </m:r>
+                        </m:sup>
+                      </m:sSup>
+                    </m:oMath>
+                  </m:oMathPara>
+                </a14:m>
+                <a:endParaRPr lang="en-US" altLang="zh-CN"/>
+              </a:p>
+            </p:txBody>
+          </p:sp>
+        </mc:Choice>
+        <mc:Fallback>
+          <p:sp>
+            <p:nvSpPr>
+              <p:cNvPr id="215" name="文本框 214">
+                <a:extLst>
+                  <a:ext uri="{FF2B5EF4-FFF2-40B4-BE49-F238E27FC236}">
+                    <a16:creationId xmlns:a16="http://schemas.microsoft.com/office/drawing/2014/main" id="{6E91EB17-9AE7-239F-C755-751CCDDD856F}"/>
+                  </a:ext>
+                </a:extLst>
+              </p:cNvPr>
+              <p:cNvSpPr txBox="1">
+                <a:spLocks noRot="1" noChangeAspect="1" noMove="1" noResize="1" noEditPoints="1" noAdjustHandles="1" noChangeArrowheads="1" noChangeShapeType="1" noTextEdit="1"/>
+              </p:cNvSpPr>
+              <p:nvPr/>
+            </p:nvSpPr>
+            <p:spPr>
+              <a:xfrm>
+                <a:off x="3559642" y="1797682"/>
+                <a:ext cx="449995" cy="369332"/>
+              </a:xfrm>
+              <a:prstGeom prst="rect">
+                <a:avLst/>
+              </a:prstGeom>
+              <a:blipFill>
+                <a:blip r:embed="rId14"/>
+                <a:stretch>
+                  <a:fillRect/>
+                </a:stretch>
+              </a:blipFill>
+            </p:spPr>
+            <p:txBody>
+              <a:bodyPr/>
+              <a:lstStyle/>
+              <a:p>
+                <a:r>
+                  <a:rPr lang="zh-CN" altLang="en-US">
+                    <a:noFill/>
+                  </a:rPr>
+                  <a:t> </a:t>
+                </a:r>
+              </a:p>
+            </p:txBody>
+          </p:sp>
+        </mc:Fallback>
+      </mc:AlternateContent>
+      <p:cxnSp>
+        <p:nvCxnSpPr>
+          <p:cNvPr id="231" name="连接符: 肘形 230">
+            <a:extLst>
+              <a:ext uri="{FF2B5EF4-FFF2-40B4-BE49-F238E27FC236}">
+                <a16:creationId xmlns:a16="http://schemas.microsoft.com/office/drawing/2014/main" id="{E07BDBB9-950D-A153-DFA7-C2977A378195}"/>
+              </a:ext>
+            </a:extLst>
+          </p:cNvPr>
+          <p:cNvCxnSpPr>
+            <a:cxnSpLocks/>
+            <a:stCxn id="141" idx="2"/>
+          </p:cNvCxnSpPr>
+          <p:nvPr/>
+        </p:nvCxnSpPr>
+        <p:spPr>
+          <a:xfrm rot="5400000" flipH="1">
+            <a:off x="2637923" y="1819069"/>
+            <a:ext cx="3337483" cy="3234505"/>
+          </a:xfrm>
+          <a:prstGeom prst="bentConnector3">
+            <a:avLst>
+              <a:gd name="adj1" fmla="val -6849"/>
+            </a:avLst>
+          </a:prstGeom>
+          <a:ln w="12700">
+            <a:solidFill>
+              <a:schemeClr val="tx1"/>
+            </a:solidFill>
+            <a:prstDash val="lgDashDot"/>
+            <a:tailEnd type="triangle"/>
+          </a:ln>
+        </p:spPr>
+        <p:style>
+          <a:lnRef idx="1">
+            <a:schemeClr val="accent1"/>
+          </a:lnRef>
+          <a:fillRef idx="0">
+            <a:schemeClr val="accent1"/>
+          </a:fillRef>
+          <a:effectRef idx="0">
+            <a:schemeClr val="accent1"/>
+          </a:effectRef>
+          <a:fontRef idx="minor">
+            <a:schemeClr val="tx1"/>
+          </a:fontRef>
+        </p:style>
+      </p:cxnSp>
+    </p:spTree>
+    <p:extLst>
+      <p:ext uri="{BB962C8B-B14F-4D97-AF65-F5344CB8AC3E}">
+        <p14:creationId xmlns:p14="http://schemas.microsoft.com/office/powerpoint/2010/main" val="3674703694"/>
+      </p:ext>
+    </p:extLst>
+  </p:cSld>
+  <p:clrMapOvr>
+    <a:masterClrMapping/>
+  </p:clrMapOvr>
+</p:sld>
+</file>
+
+<file path=ppt/slides/slide3.xml><?xml version="1.0" encoding="utf-8"?>
+<p:sld xmlns:a="http://schemas.openxmlformats.org/drawingml/2006/main" xmlns:r="http://schemas.openxmlformats.org/officeDocument/2006/relationships" xmlns:p="http://schemas.openxmlformats.org/presentationml/2006/main">
+  <p:cSld>
+    <p:spTree>
+      <p:nvGrpSpPr>
+        <p:cNvPr id="1" name=""/>
+        <p:cNvGrpSpPr/>
+        <p:nvPr/>
+      </p:nvGrpSpPr>
+      <p:grpSpPr>
+        <a:xfrm>
+          <a:off x="0" y="0"/>
+          <a:ext cx="0" cy="0"/>
+          <a:chOff x="0" y="0"/>
+          <a:chExt cx="0" cy="0"/>
+        </a:xfrm>
+      </p:grpSpPr>
+      <mc:AlternateContent xmlns:mc="http://schemas.openxmlformats.org/markup-compatibility/2006">
+        <mc:Choice xmlns:a14="http://schemas.microsoft.com/office/drawing/2010/main" Requires="a14">
+          <p:sp>
+            <p:nvSpPr>
+              <p:cNvPr id="4" name="文本框 3">
+                <a:extLst>
+                  <a:ext uri="{FF2B5EF4-FFF2-40B4-BE49-F238E27FC236}">
+                    <a16:creationId xmlns:a16="http://schemas.microsoft.com/office/drawing/2014/main" id="{BADC498D-72FD-2662-0A3F-E79AC0B68B5B}"/>
+                  </a:ext>
+                </a:extLst>
+              </p:cNvPr>
+              <p:cNvSpPr txBox="1"/>
+              <p:nvPr/>
+            </p:nvSpPr>
+            <p:spPr>
+              <a:xfrm>
+                <a:off x="4111869" y="2047318"/>
+                <a:ext cx="810671" cy="369332"/>
+              </a:xfrm>
+              <a:prstGeom prst="rect">
+                <a:avLst/>
+              </a:prstGeom>
+              <a:noFill/>
+            </p:spPr>
+            <p:txBody>
+              <a:bodyPr wrap="none" rtlCol="0">
+                <a:spAutoFit/>
+              </a:bodyPr>
+              <a:lstStyle/>
+              <a:p>
+                <a14:m>
+                  <m:oMathPara xmlns:m="http://schemas.openxmlformats.org/officeDocument/2006/math">
+                    <m:oMathParaPr>
+                      <m:jc m:val="centerGroup"/>
+                    </m:oMathParaPr>
+                    <m:oMath xmlns:m="http://schemas.openxmlformats.org/officeDocument/2006/math">
+                      <m:r>
+                        <a:rPr lang="en-US" altLang="zh-CN" i="1" smtClean="0">
+                          <a:latin typeface="Cambria Math" panose="02040503050406030204" pitchFamily="18" charset="0"/>
+                        </a:rPr>
+                        <m:t>𝐷𝑒𝑔𝑃</m:t>
+                      </m:r>
+                    </m:oMath>
+                  </m:oMathPara>
+                </a14:m>
+                <a:endParaRPr lang="en-US" altLang="zh-CN"/>
+              </a:p>
+            </p:txBody>
+          </p:sp>
+        </mc:Choice>
+        <mc:Fallback>
+          <p:sp>
+            <p:nvSpPr>
+              <p:cNvPr id="4" name="文本框 3">
+                <a:extLst>
+                  <a:ext uri="{FF2B5EF4-FFF2-40B4-BE49-F238E27FC236}">
+                    <a16:creationId xmlns:a16="http://schemas.microsoft.com/office/drawing/2014/main" id="{BADC498D-72FD-2662-0A3F-E79AC0B68B5B}"/>
+                  </a:ext>
+                </a:extLst>
+              </p:cNvPr>
+              <p:cNvSpPr txBox="1">
+                <a:spLocks noRot="1" noChangeAspect="1" noMove="1" noResize="1" noEditPoints="1" noAdjustHandles="1" noChangeArrowheads="1" noChangeShapeType="1" noTextEdit="1"/>
+              </p:cNvSpPr>
+              <p:nvPr/>
+            </p:nvSpPr>
+            <p:spPr>
+              <a:xfrm>
+                <a:off x="4111869" y="2047318"/>
+                <a:ext cx="810671" cy="369332"/>
+              </a:xfrm>
+              <a:prstGeom prst="rect">
+                <a:avLst/>
+              </a:prstGeom>
+              <a:blipFill>
+                <a:blip r:embed="rId2"/>
+                <a:stretch>
+                  <a:fillRect b="-13333"/>
+                </a:stretch>
+              </a:blipFill>
+            </p:spPr>
+            <p:txBody>
+              <a:bodyPr/>
+              <a:lstStyle/>
+              <a:p>
+                <a:r>
+                  <a:rPr lang="zh-CN" altLang="en-US">
+                    <a:noFill/>
+                  </a:rPr>
+                  <a:t> </a:t>
+                </a:r>
+              </a:p>
+            </p:txBody>
+          </p:sp>
+        </mc:Fallback>
+      </mc:AlternateContent>
+      <mc:AlternateContent xmlns:mc="http://schemas.openxmlformats.org/markup-compatibility/2006">
+        <mc:Choice xmlns:a14="http://schemas.microsoft.com/office/drawing/2010/main" Requires="a14">
+          <p:sp>
+            <p:nvSpPr>
+              <p:cNvPr id="2" name="文本框 1">
+                <a:extLst>
+                  <a:ext uri="{FF2B5EF4-FFF2-40B4-BE49-F238E27FC236}">
+                    <a16:creationId xmlns:a16="http://schemas.microsoft.com/office/drawing/2014/main" id="{E7D389EC-CA87-8E2E-FAC1-7EC70B06E529}"/>
+                  </a:ext>
+                </a:extLst>
+              </p:cNvPr>
+              <p:cNvSpPr txBox="1"/>
+              <p:nvPr/>
+            </p:nvSpPr>
+            <p:spPr>
+              <a:xfrm>
+                <a:off x="3261518" y="2716129"/>
+                <a:ext cx="594265" cy="369332"/>
+              </a:xfrm>
+              <a:prstGeom prst="rect">
+                <a:avLst/>
+              </a:prstGeom>
+              <a:noFill/>
+            </p:spPr>
+            <p:txBody>
+              <a:bodyPr wrap="none" rtlCol="0">
+                <a:spAutoFit/>
+              </a:bodyPr>
+              <a:lstStyle/>
+              <a:p>
+                <a14:m>
+                  <m:oMathPara xmlns:m="http://schemas.openxmlformats.org/officeDocument/2006/math">
+                    <m:oMathParaPr>
+                      <m:jc m:val="centerGroup"/>
+                    </m:oMathParaPr>
+                    <m:oMath xmlns:m="http://schemas.openxmlformats.org/officeDocument/2006/math">
+                      <m:r>
+                        <a:rPr lang="en-US" altLang="zh-CN" i="1" smtClean="0">
+                          <a:latin typeface="Cambria Math" panose="02040503050406030204" pitchFamily="18" charset="0"/>
+                        </a:rPr>
+                        <m:t>𝑏𝑖𝑃</m:t>
+                      </m:r>
+                    </m:oMath>
+                  </m:oMathPara>
+                </a14:m>
+                <a:endParaRPr lang="en-US" altLang="zh-CN"/>
+              </a:p>
+            </p:txBody>
+          </p:sp>
+        </mc:Choice>
+        <mc:Fallback>
+          <p:sp>
+            <p:nvSpPr>
+              <p:cNvPr id="2" name="文本框 1">
+                <a:extLst>
+                  <a:ext uri="{FF2B5EF4-FFF2-40B4-BE49-F238E27FC236}">
+                    <a16:creationId xmlns:a16="http://schemas.microsoft.com/office/drawing/2014/main" id="{E7D389EC-CA87-8E2E-FAC1-7EC70B06E529}"/>
+                  </a:ext>
+                </a:extLst>
+              </p:cNvPr>
+              <p:cNvSpPr txBox="1">
+                <a:spLocks noRot="1" noChangeAspect="1" noMove="1" noResize="1" noEditPoints="1" noAdjustHandles="1" noChangeArrowheads="1" noChangeShapeType="1" noTextEdit="1"/>
+              </p:cNvSpPr>
+              <p:nvPr/>
+            </p:nvSpPr>
+            <p:spPr>
+              <a:xfrm>
+                <a:off x="3261518" y="2716129"/>
+                <a:ext cx="594265" cy="369332"/>
+              </a:xfrm>
+              <a:prstGeom prst="rect">
+                <a:avLst/>
+              </a:prstGeom>
+              <a:blipFill>
+                <a:blip r:embed="rId3"/>
+                <a:stretch>
+                  <a:fillRect/>
+                </a:stretch>
+              </a:blipFill>
+            </p:spPr>
+            <p:txBody>
+              <a:bodyPr/>
+              <a:lstStyle/>
+              <a:p>
+                <a:r>
+                  <a:rPr lang="zh-CN" altLang="en-US">
+                    <a:noFill/>
+                  </a:rPr>
+                  <a:t> </a:t>
+                </a:r>
+              </a:p>
+            </p:txBody>
+          </p:sp>
+        </mc:Fallback>
+      </mc:AlternateContent>
+      <mc:AlternateContent xmlns:mc="http://schemas.openxmlformats.org/markup-compatibility/2006">
+        <mc:Choice xmlns:a14="http://schemas.microsoft.com/office/drawing/2010/main" Requires="a14">
+          <p:sp>
+            <p:nvSpPr>
+              <p:cNvPr id="3" name="文本框 2">
+                <a:extLst>
+                  <a:ext uri="{FF2B5EF4-FFF2-40B4-BE49-F238E27FC236}">
+                    <a16:creationId xmlns:a16="http://schemas.microsoft.com/office/drawing/2014/main" id="{8B95ACB2-66B9-E950-0053-1DCF252015C0}"/>
+                  </a:ext>
+                </a:extLst>
+              </p:cNvPr>
+              <p:cNvSpPr txBox="1"/>
+              <p:nvPr/>
+            </p:nvSpPr>
+            <p:spPr>
+              <a:xfrm>
+                <a:off x="5059879" y="2716129"/>
+                <a:ext cx="721672" cy="369332"/>
+              </a:xfrm>
+              <a:prstGeom prst="rect">
+                <a:avLst/>
+              </a:prstGeom>
+              <a:noFill/>
+            </p:spPr>
+            <p:txBody>
+              <a:bodyPr wrap="none" rtlCol="0">
+                <a:spAutoFit/>
+              </a:bodyPr>
+              <a:lstStyle/>
+              <a:p>
+                <a14:m>
+                  <m:oMathPara xmlns:m="http://schemas.openxmlformats.org/officeDocument/2006/math">
+                    <m:oMathParaPr>
+                      <m:jc m:val="centerGroup"/>
+                    </m:oMathParaPr>
+                    <m:oMath xmlns:m="http://schemas.openxmlformats.org/officeDocument/2006/math">
+                      <m:r>
+                        <a:rPr lang="en-US" altLang="zh-CN" i="1" smtClean="0">
+                          <a:latin typeface="Cambria Math" panose="02040503050406030204" pitchFamily="18" charset="0"/>
+                        </a:rPr>
+                        <m:t>𝐷𝑒𝑔</m:t>
+                      </m:r>
+                      <m:r>
+                        <a:rPr lang="en-US" altLang="zh-CN" b="0" i="1" smtClean="0">
+                          <a:latin typeface="Cambria Math" panose="02040503050406030204" pitchFamily="18" charset="0"/>
+                        </a:rPr>
+                        <m:t>′</m:t>
+                      </m:r>
+                    </m:oMath>
+                  </m:oMathPara>
+                </a14:m>
+                <a:endParaRPr lang="en-US" altLang="zh-CN"/>
+              </a:p>
+            </p:txBody>
+          </p:sp>
+        </mc:Choice>
+        <mc:Fallback>
+          <p:sp>
+            <p:nvSpPr>
+              <p:cNvPr id="3" name="文本框 2">
+                <a:extLst>
+                  <a:ext uri="{FF2B5EF4-FFF2-40B4-BE49-F238E27FC236}">
+                    <a16:creationId xmlns:a16="http://schemas.microsoft.com/office/drawing/2014/main" id="{8B95ACB2-66B9-E950-0053-1DCF252015C0}"/>
+                  </a:ext>
+                </a:extLst>
+              </p:cNvPr>
+              <p:cNvSpPr txBox="1">
+                <a:spLocks noRot="1" noChangeAspect="1" noMove="1" noResize="1" noEditPoints="1" noAdjustHandles="1" noChangeArrowheads="1" noChangeShapeType="1" noTextEdit="1"/>
+              </p:cNvSpPr>
+              <p:nvPr/>
+            </p:nvSpPr>
+            <p:spPr>
+              <a:xfrm>
+                <a:off x="5059879" y="2716129"/>
+                <a:ext cx="721672" cy="369332"/>
+              </a:xfrm>
+              <a:prstGeom prst="rect">
+                <a:avLst/>
+              </a:prstGeom>
+              <a:blipFill>
+                <a:blip r:embed="rId4"/>
+                <a:stretch>
+                  <a:fillRect b="-13333"/>
+                </a:stretch>
+              </a:blipFill>
+            </p:spPr>
+            <p:txBody>
+              <a:bodyPr/>
+              <a:lstStyle/>
+              <a:p>
+                <a:r>
+                  <a:rPr lang="zh-CN" altLang="en-US">
+                    <a:noFill/>
+                  </a:rPr>
+                  <a:t> </a:t>
+                </a:r>
+              </a:p>
+            </p:txBody>
+          </p:sp>
+        </mc:Fallback>
+      </mc:AlternateContent>
+      <mc:AlternateContent xmlns:mc="http://schemas.openxmlformats.org/markup-compatibility/2006">
+        <mc:Choice xmlns:a14="http://schemas.microsoft.com/office/drawing/2010/main" Requires="a14">
+          <p:sp>
+            <p:nvSpPr>
+              <p:cNvPr id="6" name="文本框 5">
+                <a:extLst>
+                  <a:ext uri="{FF2B5EF4-FFF2-40B4-BE49-F238E27FC236}">
+                    <a16:creationId xmlns:a16="http://schemas.microsoft.com/office/drawing/2014/main" id="{FA2C9A11-CFF2-4005-D650-0ABEAEEDFD65}"/>
+                  </a:ext>
+                </a:extLst>
+              </p:cNvPr>
+              <p:cNvSpPr txBox="1"/>
+              <p:nvPr/>
+            </p:nvSpPr>
+            <p:spPr>
+              <a:xfrm>
+                <a:off x="6159955" y="3518109"/>
+                <a:ext cx="810671" cy="369332"/>
+              </a:xfrm>
+              <a:prstGeom prst="rect">
+                <a:avLst/>
+              </a:prstGeom>
+              <a:noFill/>
+            </p:spPr>
+            <p:txBody>
+              <a:bodyPr wrap="none" rtlCol="0">
+                <a:spAutoFit/>
+              </a:bodyPr>
+              <a:lstStyle/>
+              <a:p>
+                <a14:m>
+                  <m:oMathPara xmlns:m="http://schemas.openxmlformats.org/officeDocument/2006/math">
+                    <m:oMathParaPr>
+                      <m:jc m:val="centerGroup"/>
+                    </m:oMathParaPr>
+                    <m:oMath xmlns:m="http://schemas.openxmlformats.org/officeDocument/2006/math">
+                      <m:r>
+                        <a:rPr lang="en-US" altLang="zh-CN" i="1" smtClean="0">
+                          <a:latin typeface="Cambria Math" panose="02040503050406030204" pitchFamily="18" charset="0"/>
+                        </a:rPr>
+                        <m:t>𝐷𝑒𝑔𝑃</m:t>
+                      </m:r>
+                    </m:oMath>
+                  </m:oMathPara>
+                </a14:m>
+                <a:endParaRPr lang="en-US" altLang="zh-CN"/>
+              </a:p>
+            </p:txBody>
+          </p:sp>
+        </mc:Choice>
+        <mc:Fallback>
+          <p:sp>
+            <p:nvSpPr>
+              <p:cNvPr id="6" name="文本框 5">
+                <a:extLst>
+                  <a:ext uri="{FF2B5EF4-FFF2-40B4-BE49-F238E27FC236}">
+                    <a16:creationId xmlns:a16="http://schemas.microsoft.com/office/drawing/2014/main" id="{FA2C9A11-CFF2-4005-D650-0ABEAEEDFD65}"/>
+                  </a:ext>
+                </a:extLst>
+              </p:cNvPr>
+              <p:cNvSpPr txBox="1">
+                <a:spLocks noRot="1" noChangeAspect="1" noMove="1" noResize="1" noEditPoints="1" noAdjustHandles="1" noChangeArrowheads="1" noChangeShapeType="1" noTextEdit="1"/>
+              </p:cNvSpPr>
+              <p:nvPr/>
+            </p:nvSpPr>
+            <p:spPr>
+              <a:xfrm>
+                <a:off x="6159955" y="3518109"/>
+                <a:ext cx="810671" cy="369332"/>
+              </a:xfrm>
+              <a:prstGeom prst="rect">
+                <a:avLst/>
+              </a:prstGeom>
+              <a:blipFill>
+                <a:blip r:embed="rId5"/>
+                <a:stretch>
+                  <a:fillRect b="-11475"/>
+                </a:stretch>
+              </a:blipFill>
+            </p:spPr>
+            <p:txBody>
+              <a:bodyPr/>
+              <a:lstStyle/>
+              <a:p>
+                <a:r>
+                  <a:rPr lang="zh-CN" altLang="en-US">
+                    <a:noFill/>
+                  </a:rPr>
+                  <a:t> </a:t>
+                </a:r>
+              </a:p>
+            </p:txBody>
+          </p:sp>
+        </mc:Fallback>
+      </mc:AlternateContent>
+      <mc:AlternateContent xmlns:mc="http://schemas.openxmlformats.org/markup-compatibility/2006">
+        <mc:Choice xmlns:a14="http://schemas.microsoft.com/office/drawing/2010/main" Requires="a14">
+          <p:sp>
+            <p:nvSpPr>
+              <p:cNvPr id="7" name="文本框 6">
+                <a:extLst>
+                  <a:ext uri="{FF2B5EF4-FFF2-40B4-BE49-F238E27FC236}">
+                    <a16:creationId xmlns:a16="http://schemas.microsoft.com/office/drawing/2014/main" id="{529851E2-5A55-6641-C29C-6D5925F4C6BC}"/>
+                  </a:ext>
+                </a:extLst>
+              </p:cNvPr>
+              <p:cNvSpPr txBox="1"/>
+              <p:nvPr/>
+            </p:nvSpPr>
+            <p:spPr>
+              <a:xfrm>
+                <a:off x="5361192" y="4187314"/>
+                <a:ext cx="882806" cy="369332"/>
+              </a:xfrm>
+              <a:prstGeom prst="rect">
+                <a:avLst/>
+              </a:prstGeom>
+              <a:noFill/>
+            </p:spPr>
+            <p:txBody>
+              <a:bodyPr wrap="none" rtlCol="0">
+                <a:spAutoFit/>
+              </a:bodyPr>
+              <a:lstStyle/>
+              <a:p>
+                <a14:m>
+                  <m:oMathPara xmlns:m="http://schemas.openxmlformats.org/officeDocument/2006/math">
+                    <m:oMathParaPr>
+                      <m:jc m:val="centerGroup"/>
+                    </m:oMathParaPr>
+                    <m:oMath xmlns:m="http://schemas.openxmlformats.org/officeDocument/2006/math">
+                      <m:r>
+                        <a:rPr lang="en-US" altLang="zh-CN" i="1" smtClean="0">
+                          <a:latin typeface="Cambria Math" panose="02040503050406030204" pitchFamily="18" charset="0"/>
+                        </a:rPr>
+                        <m:t>𝐷𝑖𝑓𝑓𝑃</m:t>
+                      </m:r>
+                    </m:oMath>
+                  </m:oMathPara>
+                </a14:m>
+                <a:endParaRPr lang="en-US" altLang="zh-CN"/>
+              </a:p>
+            </p:txBody>
+          </p:sp>
+        </mc:Choice>
+        <mc:Fallback>
+          <p:sp>
+            <p:nvSpPr>
+              <p:cNvPr id="7" name="文本框 6">
+                <a:extLst>
+                  <a:ext uri="{FF2B5EF4-FFF2-40B4-BE49-F238E27FC236}">
+                    <a16:creationId xmlns:a16="http://schemas.microsoft.com/office/drawing/2014/main" id="{529851E2-5A55-6641-C29C-6D5925F4C6BC}"/>
+                  </a:ext>
+                </a:extLst>
+              </p:cNvPr>
+              <p:cNvSpPr txBox="1">
+                <a:spLocks noRot="1" noChangeAspect="1" noMove="1" noResize="1" noEditPoints="1" noAdjustHandles="1" noChangeArrowheads="1" noChangeShapeType="1" noTextEdit="1"/>
+              </p:cNvSpPr>
+              <p:nvPr/>
+            </p:nvSpPr>
+            <p:spPr>
+              <a:xfrm>
+                <a:off x="5361192" y="4187314"/>
+                <a:ext cx="882806" cy="369332"/>
+              </a:xfrm>
+              <a:prstGeom prst="rect">
+                <a:avLst/>
+              </a:prstGeom>
+              <a:blipFill>
+                <a:blip r:embed="rId6"/>
+                <a:stretch>
+                  <a:fillRect b="-13333"/>
+                </a:stretch>
+              </a:blipFill>
+            </p:spPr>
+            <p:txBody>
+              <a:bodyPr/>
+              <a:lstStyle/>
+              <a:p>
+                <a:r>
+                  <a:rPr lang="zh-CN" altLang="en-US">
+                    <a:noFill/>
+                  </a:rPr>
+                  <a:t> </a:t>
+                </a:r>
+              </a:p>
+            </p:txBody>
+          </p:sp>
+        </mc:Fallback>
+      </mc:AlternateContent>
+      <mc:AlternateContent xmlns:mc="http://schemas.openxmlformats.org/markup-compatibility/2006">
+        <mc:Choice xmlns:a14="http://schemas.microsoft.com/office/drawing/2010/main" Requires="a14">
+          <p:sp>
+            <p:nvSpPr>
+              <p:cNvPr id="8" name="文本框 7">
+                <a:extLst>
+                  <a:ext uri="{FF2B5EF4-FFF2-40B4-BE49-F238E27FC236}">
+                    <a16:creationId xmlns:a16="http://schemas.microsoft.com/office/drawing/2014/main" id="{A5B211BB-9350-EBCD-7C32-25CED1C1AD9B}"/>
+                  </a:ext>
+                </a:extLst>
+              </p:cNvPr>
+              <p:cNvSpPr txBox="1"/>
+              <p:nvPr/>
+            </p:nvSpPr>
+            <p:spPr>
+              <a:xfrm>
+                <a:off x="7170293" y="4187314"/>
+                <a:ext cx="713657" cy="369332"/>
+              </a:xfrm>
+              <a:prstGeom prst="rect">
+                <a:avLst/>
+              </a:prstGeom>
+              <a:noFill/>
+            </p:spPr>
+            <p:txBody>
+              <a:bodyPr wrap="none" rtlCol="0">
+                <a:spAutoFit/>
+              </a:bodyPr>
+              <a:lstStyle/>
+              <a:p>
+                <a14:m>
+                  <m:oMathPara xmlns:m="http://schemas.openxmlformats.org/officeDocument/2006/math">
+                    <m:oMathParaPr>
+                      <m:jc m:val="centerGroup"/>
+                    </m:oMathParaPr>
+                    <m:oMath xmlns:m="http://schemas.openxmlformats.org/officeDocument/2006/math">
+                      <m:r>
+                        <a:rPr lang="en-US" altLang="zh-CN" i="1" smtClean="0">
+                          <a:latin typeface="Cambria Math" panose="02040503050406030204" pitchFamily="18" charset="0"/>
+                        </a:rPr>
+                        <m:t>𝐷𝑒𝑔</m:t>
+                      </m:r>
+                      <m:r>
+                        <a:rPr lang="en-US" altLang="zh-CN" i="1" smtClean="0">
+                          <a:latin typeface="Cambria Math" panose="02040503050406030204" pitchFamily="18" charset="0"/>
+                        </a:rPr>
+                        <m:t>’</m:t>
+                      </m:r>
+                    </m:oMath>
+                  </m:oMathPara>
+                </a14:m>
+                <a:endParaRPr lang="en-US" altLang="zh-CN"/>
+              </a:p>
+            </p:txBody>
+          </p:sp>
+        </mc:Choice>
+        <mc:Fallback>
+          <p:sp>
+            <p:nvSpPr>
+              <p:cNvPr id="8" name="文本框 7">
+                <a:extLst>
+                  <a:ext uri="{FF2B5EF4-FFF2-40B4-BE49-F238E27FC236}">
+                    <a16:creationId xmlns:a16="http://schemas.microsoft.com/office/drawing/2014/main" id="{A5B211BB-9350-EBCD-7C32-25CED1C1AD9B}"/>
+                  </a:ext>
+                </a:extLst>
+              </p:cNvPr>
+              <p:cNvSpPr txBox="1">
+                <a:spLocks noRot="1" noChangeAspect="1" noMove="1" noResize="1" noEditPoints="1" noAdjustHandles="1" noChangeArrowheads="1" noChangeShapeType="1" noTextEdit="1"/>
+              </p:cNvSpPr>
+              <p:nvPr/>
+            </p:nvSpPr>
+            <p:spPr>
+              <a:xfrm>
+                <a:off x="7170293" y="4187314"/>
+                <a:ext cx="713657" cy="369332"/>
+              </a:xfrm>
+              <a:prstGeom prst="rect">
+                <a:avLst/>
+              </a:prstGeom>
+              <a:blipFill>
+                <a:blip r:embed="rId7"/>
+                <a:stretch>
+                  <a:fillRect b="-13333"/>
+                </a:stretch>
+              </a:blipFill>
+            </p:spPr>
+            <p:txBody>
+              <a:bodyPr/>
+              <a:lstStyle/>
+              <a:p>
+                <a:r>
+                  <a:rPr lang="zh-CN" altLang="en-US">
+                    <a:noFill/>
+                  </a:rPr>
+                  <a:t> </a:t>
+                </a:r>
+              </a:p>
+            </p:txBody>
+          </p:sp>
+        </mc:Fallback>
+      </mc:AlternateContent>
+      <mc:AlternateContent xmlns:mc="http://schemas.openxmlformats.org/markup-compatibility/2006">
+        <mc:Choice xmlns:a14="http://schemas.microsoft.com/office/drawing/2010/main" Requires="a14">
+          <p:sp>
+            <p:nvSpPr>
+              <p:cNvPr id="9" name="文本框 8">
+                <a:extLst>
+                  <a:ext uri="{FF2B5EF4-FFF2-40B4-BE49-F238E27FC236}">
+                    <a16:creationId xmlns:a16="http://schemas.microsoft.com/office/drawing/2014/main" id="{41B9BAC2-28DC-365D-D372-26FDA4C6349D}"/>
+                  </a:ext>
+                </a:extLst>
+              </p:cNvPr>
+              <p:cNvSpPr txBox="1"/>
+              <p:nvPr/>
+            </p:nvSpPr>
+            <p:spPr>
+              <a:xfrm>
+                <a:off x="6468244" y="4808797"/>
+                <a:ext cx="773673" cy="369332"/>
+              </a:xfrm>
+              <a:prstGeom prst="rect">
+                <a:avLst/>
+              </a:prstGeom>
+              <a:noFill/>
+            </p:spPr>
+            <p:txBody>
+              <a:bodyPr wrap="none" rtlCol="0">
+                <a:spAutoFit/>
+              </a:bodyPr>
+              <a:lstStyle/>
+              <a:p>
+                <a14:m>
+                  <m:oMathPara xmlns:m="http://schemas.openxmlformats.org/officeDocument/2006/math">
+                    <m:oMathParaPr>
+                      <m:jc m:val="centerGroup"/>
+                    </m:oMathParaPr>
+                    <m:oMath xmlns:m="http://schemas.openxmlformats.org/officeDocument/2006/math">
+                      <m:sSup>
+                        <m:sSupPr>
+                          <m:ctrlPr>
+                            <a:rPr lang="en-US" altLang="zh-CN" i="1" smtClean="0">
+                              <a:latin typeface="Cambria Math" panose="02040503050406030204" pitchFamily="18" charset="0"/>
+                            </a:rPr>
+                          </m:ctrlPr>
+                        </m:sSupPr>
+                        <m:e>
+                          <m:r>
+                            <a:rPr lang="en-US" altLang="zh-CN" b="0" i="1" smtClean="0">
+                              <a:latin typeface="Cambria Math" panose="02040503050406030204" pitchFamily="18" charset="0"/>
+                            </a:rPr>
+                            <m:t>𝐷𝑒𝑔</m:t>
+                          </m:r>
+                        </m:e>
+                        <m:sup>
+                          <m:r>
+                            <a:rPr lang="en-US" altLang="zh-CN" b="0" i="1" smtClean="0">
+                              <a:latin typeface="Cambria Math" panose="02040503050406030204" pitchFamily="18" charset="0"/>
+                            </a:rPr>
+                            <m:t>0</m:t>
+                          </m:r>
+                        </m:sup>
+                      </m:sSup>
+                    </m:oMath>
+                  </m:oMathPara>
+                </a14:m>
+                <a:endParaRPr lang="en-US" altLang="zh-CN"/>
+              </a:p>
+            </p:txBody>
+          </p:sp>
+        </mc:Choice>
+        <mc:Fallback>
+          <p:sp>
+            <p:nvSpPr>
+              <p:cNvPr id="9" name="文本框 8">
+                <a:extLst>
+                  <a:ext uri="{FF2B5EF4-FFF2-40B4-BE49-F238E27FC236}">
+                    <a16:creationId xmlns:a16="http://schemas.microsoft.com/office/drawing/2014/main" id="{41B9BAC2-28DC-365D-D372-26FDA4C6349D}"/>
+                  </a:ext>
+                </a:extLst>
+              </p:cNvPr>
+              <p:cNvSpPr txBox="1">
+                <a:spLocks noRot="1" noChangeAspect="1" noMove="1" noResize="1" noEditPoints="1" noAdjustHandles="1" noChangeArrowheads="1" noChangeShapeType="1" noTextEdit="1"/>
+              </p:cNvSpPr>
+              <p:nvPr/>
+            </p:nvSpPr>
+            <p:spPr>
+              <a:xfrm>
+                <a:off x="6468244" y="4808797"/>
+                <a:ext cx="773673" cy="369332"/>
+              </a:xfrm>
+              <a:prstGeom prst="rect">
+                <a:avLst/>
+              </a:prstGeom>
+              <a:blipFill>
+                <a:blip r:embed="rId8"/>
+                <a:stretch>
+                  <a:fillRect b="-13333"/>
+                </a:stretch>
+              </a:blipFill>
+            </p:spPr>
+            <p:txBody>
+              <a:bodyPr/>
+              <a:lstStyle/>
+              <a:p>
+                <a:r>
+                  <a:rPr lang="zh-CN" altLang="en-US">
+                    <a:noFill/>
+                  </a:rPr>
+                  <a:t> </a:t>
+                </a:r>
+              </a:p>
+            </p:txBody>
+          </p:sp>
+        </mc:Fallback>
+      </mc:AlternateContent>
+      <mc:AlternateContent xmlns:mc="http://schemas.openxmlformats.org/markup-compatibility/2006">
+        <mc:Choice xmlns:a14="http://schemas.microsoft.com/office/drawing/2010/main" Requires="a14">
+          <p:sp>
+            <p:nvSpPr>
+              <p:cNvPr id="10" name="文本框 9">
+                <a:extLst>
+                  <a:ext uri="{FF2B5EF4-FFF2-40B4-BE49-F238E27FC236}">
+                    <a16:creationId xmlns:a16="http://schemas.microsoft.com/office/drawing/2014/main" id="{C4C321FD-814A-7A1B-E5DF-83206F4D5AFD}"/>
+                  </a:ext>
+                </a:extLst>
+              </p:cNvPr>
+              <p:cNvSpPr txBox="1"/>
+              <p:nvPr/>
+            </p:nvSpPr>
+            <p:spPr>
+              <a:xfrm>
+                <a:off x="7979362" y="4826687"/>
+                <a:ext cx="541367" cy="369332"/>
+              </a:xfrm>
+              <a:prstGeom prst="rect">
+                <a:avLst/>
+              </a:prstGeom>
+              <a:noFill/>
+            </p:spPr>
+            <p:txBody>
+              <a:bodyPr wrap="none" rtlCol="0">
+                <a:spAutoFit/>
+              </a:bodyPr>
+              <a:lstStyle/>
+              <a:p>
+                <a14:m>
+                  <m:oMathPara xmlns:m="http://schemas.openxmlformats.org/officeDocument/2006/math">
+                    <m:oMathParaPr>
+                      <m:jc m:val="centerGroup"/>
+                    </m:oMathParaPr>
+                    <m:oMath xmlns:m="http://schemas.openxmlformats.org/officeDocument/2006/math">
+                      <m:r>
+                        <a:rPr lang="en-US" altLang="zh-CN" i="1" smtClean="0">
+                          <a:latin typeface="Cambria Math" panose="02040503050406030204" pitchFamily="18" charset="0"/>
+                        </a:rPr>
+                        <m:t>𝐴𝑃</m:t>
+                      </m:r>
+                    </m:oMath>
+                  </m:oMathPara>
+                </a14:m>
+                <a:endParaRPr lang="en-US" altLang="zh-CN"/>
+              </a:p>
+            </p:txBody>
+          </p:sp>
+        </mc:Choice>
+        <mc:Fallback>
+          <p:sp>
+            <p:nvSpPr>
+              <p:cNvPr id="10" name="文本框 9">
+                <a:extLst>
+                  <a:ext uri="{FF2B5EF4-FFF2-40B4-BE49-F238E27FC236}">
+                    <a16:creationId xmlns:a16="http://schemas.microsoft.com/office/drawing/2014/main" id="{C4C321FD-814A-7A1B-E5DF-83206F4D5AFD}"/>
+                  </a:ext>
+                </a:extLst>
+              </p:cNvPr>
+              <p:cNvSpPr txBox="1">
+                <a:spLocks noRot="1" noChangeAspect="1" noMove="1" noResize="1" noEditPoints="1" noAdjustHandles="1" noChangeArrowheads="1" noChangeShapeType="1" noTextEdit="1"/>
+              </p:cNvSpPr>
+              <p:nvPr/>
+            </p:nvSpPr>
+            <p:spPr>
+              <a:xfrm>
+                <a:off x="7979362" y="4826687"/>
+                <a:ext cx="541367" cy="369332"/>
+              </a:xfrm>
+              <a:prstGeom prst="rect">
+                <a:avLst/>
+              </a:prstGeom>
+              <a:blipFill>
+                <a:blip r:embed="rId9"/>
+                <a:stretch>
+                  <a:fillRect/>
+                </a:stretch>
+              </a:blipFill>
+            </p:spPr>
+            <p:txBody>
+              <a:bodyPr/>
+              <a:lstStyle/>
+              <a:p>
+                <a:r>
+                  <a:rPr lang="zh-CN" altLang="en-US">
+                    <a:noFill/>
+                  </a:rPr>
+                  <a:t> </a:t>
+                </a:r>
+              </a:p>
+            </p:txBody>
+          </p:sp>
+        </mc:Fallback>
+      </mc:AlternateContent>
+      <mc:AlternateContent xmlns:mc="http://schemas.openxmlformats.org/markup-compatibility/2006">
+        <mc:Choice xmlns:a14="http://schemas.microsoft.com/office/drawing/2010/main" Requires="a14">
+          <p:sp>
+            <p:nvSpPr>
+              <p:cNvPr id="12" name="文本框 11">
+                <a:extLst>
+                  <a:ext uri="{FF2B5EF4-FFF2-40B4-BE49-F238E27FC236}">
+                    <a16:creationId xmlns:a16="http://schemas.microsoft.com/office/drawing/2014/main" id="{68DC509C-EB06-6067-D3CF-355F5F6395B3}"/>
+                  </a:ext>
+                </a:extLst>
+              </p:cNvPr>
+              <p:cNvSpPr txBox="1"/>
+              <p:nvPr/>
+            </p:nvSpPr>
+            <p:spPr>
+              <a:xfrm>
+                <a:off x="3968746" y="3448329"/>
+                <a:ext cx="773673" cy="369332"/>
+              </a:xfrm>
+              <a:prstGeom prst="rect">
+                <a:avLst/>
+              </a:prstGeom>
+              <a:noFill/>
+            </p:spPr>
+            <p:txBody>
+              <a:bodyPr wrap="none" rtlCol="0">
+                <a:spAutoFit/>
+              </a:bodyPr>
+              <a:lstStyle/>
+              <a:p>
+                <a14:m>
+                  <m:oMathPara xmlns:m="http://schemas.openxmlformats.org/officeDocument/2006/math">
+                    <m:oMathParaPr>
+                      <m:jc m:val="centerGroup"/>
+                    </m:oMathParaPr>
+                    <m:oMath xmlns:m="http://schemas.openxmlformats.org/officeDocument/2006/math">
+                      <m:sSup>
+                        <m:sSupPr>
+                          <m:ctrlPr>
+                            <a:rPr lang="en-US" altLang="zh-CN" i="1" smtClean="0">
+                              <a:latin typeface="Cambria Math" panose="02040503050406030204" pitchFamily="18" charset="0"/>
+                            </a:rPr>
+                          </m:ctrlPr>
+                        </m:sSupPr>
+                        <m:e>
+                          <m:r>
+                            <a:rPr lang="en-US" altLang="zh-CN" b="0" i="1" smtClean="0">
+                              <a:latin typeface="Cambria Math" panose="02040503050406030204" pitchFamily="18" charset="0"/>
+                            </a:rPr>
+                            <m:t>𝐷𝑒𝑔</m:t>
+                          </m:r>
+                        </m:e>
+                        <m:sup>
+                          <m:r>
+                            <a:rPr lang="en-US" altLang="zh-CN" b="0" i="1" smtClean="0">
+                              <a:latin typeface="Cambria Math" panose="02040503050406030204" pitchFamily="18" charset="0"/>
+                            </a:rPr>
+                            <m:t>0</m:t>
+                          </m:r>
+                        </m:sup>
+                      </m:sSup>
+                    </m:oMath>
+                  </m:oMathPara>
+                </a14:m>
+                <a:endParaRPr lang="en-US" altLang="zh-CN"/>
+              </a:p>
+            </p:txBody>
+          </p:sp>
+        </mc:Choice>
+        <mc:Fallback>
+          <p:sp>
+            <p:nvSpPr>
+              <p:cNvPr id="12" name="文本框 11">
+                <a:extLst>
+                  <a:ext uri="{FF2B5EF4-FFF2-40B4-BE49-F238E27FC236}">
+                    <a16:creationId xmlns:a16="http://schemas.microsoft.com/office/drawing/2014/main" id="{68DC509C-EB06-6067-D3CF-355F5F6395B3}"/>
+                  </a:ext>
+                </a:extLst>
+              </p:cNvPr>
+              <p:cNvSpPr txBox="1">
+                <a:spLocks noRot="1" noChangeAspect="1" noMove="1" noResize="1" noEditPoints="1" noAdjustHandles="1" noChangeArrowheads="1" noChangeShapeType="1" noTextEdit="1"/>
+              </p:cNvSpPr>
+              <p:nvPr/>
+            </p:nvSpPr>
+            <p:spPr>
+              <a:xfrm>
+                <a:off x="3968746" y="3448329"/>
+                <a:ext cx="773673" cy="369332"/>
+              </a:xfrm>
+              <a:prstGeom prst="rect">
+                <a:avLst/>
+              </a:prstGeom>
+              <a:blipFill>
+                <a:blip r:embed="rId10"/>
+                <a:stretch>
+                  <a:fillRect b="-13333"/>
+                </a:stretch>
+              </a:blipFill>
+            </p:spPr>
+            <p:txBody>
+              <a:bodyPr/>
+              <a:lstStyle/>
+              <a:p>
+                <a:r>
+                  <a:rPr lang="zh-CN" altLang="en-US">
+                    <a:noFill/>
+                  </a:rPr>
+                  <a:t> </a:t>
+                </a:r>
+              </a:p>
+            </p:txBody>
+          </p:sp>
+        </mc:Fallback>
+      </mc:AlternateContent>
+      <p:cxnSp>
+        <p:nvCxnSpPr>
+          <p:cNvPr id="14" name="直接连接符 13">
+            <a:extLst>
+              <a:ext uri="{FF2B5EF4-FFF2-40B4-BE49-F238E27FC236}">
+                <a16:creationId xmlns:a16="http://schemas.microsoft.com/office/drawing/2014/main" id="{16C02841-3110-214F-038F-0751E6683D75}"/>
+              </a:ext>
+            </a:extLst>
+          </p:cNvPr>
+          <p:cNvCxnSpPr>
+            <a:stCxn id="4" idx="2"/>
+            <a:endCxn id="2" idx="0"/>
+          </p:cNvCxnSpPr>
+          <p:nvPr/>
+        </p:nvCxnSpPr>
+        <p:spPr>
+          <a:xfrm flipH="1">
+            <a:off x="3558651" y="2416650"/>
+            <a:ext cx="958554" cy="299479"/>
+          </a:xfrm>
+          <a:prstGeom prst="line">
+            <a:avLst/>
+          </a:prstGeom>
+          <a:ln w="12700">
+            <a:solidFill>
+              <a:schemeClr val="tx1"/>
+            </a:solidFill>
+          </a:ln>
+        </p:spPr>
+        <p:style>
+          <a:lnRef idx="1">
+            <a:schemeClr val="accent1"/>
+          </a:lnRef>
+          <a:fillRef idx="0">
+            <a:schemeClr val="accent1"/>
+          </a:fillRef>
+          <a:effectRef idx="0">
+            <a:schemeClr val="accent1"/>
+          </a:effectRef>
+          <a:fontRef idx="minor">
+            <a:schemeClr val="tx1"/>
+          </a:fontRef>
+        </p:style>
+      </p:cxnSp>
+      <p:cxnSp>
+        <p:nvCxnSpPr>
+          <p:cNvPr id="16" name="直接连接符 15">
+            <a:extLst>
+              <a:ext uri="{FF2B5EF4-FFF2-40B4-BE49-F238E27FC236}">
+                <a16:creationId xmlns:a16="http://schemas.microsoft.com/office/drawing/2014/main" id="{15B979E2-E9D4-F2E3-9A5E-B80D48CFCEDB}"/>
+              </a:ext>
+            </a:extLst>
+          </p:cNvPr>
+          <p:cNvCxnSpPr>
+            <a:cxnSpLocks/>
+            <a:stCxn id="4" idx="2"/>
+            <a:endCxn id="3" idx="0"/>
+          </p:cNvCxnSpPr>
+          <p:nvPr/>
+        </p:nvCxnSpPr>
+        <p:spPr>
+          <a:xfrm>
+            <a:off x="4517205" y="2416650"/>
+            <a:ext cx="903510" cy="299479"/>
+          </a:xfrm>
+          <a:prstGeom prst="line">
+            <a:avLst/>
+          </a:prstGeom>
+          <a:ln w="12700">
+            <a:solidFill>
+              <a:schemeClr val="tx1"/>
+            </a:solidFill>
+          </a:ln>
+        </p:spPr>
+        <p:style>
+          <a:lnRef idx="1">
+            <a:schemeClr val="accent1"/>
+          </a:lnRef>
+          <a:fillRef idx="0">
+            <a:schemeClr val="accent1"/>
+          </a:fillRef>
+          <a:effectRef idx="0">
+            <a:schemeClr val="accent1"/>
+          </a:effectRef>
+          <a:fontRef idx="minor">
+            <a:schemeClr val="tx1"/>
+          </a:fontRef>
+        </p:style>
+      </p:cxnSp>
+      <p:cxnSp>
+        <p:nvCxnSpPr>
+          <p:cNvPr id="19" name="直接连接符 18">
+            <a:extLst>
+              <a:ext uri="{FF2B5EF4-FFF2-40B4-BE49-F238E27FC236}">
+                <a16:creationId xmlns:a16="http://schemas.microsoft.com/office/drawing/2014/main" id="{94649AA1-E922-047F-D734-40125D482227}"/>
+              </a:ext>
+            </a:extLst>
+          </p:cNvPr>
+          <p:cNvCxnSpPr>
+            <a:cxnSpLocks/>
+            <a:stCxn id="3" idx="2"/>
+            <a:endCxn id="12" idx="0"/>
+          </p:cNvCxnSpPr>
+          <p:nvPr/>
+        </p:nvCxnSpPr>
+        <p:spPr>
+          <a:xfrm flipH="1">
+            <a:off x="4355583" y="3085461"/>
+            <a:ext cx="1065132" cy="362868"/>
+          </a:xfrm>
+          <a:prstGeom prst="line">
+            <a:avLst/>
+          </a:prstGeom>
+          <a:ln w="12700">
+            <a:solidFill>
+              <a:schemeClr val="tx1"/>
+            </a:solidFill>
+          </a:ln>
+        </p:spPr>
+        <p:style>
+          <a:lnRef idx="1">
+            <a:schemeClr val="accent1"/>
+          </a:lnRef>
+          <a:fillRef idx="0">
+            <a:schemeClr val="accent1"/>
+          </a:fillRef>
+          <a:effectRef idx="0">
+            <a:schemeClr val="accent1"/>
+          </a:effectRef>
+          <a:fontRef idx="minor">
+            <a:schemeClr val="tx1"/>
+          </a:fontRef>
+        </p:style>
+      </p:cxnSp>
+      <p:cxnSp>
+        <p:nvCxnSpPr>
+          <p:cNvPr id="22" name="直接连接符 21">
+            <a:extLst>
+              <a:ext uri="{FF2B5EF4-FFF2-40B4-BE49-F238E27FC236}">
+                <a16:creationId xmlns:a16="http://schemas.microsoft.com/office/drawing/2014/main" id="{DA143DB0-CAAA-751D-4641-0ABACA35C5D8}"/>
+              </a:ext>
+            </a:extLst>
+          </p:cNvPr>
+          <p:cNvCxnSpPr>
+            <a:cxnSpLocks/>
+            <a:stCxn id="3" idx="2"/>
+            <a:endCxn id="6" idx="0"/>
+          </p:cNvCxnSpPr>
+          <p:nvPr/>
+        </p:nvCxnSpPr>
+        <p:spPr>
+          <a:xfrm>
+            <a:off x="5420715" y="3085461"/>
+            <a:ext cx="1144576" cy="432648"/>
+          </a:xfrm>
+          <a:prstGeom prst="line">
+            <a:avLst/>
+          </a:prstGeom>
+          <a:ln w="12700">
+            <a:solidFill>
+              <a:schemeClr val="tx1"/>
+            </a:solidFill>
+          </a:ln>
+        </p:spPr>
+        <p:style>
+          <a:lnRef idx="1">
+            <a:schemeClr val="accent1"/>
+          </a:lnRef>
+          <a:fillRef idx="0">
+            <a:schemeClr val="accent1"/>
+          </a:fillRef>
+          <a:effectRef idx="0">
+            <a:schemeClr val="accent1"/>
+          </a:effectRef>
+          <a:fontRef idx="minor">
+            <a:schemeClr val="tx1"/>
+          </a:fontRef>
+        </p:style>
+      </p:cxnSp>
+      <p:cxnSp>
+        <p:nvCxnSpPr>
+          <p:cNvPr id="25" name="直接连接符 24">
+            <a:extLst>
+              <a:ext uri="{FF2B5EF4-FFF2-40B4-BE49-F238E27FC236}">
+                <a16:creationId xmlns:a16="http://schemas.microsoft.com/office/drawing/2014/main" id="{FB62A621-1752-9763-6EB5-88464E19743D}"/>
+              </a:ext>
+            </a:extLst>
+          </p:cNvPr>
+          <p:cNvCxnSpPr>
+            <a:cxnSpLocks/>
+            <a:stCxn id="6" idx="2"/>
+            <a:endCxn id="7" idx="0"/>
+          </p:cNvCxnSpPr>
+          <p:nvPr/>
+        </p:nvCxnSpPr>
+        <p:spPr>
+          <a:xfrm flipH="1">
+            <a:off x="5802595" y="3887441"/>
+            <a:ext cx="762696" cy="299873"/>
+          </a:xfrm>
+          <a:prstGeom prst="line">
+            <a:avLst/>
+          </a:prstGeom>
+          <a:ln w="12700">
+            <a:solidFill>
+              <a:schemeClr val="tx1"/>
+            </a:solidFill>
+          </a:ln>
+        </p:spPr>
+        <p:style>
+          <a:lnRef idx="1">
+            <a:schemeClr val="accent1"/>
+          </a:lnRef>
+          <a:fillRef idx="0">
+            <a:schemeClr val="accent1"/>
+          </a:fillRef>
+          <a:effectRef idx="0">
+            <a:schemeClr val="accent1"/>
+          </a:effectRef>
+          <a:fontRef idx="minor">
+            <a:schemeClr val="tx1"/>
+          </a:fontRef>
+        </p:style>
+      </p:cxnSp>
+      <p:cxnSp>
+        <p:nvCxnSpPr>
+          <p:cNvPr id="28" name="直接连接符 27">
+            <a:extLst>
+              <a:ext uri="{FF2B5EF4-FFF2-40B4-BE49-F238E27FC236}">
+                <a16:creationId xmlns:a16="http://schemas.microsoft.com/office/drawing/2014/main" id="{29DC1CFA-A5CA-14CF-8014-DD89EF57D32B}"/>
+              </a:ext>
+            </a:extLst>
+          </p:cNvPr>
+          <p:cNvCxnSpPr>
+            <a:cxnSpLocks/>
+            <a:stCxn id="6" idx="2"/>
+            <a:endCxn id="8" idx="0"/>
+          </p:cNvCxnSpPr>
+          <p:nvPr/>
+        </p:nvCxnSpPr>
+        <p:spPr>
+          <a:xfrm>
+            <a:off x="6565291" y="3887441"/>
+            <a:ext cx="961831" cy="299873"/>
+          </a:xfrm>
+          <a:prstGeom prst="line">
+            <a:avLst/>
+          </a:prstGeom>
+          <a:ln w="12700">
+            <a:solidFill>
+              <a:schemeClr val="tx1"/>
+            </a:solidFill>
+          </a:ln>
+        </p:spPr>
+        <p:style>
+          <a:lnRef idx="1">
+            <a:schemeClr val="accent1"/>
+          </a:lnRef>
+          <a:fillRef idx="0">
+            <a:schemeClr val="accent1"/>
+          </a:fillRef>
+          <a:effectRef idx="0">
+            <a:schemeClr val="accent1"/>
+          </a:effectRef>
+          <a:fontRef idx="minor">
+            <a:schemeClr val="tx1"/>
+          </a:fontRef>
+        </p:style>
+      </p:cxnSp>
+      <p:cxnSp>
+        <p:nvCxnSpPr>
+          <p:cNvPr id="31" name="直接连接符 30">
+            <a:extLst>
+              <a:ext uri="{FF2B5EF4-FFF2-40B4-BE49-F238E27FC236}">
+                <a16:creationId xmlns:a16="http://schemas.microsoft.com/office/drawing/2014/main" id="{17E95D2D-35B9-6532-DAD2-D33F5F382593}"/>
+              </a:ext>
+            </a:extLst>
+          </p:cNvPr>
+          <p:cNvCxnSpPr>
+            <a:cxnSpLocks/>
+            <a:stCxn id="8" idx="2"/>
+            <a:endCxn id="9" idx="0"/>
+          </p:cNvCxnSpPr>
+          <p:nvPr/>
+        </p:nvCxnSpPr>
+        <p:spPr>
+          <a:xfrm flipH="1">
+            <a:off x="6855081" y="4556646"/>
+            <a:ext cx="672041" cy="252151"/>
+          </a:xfrm>
+          <a:prstGeom prst="line">
+            <a:avLst/>
+          </a:prstGeom>
+          <a:ln w="12700">
+            <a:solidFill>
+              <a:schemeClr val="tx1"/>
+            </a:solidFill>
+          </a:ln>
+        </p:spPr>
+        <p:style>
+          <a:lnRef idx="1">
+            <a:schemeClr val="accent1"/>
+          </a:lnRef>
+          <a:fillRef idx="0">
+            <a:schemeClr val="accent1"/>
+          </a:fillRef>
+          <a:effectRef idx="0">
+            <a:schemeClr val="accent1"/>
+          </a:effectRef>
+          <a:fontRef idx="minor">
+            <a:schemeClr val="tx1"/>
+          </a:fontRef>
+        </p:style>
+      </p:cxnSp>
+      <p:cxnSp>
+        <p:nvCxnSpPr>
+          <p:cNvPr id="34" name="直接连接符 33">
+            <a:extLst>
+              <a:ext uri="{FF2B5EF4-FFF2-40B4-BE49-F238E27FC236}">
+                <a16:creationId xmlns:a16="http://schemas.microsoft.com/office/drawing/2014/main" id="{4F4B3293-AD84-3A37-E4B2-5AEA080404A5}"/>
+              </a:ext>
+            </a:extLst>
+          </p:cNvPr>
+          <p:cNvCxnSpPr>
+            <a:cxnSpLocks/>
+            <a:stCxn id="8" idx="2"/>
+            <a:endCxn id="10" idx="0"/>
+          </p:cNvCxnSpPr>
+          <p:nvPr/>
+        </p:nvCxnSpPr>
+        <p:spPr>
+          <a:xfrm>
+            <a:off x="7527122" y="4556646"/>
+            <a:ext cx="722924" cy="270041"/>
+          </a:xfrm>
+          <a:prstGeom prst="line">
+            <a:avLst/>
+          </a:prstGeom>
+          <a:ln w="12700">
+            <a:solidFill>
+              <a:schemeClr val="tx1"/>
+            </a:solidFill>
+          </a:ln>
+        </p:spPr>
+        <p:style>
+          <a:lnRef idx="1">
+            <a:schemeClr val="accent1"/>
+          </a:lnRef>
+          <a:fillRef idx="0">
+            <a:schemeClr val="accent1"/>
+          </a:fillRef>
+          <a:effectRef idx="0">
+            <a:schemeClr val="accent1"/>
+          </a:effectRef>
+          <a:fontRef idx="minor">
+            <a:schemeClr val="tx1"/>
+          </a:fontRef>
+        </p:style>
+      </p:cxnSp>
+      <p:cxnSp>
+        <p:nvCxnSpPr>
+          <p:cNvPr id="37" name="直接连接符 36">
+            <a:extLst>
+              <a:ext uri="{FF2B5EF4-FFF2-40B4-BE49-F238E27FC236}">
+                <a16:creationId xmlns:a16="http://schemas.microsoft.com/office/drawing/2014/main" id="{B45A0D3A-0F94-DC01-70CB-BAB2EDE7198C}"/>
+              </a:ext>
+            </a:extLst>
+          </p:cNvPr>
+          <p:cNvCxnSpPr>
+            <a:cxnSpLocks/>
+            <a:stCxn id="10" idx="2"/>
+            <a:endCxn id="141" idx="0"/>
+          </p:cNvCxnSpPr>
+          <p:nvPr/>
+        </p:nvCxnSpPr>
+        <p:spPr>
+          <a:xfrm flipH="1">
+            <a:off x="7753242" y="5196019"/>
+            <a:ext cx="496804" cy="247955"/>
+          </a:xfrm>
+          <a:prstGeom prst="line">
+            <a:avLst/>
+          </a:prstGeom>
+          <a:ln w="12700">
+            <a:solidFill>
+              <a:schemeClr val="tx1"/>
+            </a:solidFill>
+          </a:ln>
+        </p:spPr>
+        <p:style>
+          <a:lnRef idx="1">
+            <a:schemeClr val="accent1"/>
+          </a:lnRef>
+          <a:fillRef idx="0">
+            <a:schemeClr val="accent1"/>
+          </a:fillRef>
+          <a:effectRef idx="0">
+            <a:schemeClr val="accent1"/>
+          </a:effectRef>
+          <a:fontRef idx="minor">
+            <a:schemeClr val="tx1"/>
+          </a:fontRef>
+        </p:style>
+      </p:cxnSp>
+      <mc:AlternateContent xmlns:mc="http://schemas.openxmlformats.org/markup-compatibility/2006">
+        <mc:Choice xmlns:a14="http://schemas.microsoft.com/office/drawing/2010/main" Requires="a14">
+          <p:sp>
+            <p:nvSpPr>
+              <p:cNvPr id="41" name="文本框 40">
+                <a:extLst>
+                  <a:ext uri="{FF2B5EF4-FFF2-40B4-BE49-F238E27FC236}">
+                    <a16:creationId xmlns:a16="http://schemas.microsoft.com/office/drawing/2014/main" id="{69DEAEAB-F721-1EC1-81C6-17ECB9278418}"/>
+                  </a:ext>
+                </a:extLst>
+              </p:cNvPr>
+              <p:cNvSpPr txBox="1"/>
+              <p:nvPr/>
+            </p:nvSpPr>
+            <p:spPr>
+              <a:xfrm>
+                <a:off x="8591480" y="5490714"/>
+                <a:ext cx="444352" cy="369332"/>
+              </a:xfrm>
+              <a:prstGeom prst="rect">
+                <a:avLst/>
+              </a:prstGeom>
+              <a:noFill/>
+            </p:spPr>
+            <p:txBody>
+              <a:bodyPr wrap="none" rtlCol="0">
+                <a:spAutoFit/>
+              </a:bodyPr>
+              <a:lstStyle/>
+              <a:p>
+                <a14:m>
+                  <m:oMathPara xmlns:m="http://schemas.openxmlformats.org/officeDocument/2006/math">
+                    <m:oMathParaPr>
+                      <m:jc m:val="centerGroup"/>
+                    </m:oMathParaPr>
+                    <m:oMath xmlns:m="http://schemas.openxmlformats.org/officeDocument/2006/math">
+                      <m:r>
+                        <a:rPr lang="en-US" altLang="zh-CN" i="1" smtClean="0">
+                          <a:latin typeface="Cambria Math" panose="02040503050406030204" pitchFamily="18" charset="0"/>
+                        </a:rPr>
+                        <m:t>𝐴</m:t>
+                      </m:r>
+                      <m:r>
+                        <a:rPr lang="en-US" altLang="zh-CN" i="1" smtClean="0">
+                          <a:latin typeface="Cambria Math" panose="02040503050406030204" pitchFamily="18" charset="0"/>
+                        </a:rPr>
+                        <m:t>’</m:t>
+                      </m:r>
+                    </m:oMath>
+                  </m:oMathPara>
+                </a14:m>
+                <a:endParaRPr lang="en-US" altLang="zh-CN"/>
+              </a:p>
+            </p:txBody>
+          </p:sp>
+        </mc:Choice>
+        <mc:Fallback>
+          <p:sp>
+            <p:nvSpPr>
+              <p:cNvPr id="41" name="文本框 40">
+                <a:extLst>
+                  <a:ext uri="{FF2B5EF4-FFF2-40B4-BE49-F238E27FC236}">
+                    <a16:creationId xmlns:a16="http://schemas.microsoft.com/office/drawing/2014/main" id="{69DEAEAB-F721-1EC1-81C6-17ECB9278418}"/>
+                  </a:ext>
+                </a:extLst>
+              </p:cNvPr>
+              <p:cNvSpPr txBox="1">
+                <a:spLocks noRot="1" noChangeAspect="1" noMove="1" noResize="1" noEditPoints="1" noAdjustHandles="1" noChangeArrowheads="1" noChangeShapeType="1" noTextEdit="1"/>
+              </p:cNvSpPr>
+              <p:nvPr/>
+            </p:nvSpPr>
+            <p:spPr>
+              <a:xfrm>
+                <a:off x="8591480" y="5490714"/>
+                <a:ext cx="444352" cy="369332"/>
+              </a:xfrm>
+              <a:prstGeom prst="rect">
+                <a:avLst/>
+              </a:prstGeom>
+              <a:blipFill>
+                <a:blip r:embed="rId11"/>
+                <a:stretch>
+                  <a:fillRect/>
+                </a:stretch>
+              </a:blipFill>
+            </p:spPr>
+            <p:txBody>
+              <a:bodyPr/>
+              <a:lstStyle/>
+              <a:p>
+                <a:r>
+                  <a:rPr lang="zh-CN" altLang="en-US">
+                    <a:noFill/>
+                  </a:rPr>
+                  <a:t> </a:t>
+                </a:r>
+              </a:p>
+            </p:txBody>
+          </p:sp>
+        </mc:Fallback>
+      </mc:AlternateContent>
+      <p:cxnSp>
+        <p:nvCxnSpPr>
+          <p:cNvPr id="43" name="直接连接符 42">
+            <a:extLst>
+              <a:ext uri="{FF2B5EF4-FFF2-40B4-BE49-F238E27FC236}">
+                <a16:creationId xmlns:a16="http://schemas.microsoft.com/office/drawing/2014/main" id="{3974FEF4-3336-C1C0-60E7-C784A61BF704}"/>
+              </a:ext>
+            </a:extLst>
+          </p:cNvPr>
+          <p:cNvCxnSpPr>
+            <a:cxnSpLocks/>
+            <a:stCxn id="10" idx="2"/>
+            <a:endCxn id="41" idx="0"/>
+          </p:cNvCxnSpPr>
+          <p:nvPr/>
+        </p:nvCxnSpPr>
+        <p:spPr>
+          <a:xfrm>
+            <a:off x="8250046" y="5196019"/>
+            <a:ext cx="563610" cy="294695"/>
+          </a:xfrm>
+          <a:prstGeom prst="line">
+            <a:avLst/>
+          </a:prstGeom>
+          <a:ln w="12700">
+            <a:solidFill>
+              <a:schemeClr val="tx1"/>
+            </a:solidFill>
+          </a:ln>
+        </p:spPr>
+        <p:style>
+          <a:lnRef idx="1">
+            <a:schemeClr val="accent1"/>
+          </a:lnRef>
+          <a:fillRef idx="0">
+            <a:schemeClr val="accent1"/>
+          </a:fillRef>
+          <a:effectRef idx="0">
+            <a:schemeClr val="accent1"/>
+          </a:effectRef>
+          <a:fontRef idx="minor">
+            <a:schemeClr val="tx1"/>
+          </a:fontRef>
+        </p:style>
+      </p:cxnSp>
+      <mc:AlternateContent xmlns:mc="http://schemas.openxmlformats.org/markup-compatibility/2006">
+        <mc:Choice xmlns:a14="http://schemas.microsoft.com/office/drawing/2010/main" Requires="a14">
+          <p:sp>
+            <p:nvSpPr>
+              <p:cNvPr id="47" name="文本框 46">
+                <a:extLst>
+                  <a:ext uri="{FF2B5EF4-FFF2-40B4-BE49-F238E27FC236}">
+                    <a16:creationId xmlns:a16="http://schemas.microsoft.com/office/drawing/2014/main" id="{7F963081-B602-7A78-D889-3FCE575ACD20}"/>
+                  </a:ext>
+                </a:extLst>
+              </p:cNvPr>
+              <p:cNvSpPr txBox="1"/>
+              <p:nvPr/>
+            </p:nvSpPr>
+            <p:spPr>
+              <a:xfrm>
+                <a:off x="8564582" y="5953534"/>
+                <a:ext cx="498149" cy="369332"/>
+              </a:xfrm>
+              <a:prstGeom prst="rect">
+                <a:avLst/>
+              </a:prstGeom>
+              <a:noFill/>
+            </p:spPr>
+            <p:txBody>
+              <a:bodyPr wrap="none" rtlCol="0">
+                <a:spAutoFit/>
+              </a:bodyPr>
+              <a:lstStyle/>
+              <a:p>
+                <a14:m>
+                  <m:oMathPara xmlns:m="http://schemas.openxmlformats.org/officeDocument/2006/math">
+                    <m:oMathParaPr>
+                      <m:jc m:val="centerGroup"/>
+                    </m:oMathParaPr>
+                    <m:oMath xmlns:m="http://schemas.openxmlformats.org/officeDocument/2006/math">
+                      <m:sSup>
+                        <m:sSupPr>
+                          <m:ctrlPr>
+                            <a:rPr lang="en-US" altLang="zh-CN" i="1" smtClean="0">
+                              <a:latin typeface="Cambria Math" panose="02040503050406030204" pitchFamily="18" charset="0"/>
+                            </a:rPr>
+                          </m:ctrlPr>
+                        </m:sSupPr>
+                        <m:e>
+                          <m:r>
+                            <a:rPr lang="en-US" altLang="zh-CN" b="0" i="1" smtClean="0">
+                              <a:latin typeface="Cambria Math" panose="02040503050406030204" pitchFamily="18" charset="0"/>
+                            </a:rPr>
+                            <m:t>𝐴</m:t>
+                          </m:r>
+                        </m:e>
+                        <m:sup>
+                          <m:r>
+                            <a:rPr lang="en-US" altLang="zh-CN" b="0" i="1" smtClean="0">
+                              <a:latin typeface="Cambria Math" panose="02040503050406030204" pitchFamily="18" charset="0"/>
+                            </a:rPr>
+                            <m:t>0</m:t>
+                          </m:r>
+                        </m:sup>
+                      </m:sSup>
+                    </m:oMath>
+                  </m:oMathPara>
+                </a14:m>
+                <a:endParaRPr lang="en-US" altLang="zh-CN"/>
+              </a:p>
+            </p:txBody>
+          </p:sp>
+        </mc:Choice>
+        <mc:Fallback>
+          <p:sp>
+            <p:nvSpPr>
+              <p:cNvPr id="47" name="文本框 46">
+                <a:extLst>
+                  <a:ext uri="{FF2B5EF4-FFF2-40B4-BE49-F238E27FC236}">
+                    <a16:creationId xmlns:a16="http://schemas.microsoft.com/office/drawing/2014/main" id="{7F963081-B602-7A78-D889-3FCE575ACD20}"/>
+                  </a:ext>
+                </a:extLst>
+              </p:cNvPr>
+              <p:cNvSpPr txBox="1">
+                <a:spLocks noRot="1" noChangeAspect="1" noMove="1" noResize="1" noEditPoints="1" noAdjustHandles="1" noChangeArrowheads="1" noChangeShapeType="1" noTextEdit="1"/>
+              </p:cNvSpPr>
+              <p:nvPr/>
+            </p:nvSpPr>
+            <p:spPr>
+              <a:xfrm>
+                <a:off x="8564582" y="5953534"/>
+                <a:ext cx="498149" cy="369332"/>
+              </a:xfrm>
+              <a:prstGeom prst="rect">
+                <a:avLst/>
+              </a:prstGeom>
+              <a:blipFill>
+                <a:blip r:embed="rId12"/>
+                <a:stretch>
+                  <a:fillRect/>
+                </a:stretch>
+              </a:blipFill>
+            </p:spPr>
+            <p:txBody>
+              <a:bodyPr/>
+              <a:lstStyle/>
+              <a:p>
+                <a:r>
+                  <a:rPr lang="zh-CN" altLang="en-US">
+                    <a:noFill/>
+                  </a:rPr>
+                  <a:t> </a:t>
+                </a:r>
+              </a:p>
+            </p:txBody>
+          </p:sp>
+        </mc:Fallback>
+      </mc:AlternateContent>
+      <p:cxnSp>
+        <p:nvCxnSpPr>
+          <p:cNvPr id="48" name="直接连接符 47">
+            <a:extLst>
+              <a:ext uri="{FF2B5EF4-FFF2-40B4-BE49-F238E27FC236}">
+                <a16:creationId xmlns:a16="http://schemas.microsoft.com/office/drawing/2014/main" id="{CAD9C502-9A60-65AF-8EE2-217224191A75}"/>
+              </a:ext>
+            </a:extLst>
+          </p:cNvPr>
+          <p:cNvCxnSpPr>
+            <a:cxnSpLocks/>
+            <a:stCxn id="47" idx="0"/>
+            <a:endCxn id="41" idx="2"/>
+          </p:cNvCxnSpPr>
+          <p:nvPr/>
+        </p:nvCxnSpPr>
+        <p:spPr>
+          <a:xfrm flipH="1" flipV="1">
+            <a:off x="8813656" y="5860046"/>
+            <a:ext cx="1" cy="93488"/>
+          </a:xfrm>
+          <a:prstGeom prst="line">
+            <a:avLst/>
+          </a:prstGeom>
+          <a:ln w="12700">
+            <a:solidFill>
+              <a:schemeClr val="tx1"/>
+            </a:solidFill>
+          </a:ln>
+        </p:spPr>
+        <p:style>
+          <a:lnRef idx="1">
+            <a:schemeClr val="accent1"/>
+          </a:lnRef>
+          <a:fillRef idx="0">
+            <a:schemeClr val="accent1"/>
+          </a:fillRef>
+          <a:effectRef idx="0">
+            <a:schemeClr val="accent1"/>
+          </a:effectRef>
+          <a:fontRef idx="minor">
+            <a:schemeClr val="tx1"/>
+          </a:fontRef>
+        </p:style>
+      </p:cxnSp>
+      <mc:AlternateContent xmlns:mc="http://schemas.openxmlformats.org/markup-compatibility/2006">
+        <mc:Choice xmlns:a14="http://schemas.microsoft.com/office/drawing/2010/main" Requires="a14">
+          <p:sp>
+            <p:nvSpPr>
+              <p:cNvPr id="90" name="文本框 89">
+                <a:extLst>
+                  <a:ext uri="{FF2B5EF4-FFF2-40B4-BE49-F238E27FC236}">
+                    <a16:creationId xmlns:a16="http://schemas.microsoft.com/office/drawing/2014/main" id="{B8324AC4-AD96-EC37-F6A1-15FC3975D5C7}"/>
+                  </a:ext>
+                </a:extLst>
+              </p:cNvPr>
+              <p:cNvSpPr txBox="1"/>
+              <p:nvPr/>
+            </p:nvSpPr>
+            <p:spPr>
+              <a:xfrm>
+                <a:off x="3645581" y="3749508"/>
+                <a:ext cx="1414298" cy="391646"/>
+              </a:xfrm>
+              <a:prstGeom prst="rect">
+                <a:avLst/>
+              </a:prstGeom>
+              <a:noFill/>
+            </p:spPr>
+            <p:txBody>
+              <a:bodyPr wrap="none" rtlCol="0">
+                <a:spAutoFit/>
+              </a:bodyPr>
+              <a:lstStyle/>
+              <a:p>
+                <a14:m>
+                  <m:oMath xmlns:m="http://schemas.openxmlformats.org/officeDocument/2006/math">
+                    <m:r>
+                      <a:rPr lang="en-US" altLang="zh-CN" b="0" i="1" smtClean="0">
+                        <a:latin typeface="Cambria Math" panose="02040503050406030204" pitchFamily="18" charset="0"/>
+                      </a:rPr>
+                      <m:t>(</m:t>
+                    </m:r>
+                    <m:sSub>
+                      <m:sSubPr>
+                        <m:ctrlPr>
+                          <a:rPr lang="en-US" altLang="zh-CN" i="1" smtClean="0">
+                            <a:latin typeface="Cambria Math" panose="02040503050406030204" pitchFamily="18" charset="0"/>
+                          </a:rPr>
+                        </m:ctrlPr>
+                      </m:sSubPr>
+                      <m:e>
+                        <m:r>
+                          <a:rPr lang="en-US" altLang="zh-CN" b="0" i="1" smtClean="0">
+                            <a:latin typeface="Cambria Math" panose="02040503050406030204" pitchFamily="18" charset="0"/>
+                          </a:rPr>
+                          <m:t>𝑔𝑎𝑜</m:t>
+                        </m:r>
+                      </m:e>
+                      <m:sub>
+                        <m:r>
+                          <a:rPr lang="en-US" altLang="zh-CN" b="0" i="1" smtClean="0">
+                            <a:latin typeface="Cambria Math" panose="02040503050406030204" pitchFamily="18" charset="0"/>
+                          </a:rPr>
+                          <m:t>𝑖</m:t>
+                        </m:r>
+                      </m:sub>
+                    </m:sSub>
+                  </m:oMath>
+                </a14:m>
+                <a:r>
+                  <a:rPr lang="en-US" altLang="zh-CN"/>
+                  <a:t>-</a:t>
+                </a:r>
+                <a14:m>
+                  <m:oMath xmlns:m="http://schemas.openxmlformats.org/officeDocument/2006/math">
+                    <m:r>
+                      <a:rPr lang="zh-CN" altLang="en-US" i="1" smtClean="0">
+                        <a:latin typeface="Cambria Math" panose="02040503050406030204" pitchFamily="18" charset="0"/>
+                      </a:rPr>
+                      <m:t>𝜇</m:t>
+                    </m:r>
+                    <m:sSub>
+                      <m:sSubPr>
+                        <m:ctrlPr>
+                          <a:rPr lang="en-US" altLang="zh-CN" i="1" smtClean="0">
+                            <a:latin typeface="Cambria Math" panose="02040503050406030204" pitchFamily="18" charset="0"/>
+                          </a:rPr>
+                        </m:ctrlPr>
+                      </m:sSubPr>
+                      <m:e>
+                        <m:r>
+                          <a:rPr lang="en-US" altLang="zh-CN" b="0" i="1" smtClean="0">
+                            <a:latin typeface="Cambria Math" panose="02040503050406030204" pitchFamily="18" charset="0"/>
+                          </a:rPr>
+                          <m:t>)</m:t>
+                        </m:r>
+                      </m:e>
+                      <m:sub>
+                        <m:r>
+                          <a:rPr lang="en-US" altLang="zh-CN" b="0" i="1" smtClean="0">
+                            <a:latin typeface="Cambria Math" panose="02040503050406030204" pitchFamily="18" charset="0"/>
+                          </a:rPr>
+                          <m:t>𝑗</m:t>
+                        </m:r>
+                      </m:sub>
+                    </m:sSub>
+                  </m:oMath>
+                </a14:m>
+                <a:r>
+                  <a:rPr lang="en-US" altLang="zh-CN"/>
+                  <a:t>-</a:t>
+                </a:r>
+                <a14:m>
+                  <m:oMath xmlns:m="http://schemas.openxmlformats.org/officeDocument/2006/math">
+                    <m:r>
+                      <a:rPr lang="zh-CN" altLang="en-US" i="1" smtClean="0">
+                        <a:latin typeface="Cambria Math" panose="02040503050406030204" pitchFamily="18" charset="0"/>
+                      </a:rPr>
+                      <m:t>𝜉</m:t>
+                    </m:r>
+                  </m:oMath>
+                </a14:m>
+                <a:endParaRPr lang="en-US" altLang="zh-CN"/>
+              </a:p>
+            </p:txBody>
+          </p:sp>
+        </mc:Choice>
+        <mc:Fallback>
+          <p:sp>
+            <p:nvSpPr>
+              <p:cNvPr id="90" name="文本框 89">
+                <a:extLst>
+                  <a:ext uri="{FF2B5EF4-FFF2-40B4-BE49-F238E27FC236}">
+                    <a16:creationId xmlns:a16="http://schemas.microsoft.com/office/drawing/2014/main" id="{B8324AC4-AD96-EC37-F6A1-15FC3975D5C7}"/>
+                  </a:ext>
+                </a:extLst>
+              </p:cNvPr>
+              <p:cNvSpPr txBox="1">
+                <a:spLocks noRot="1" noChangeAspect="1" noMove="1" noResize="1" noEditPoints="1" noAdjustHandles="1" noChangeArrowheads="1" noChangeShapeType="1" noTextEdit="1"/>
+              </p:cNvSpPr>
+              <p:nvPr/>
+            </p:nvSpPr>
+            <p:spPr>
+              <a:xfrm>
+                <a:off x="3645581" y="3749508"/>
+                <a:ext cx="1414298" cy="391646"/>
+              </a:xfrm>
+              <a:prstGeom prst="rect">
+                <a:avLst/>
+              </a:prstGeom>
+              <a:blipFill>
+                <a:blip r:embed="rId13"/>
+                <a:stretch>
+                  <a:fillRect l="-1293" t="-6250" b="-20313"/>
+                </a:stretch>
+              </a:blipFill>
+            </p:spPr>
+            <p:txBody>
+              <a:bodyPr/>
+              <a:lstStyle/>
+              <a:p>
+                <a:r>
+                  <a:rPr lang="zh-CN" altLang="en-US">
+                    <a:noFill/>
+                  </a:rPr>
+                  <a:t> </a:t>
+                </a:r>
+              </a:p>
+            </p:txBody>
+          </p:sp>
+        </mc:Fallback>
+      </mc:AlternateContent>
+      <p:cxnSp>
+        <p:nvCxnSpPr>
+          <p:cNvPr id="92" name="连接符: 肘形 91">
+            <a:extLst>
+              <a:ext uri="{FF2B5EF4-FFF2-40B4-BE49-F238E27FC236}">
+                <a16:creationId xmlns:a16="http://schemas.microsoft.com/office/drawing/2014/main" id="{8E3C6B32-9CBB-F48D-D4E3-DD6EE7DB8792}"/>
+              </a:ext>
+            </a:extLst>
+          </p:cNvPr>
+          <p:cNvCxnSpPr>
+            <a:cxnSpLocks/>
+            <a:stCxn id="112" idx="1"/>
+            <a:endCxn id="115" idx="2"/>
+          </p:cNvCxnSpPr>
+          <p:nvPr/>
+        </p:nvCxnSpPr>
+        <p:spPr>
+          <a:xfrm rot="10800000">
+            <a:off x="6838515" y="5452595"/>
+            <a:ext cx="1752967" cy="942117"/>
+          </a:xfrm>
+          <a:prstGeom prst="bentConnector2">
+            <a:avLst/>
+          </a:prstGeom>
+          <a:ln w="12700">
+            <a:solidFill>
+              <a:schemeClr val="tx1"/>
+            </a:solidFill>
+            <a:prstDash val="solid"/>
+            <a:tailEnd type="triangle"/>
+          </a:ln>
+        </p:spPr>
+        <p:style>
+          <a:lnRef idx="1">
+            <a:schemeClr val="accent1"/>
+          </a:lnRef>
+          <a:fillRef idx="0">
+            <a:schemeClr val="accent1"/>
+          </a:fillRef>
+          <a:effectRef idx="0">
+            <a:schemeClr val="accent1"/>
+          </a:effectRef>
+          <a:fontRef idx="minor">
+            <a:schemeClr val="tx1"/>
+          </a:fontRef>
+        </p:style>
+      </p:cxnSp>
+      <p:cxnSp>
+        <p:nvCxnSpPr>
+          <p:cNvPr id="97" name="连接符: 肘形 96">
+            <a:extLst>
+              <a:ext uri="{FF2B5EF4-FFF2-40B4-BE49-F238E27FC236}">
+                <a16:creationId xmlns:a16="http://schemas.microsoft.com/office/drawing/2014/main" id="{8556C2F5-DC96-4EE5-2D40-61B83DC1BC6F}"/>
+              </a:ext>
+            </a:extLst>
+          </p:cNvPr>
+          <p:cNvCxnSpPr>
+            <a:cxnSpLocks/>
+            <a:stCxn id="115" idx="1"/>
+            <a:endCxn id="90" idx="2"/>
+          </p:cNvCxnSpPr>
+          <p:nvPr/>
+        </p:nvCxnSpPr>
+        <p:spPr>
+          <a:xfrm rot="10800000">
+            <a:off x="4352731" y="4141155"/>
+            <a:ext cx="2281529" cy="1115617"/>
+          </a:xfrm>
+          <a:prstGeom prst="bentConnector2">
+            <a:avLst/>
+          </a:prstGeom>
+          <a:ln w="12700">
+            <a:solidFill>
+              <a:schemeClr val="tx1"/>
+            </a:solidFill>
+            <a:prstDash val="solid"/>
+            <a:tailEnd type="triangle"/>
+          </a:ln>
+        </p:spPr>
+        <p:style>
+          <a:lnRef idx="1">
+            <a:schemeClr val="accent1"/>
+          </a:lnRef>
+          <a:fillRef idx="0">
+            <a:schemeClr val="accent1"/>
+          </a:fillRef>
+          <a:effectRef idx="0">
+            <a:schemeClr val="accent1"/>
+          </a:effectRef>
+          <a:fontRef idx="minor">
+            <a:schemeClr val="tx1"/>
+          </a:fontRef>
+        </p:style>
+      </p:cxnSp>
+      <mc:AlternateContent xmlns:mc="http://schemas.openxmlformats.org/markup-compatibility/2006">
+        <mc:Choice xmlns:a14="http://schemas.microsoft.com/office/drawing/2010/main" Requires="a14">
+          <p:sp>
+            <p:nvSpPr>
+              <p:cNvPr id="112" name="文本框 111">
+                <a:extLst>
+                  <a:ext uri="{FF2B5EF4-FFF2-40B4-BE49-F238E27FC236}">
+                    <a16:creationId xmlns:a16="http://schemas.microsoft.com/office/drawing/2014/main" id="{5EC1E644-F881-87AB-4FC6-61ADDE6A7933}"/>
+                  </a:ext>
+                </a:extLst>
+              </p:cNvPr>
+              <p:cNvSpPr txBox="1"/>
+              <p:nvPr/>
+            </p:nvSpPr>
+            <p:spPr>
+              <a:xfrm>
+                <a:off x="8591481" y="6210045"/>
+                <a:ext cx="409792" cy="369332"/>
+              </a:xfrm>
+              <a:prstGeom prst="rect">
+                <a:avLst/>
+              </a:prstGeom>
+              <a:noFill/>
+            </p:spPr>
+            <p:txBody>
+              <a:bodyPr wrap="none" rtlCol="0">
+                <a:spAutoFit/>
+              </a:bodyPr>
+              <a:lstStyle/>
+              <a:p>
+                <a14:m>
+                  <m:oMathPara xmlns:m="http://schemas.openxmlformats.org/officeDocument/2006/math">
+                    <m:oMathParaPr>
+                      <m:jc m:val="centerGroup"/>
+                    </m:oMathParaPr>
+                    <m:oMath xmlns:m="http://schemas.openxmlformats.org/officeDocument/2006/math">
+                      <m:sSub>
+                        <m:sSubPr>
+                          <m:ctrlPr>
+                            <a:rPr lang="en-US" altLang="zh-CN" i="1" smtClean="0">
+                              <a:latin typeface="Cambria Math" panose="02040503050406030204" pitchFamily="18" charset="0"/>
+                            </a:rPr>
+                          </m:ctrlPr>
+                        </m:sSubPr>
+                        <m:e>
+                          <m:r>
+                            <a:rPr lang="en-US" altLang="zh-CN" b="0" i="1" smtClean="0">
+                              <a:latin typeface="Cambria Math" panose="02040503050406030204" pitchFamily="18" charset="0"/>
+                            </a:rPr>
+                            <m:t>𝑡</m:t>
+                          </m:r>
+                        </m:e>
+                        <m:sub>
+                          <m:r>
+                            <a:rPr lang="en-US" altLang="zh-CN" b="0" i="1" smtClean="0">
+                              <a:latin typeface="Cambria Math" panose="02040503050406030204" pitchFamily="18" charset="0"/>
+                            </a:rPr>
+                            <m:t>𝑖</m:t>
+                          </m:r>
+                        </m:sub>
+                      </m:sSub>
+                    </m:oMath>
+                  </m:oMathPara>
+                </a14:m>
+                <a:endParaRPr lang="en-US" altLang="zh-CN"/>
+              </a:p>
+            </p:txBody>
+          </p:sp>
+        </mc:Choice>
+        <mc:Fallback>
+          <p:sp>
+            <p:nvSpPr>
+              <p:cNvPr id="112" name="文本框 111">
+                <a:extLst>
+                  <a:ext uri="{FF2B5EF4-FFF2-40B4-BE49-F238E27FC236}">
+                    <a16:creationId xmlns:a16="http://schemas.microsoft.com/office/drawing/2014/main" id="{5EC1E644-F881-87AB-4FC6-61ADDE6A7933}"/>
+                  </a:ext>
+                </a:extLst>
+              </p:cNvPr>
+              <p:cNvSpPr txBox="1">
+                <a:spLocks noRot="1" noChangeAspect="1" noMove="1" noResize="1" noEditPoints="1" noAdjustHandles="1" noChangeArrowheads="1" noChangeShapeType="1" noTextEdit="1"/>
+              </p:cNvSpPr>
+              <p:nvPr/>
+            </p:nvSpPr>
+            <p:spPr>
+              <a:xfrm>
+                <a:off x="8591481" y="6210045"/>
+                <a:ext cx="409792" cy="369332"/>
+              </a:xfrm>
+              <a:prstGeom prst="rect">
+                <a:avLst/>
+              </a:prstGeom>
+              <a:blipFill>
+                <a:blip r:embed="rId14"/>
+                <a:stretch>
+                  <a:fillRect b="-1667"/>
+                </a:stretch>
+              </a:blipFill>
+            </p:spPr>
+            <p:txBody>
+              <a:bodyPr/>
+              <a:lstStyle/>
+              <a:p>
+                <a:r>
+                  <a:rPr lang="zh-CN" altLang="en-US">
+                    <a:noFill/>
+                  </a:rPr>
+                  <a:t> </a:t>
+                </a:r>
+              </a:p>
+            </p:txBody>
+          </p:sp>
+        </mc:Fallback>
+      </mc:AlternateContent>
+      <mc:AlternateContent xmlns:mc="http://schemas.openxmlformats.org/markup-compatibility/2006">
+        <mc:Choice xmlns:a14="http://schemas.microsoft.com/office/drawing/2010/main" Requires="a14">
+          <p:sp>
+            <p:nvSpPr>
+              <p:cNvPr id="115" name="文本框 114">
+                <a:extLst>
+                  <a:ext uri="{FF2B5EF4-FFF2-40B4-BE49-F238E27FC236}">
+                    <a16:creationId xmlns:a16="http://schemas.microsoft.com/office/drawing/2014/main" id="{7BC62686-D3E2-719C-27AD-7C6B6A324F09}"/>
+                  </a:ext>
+                </a:extLst>
+              </p:cNvPr>
+              <p:cNvSpPr txBox="1"/>
+              <p:nvPr/>
+            </p:nvSpPr>
+            <p:spPr>
+              <a:xfrm>
+                <a:off x="6634259" y="5060948"/>
+                <a:ext cx="408509" cy="391646"/>
+              </a:xfrm>
+              <a:prstGeom prst="rect">
+                <a:avLst/>
+              </a:prstGeom>
+              <a:noFill/>
+            </p:spPr>
+            <p:txBody>
+              <a:bodyPr wrap="none" rtlCol="0">
+                <a:spAutoFit/>
+              </a:bodyPr>
+              <a:lstStyle/>
+              <a:p>
+                <a14:m>
+                  <m:oMathPara xmlns:m="http://schemas.openxmlformats.org/officeDocument/2006/math">
+                    <m:oMathParaPr>
+                      <m:jc m:val="centerGroup"/>
+                    </m:oMathParaPr>
+                    <m:oMath xmlns:m="http://schemas.openxmlformats.org/officeDocument/2006/math">
+                      <m:sSub>
+                        <m:sSubPr>
+                          <m:ctrlPr>
+                            <a:rPr lang="en-US" altLang="zh-CN" i="1" smtClean="0">
+                              <a:latin typeface="Cambria Math" panose="02040503050406030204" pitchFamily="18" charset="0"/>
+                            </a:rPr>
+                          </m:ctrlPr>
+                        </m:sSubPr>
+                        <m:e>
+                          <m:r>
+                            <a:rPr lang="en-US" altLang="zh-CN" b="0" i="1" smtClean="0">
+                              <a:latin typeface="Cambria Math" panose="02040503050406030204" pitchFamily="18" charset="0"/>
+                            </a:rPr>
+                            <m:t>𝑡</m:t>
+                          </m:r>
+                        </m:e>
+                        <m:sub>
+                          <m:r>
+                            <a:rPr lang="en-US" altLang="zh-CN" b="0" i="1" smtClean="0">
+                              <a:latin typeface="Cambria Math" panose="02040503050406030204" pitchFamily="18" charset="0"/>
+                            </a:rPr>
+                            <m:t>𝑗</m:t>
+                          </m:r>
+                        </m:sub>
+                      </m:sSub>
+                    </m:oMath>
+                  </m:oMathPara>
+                </a14:m>
+                <a:endParaRPr lang="en-US" altLang="zh-CN"/>
+              </a:p>
+            </p:txBody>
+          </p:sp>
+        </mc:Choice>
+        <mc:Fallback>
+          <p:sp>
+            <p:nvSpPr>
+              <p:cNvPr id="115" name="文本框 114">
+                <a:extLst>
+                  <a:ext uri="{FF2B5EF4-FFF2-40B4-BE49-F238E27FC236}">
+                    <a16:creationId xmlns:a16="http://schemas.microsoft.com/office/drawing/2014/main" id="{7BC62686-D3E2-719C-27AD-7C6B6A324F09}"/>
+                  </a:ext>
+                </a:extLst>
+              </p:cNvPr>
+              <p:cNvSpPr txBox="1">
+                <a:spLocks noRot="1" noChangeAspect="1" noMove="1" noResize="1" noEditPoints="1" noAdjustHandles="1" noChangeArrowheads="1" noChangeShapeType="1" noTextEdit="1"/>
+              </p:cNvSpPr>
+              <p:nvPr/>
+            </p:nvSpPr>
+            <p:spPr>
+              <a:xfrm>
+                <a:off x="6634259" y="5060948"/>
+                <a:ext cx="408509" cy="391646"/>
+              </a:xfrm>
+              <a:prstGeom prst="rect">
+                <a:avLst/>
+              </a:prstGeom>
+              <a:blipFill>
+                <a:blip r:embed="rId15"/>
+                <a:stretch>
+                  <a:fillRect b="-9375"/>
+                </a:stretch>
+              </a:blipFill>
+            </p:spPr>
+            <p:txBody>
+              <a:bodyPr/>
+              <a:lstStyle/>
+              <a:p>
+                <a:r>
+                  <a:rPr lang="zh-CN" altLang="en-US">
+                    <a:noFill/>
+                  </a:rPr>
+                  <a:t> </a:t>
+                </a:r>
+              </a:p>
+            </p:txBody>
+          </p:sp>
+        </mc:Fallback>
+      </mc:AlternateContent>
+      <p:sp>
+        <p:nvSpPr>
+          <p:cNvPr id="126" name="等腰三角形 125">
+            <a:extLst>
+              <a:ext uri="{FF2B5EF4-FFF2-40B4-BE49-F238E27FC236}">
+                <a16:creationId xmlns:a16="http://schemas.microsoft.com/office/drawing/2014/main" id="{BE1C878F-EA42-D7C1-5E4B-C3F9F24DC86A}"/>
+              </a:ext>
+            </a:extLst>
+          </p:cNvPr>
+          <p:cNvSpPr/>
+          <p:nvPr/>
+        </p:nvSpPr>
+        <p:spPr>
+          <a:xfrm>
+            <a:off x="5460267" y="4570390"/>
+            <a:ext cx="684655" cy="230414"/>
+          </a:xfrm>
+          <a:prstGeom prst="triangle">
+            <a:avLst/>
+          </a:prstGeom>
+          <a:noFill/>
+          <a:ln>
+            <a:solidFill>
+              <a:schemeClr val="tx1"/>
+            </a:solidFill>
+          </a:ln>
+        </p:spPr>
+        <p:style>
+          <a:lnRef idx="2">
+            <a:schemeClr val="accent1">
+              <a:shade val="15000"/>
+            </a:schemeClr>
+          </a:lnRef>
+          <a:fillRef idx="1">
+            <a:schemeClr val="accent1"/>
+          </a:fillRef>
+          <a:effectRef idx="0">
+            <a:schemeClr val="accent1"/>
+          </a:effectRef>
+          <a:fontRef idx="minor">
+            <a:schemeClr val="lt1"/>
+          </a:fontRef>
+        </p:style>
+        <p:txBody>
+          <a:bodyPr rtlCol="0" anchor="ctr"/>
+          <a:lstStyle/>
+          <a:p>
+            <a:pPr algn="ctr"/>
+            <a:endParaRPr lang="zh-CN" altLang="en-US"/>
+          </a:p>
+        </p:txBody>
+      </p:sp>
+      <mc:AlternateContent xmlns:mc="http://schemas.openxmlformats.org/markup-compatibility/2006">
+        <mc:Choice xmlns:a14="http://schemas.microsoft.com/office/drawing/2010/main" Requires="a14">
+          <p:sp>
+            <p:nvSpPr>
+              <p:cNvPr id="139" name="文本框 138">
+                <a:extLst>
+                  <a:ext uri="{FF2B5EF4-FFF2-40B4-BE49-F238E27FC236}">
+                    <a16:creationId xmlns:a16="http://schemas.microsoft.com/office/drawing/2014/main" id="{C5C2DB54-A45A-2172-ECB2-89139A1AE721}"/>
+                  </a:ext>
+                </a:extLst>
+              </p:cNvPr>
+              <p:cNvSpPr txBox="1"/>
+              <p:nvPr/>
+            </p:nvSpPr>
+            <p:spPr>
+              <a:xfrm>
+                <a:off x="5378792" y="4771817"/>
+                <a:ext cx="847604" cy="369332"/>
+              </a:xfrm>
+              <a:prstGeom prst="rect">
+                <a:avLst/>
+              </a:prstGeom>
+              <a:noFill/>
+            </p:spPr>
+            <p:txBody>
+              <a:bodyPr wrap="none" rtlCol="0">
+                <a:spAutoFit/>
+              </a:bodyPr>
+              <a:lstStyle/>
+              <a:p>
+                <a14:m>
+                  <m:oMathPara xmlns:m="http://schemas.openxmlformats.org/officeDocument/2006/math">
+                    <m:oMathParaPr>
+                      <m:jc m:val="centerGroup"/>
+                    </m:oMathParaPr>
+                    <m:oMath xmlns:m="http://schemas.openxmlformats.org/officeDocument/2006/math">
+                      <m:r>
+                        <a:rPr lang="en-US" altLang="zh-CN" i="1" smtClean="0">
+                          <a:latin typeface="Cambria Math" panose="02040503050406030204" pitchFamily="18" charset="0"/>
+                        </a:rPr>
+                        <m:t>2 </m:t>
+                      </m:r>
+                      <m:r>
+                        <a:rPr lang="en-US" altLang="zh-CN" i="1" smtClean="0">
+                          <a:latin typeface="Cambria Math" panose="02040503050406030204" pitchFamily="18" charset="0"/>
+                        </a:rPr>
+                        <m:t>𝑙𝑖𝑚𝑖</m:t>
+                      </m:r>
+                    </m:oMath>
+                  </m:oMathPara>
+                </a14:m>
+                <a:endParaRPr lang="zh-CN" altLang="en-US"/>
+              </a:p>
+            </p:txBody>
+          </p:sp>
+        </mc:Choice>
+        <mc:Fallback>
+          <p:sp>
+            <p:nvSpPr>
+              <p:cNvPr id="139" name="文本框 138">
+                <a:extLst>
+                  <a:ext uri="{FF2B5EF4-FFF2-40B4-BE49-F238E27FC236}">
+                    <a16:creationId xmlns:a16="http://schemas.microsoft.com/office/drawing/2014/main" id="{C5C2DB54-A45A-2172-ECB2-89139A1AE721}"/>
+                  </a:ext>
+                </a:extLst>
+              </p:cNvPr>
+              <p:cNvSpPr txBox="1">
+                <a:spLocks noRot="1" noChangeAspect="1" noMove="1" noResize="1" noEditPoints="1" noAdjustHandles="1" noChangeArrowheads="1" noChangeShapeType="1" noTextEdit="1"/>
+              </p:cNvSpPr>
+              <p:nvPr/>
+            </p:nvSpPr>
+            <p:spPr>
+              <a:xfrm>
+                <a:off x="5378792" y="4771817"/>
+                <a:ext cx="847604" cy="369332"/>
+              </a:xfrm>
+              <a:prstGeom prst="rect">
+                <a:avLst/>
+              </a:prstGeom>
+              <a:blipFill>
+                <a:blip r:embed="rId16"/>
+                <a:stretch>
+                  <a:fillRect/>
+                </a:stretch>
+              </a:blipFill>
+            </p:spPr>
+            <p:txBody>
+              <a:bodyPr/>
+              <a:lstStyle/>
+              <a:p>
+                <a:r>
+                  <a:rPr lang="zh-CN" altLang="en-US">
+                    <a:noFill/>
+                  </a:rPr>
+                  <a:t> </a:t>
+                </a:r>
+              </a:p>
+            </p:txBody>
+          </p:sp>
+        </mc:Fallback>
+      </mc:AlternateContent>
+      <mc:AlternateContent xmlns:mc="http://schemas.openxmlformats.org/markup-compatibility/2006">
+        <mc:Choice xmlns:a14="http://schemas.microsoft.com/office/drawing/2010/main" Requires="a14">
+          <p:sp>
+            <p:nvSpPr>
+              <p:cNvPr id="141" name="文本框 140">
+                <a:extLst>
+                  <a:ext uri="{FF2B5EF4-FFF2-40B4-BE49-F238E27FC236}">
+                    <a16:creationId xmlns:a16="http://schemas.microsoft.com/office/drawing/2014/main" id="{AC93F4A9-D3FE-9716-0656-070653713C3F}"/>
+                  </a:ext>
+                </a:extLst>
+              </p:cNvPr>
+              <p:cNvSpPr txBox="1"/>
+              <p:nvPr/>
+            </p:nvSpPr>
+            <p:spPr>
+              <a:xfrm>
+                <a:off x="7527122" y="5443974"/>
+                <a:ext cx="452240" cy="369332"/>
+              </a:xfrm>
+              <a:prstGeom prst="rect">
+                <a:avLst/>
+              </a:prstGeom>
+              <a:noFill/>
+            </p:spPr>
+            <p:txBody>
+              <a:bodyPr wrap="none" rtlCol="0">
+                <a:spAutoFit/>
+              </a:bodyPr>
+              <a:lstStyle/>
+              <a:p>
+                <a14:m>
+                  <m:oMathPara xmlns:m="http://schemas.openxmlformats.org/officeDocument/2006/math">
+                    <m:oMathParaPr>
+                      <m:jc m:val="centerGroup"/>
+                    </m:oMathParaPr>
+                    <m:oMath xmlns:m="http://schemas.openxmlformats.org/officeDocument/2006/math">
+                      <m:sSub>
+                        <m:sSubPr>
+                          <m:ctrlPr>
+                            <a:rPr lang="en-US" altLang="zh-CN" i="1" smtClean="0">
+                              <a:latin typeface="Cambria Math" panose="02040503050406030204" pitchFamily="18" charset="0"/>
+                            </a:rPr>
+                          </m:ctrlPr>
+                        </m:sSubPr>
+                        <m:e>
+                          <m:r>
+                            <a:rPr lang="en-US" altLang="zh-CN" b="0" i="1" smtClean="0">
+                              <a:latin typeface="Cambria Math" panose="02040503050406030204" pitchFamily="18" charset="0"/>
+                            </a:rPr>
+                            <m:t>𝑡</m:t>
+                          </m:r>
+                        </m:e>
+                        <m:sub>
+                          <m:r>
+                            <a:rPr lang="en-US" altLang="zh-CN" b="0" i="1" smtClean="0">
+                              <a:latin typeface="Cambria Math" panose="02040503050406030204" pitchFamily="18" charset="0"/>
+                            </a:rPr>
+                            <m:t>𝑘</m:t>
+                          </m:r>
+                        </m:sub>
+                      </m:sSub>
+                    </m:oMath>
+                  </m:oMathPara>
+                </a14:m>
+                <a:endParaRPr lang="en-US" altLang="zh-CN"/>
+              </a:p>
+            </p:txBody>
+          </p:sp>
+        </mc:Choice>
+        <mc:Fallback>
+          <p:sp>
+            <p:nvSpPr>
+              <p:cNvPr id="141" name="文本框 140">
+                <a:extLst>
+                  <a:ext uri="{FF2B5EF4-FFF2-40B4-BE49-F238E27FC236}">
+                    <a16:creationId xmlns:a16="http://schemas.microsoft.com/office/drawing/2014/main" id="{AC93F4A9-D3FE-9716-0656-070653713C3F}"/>
+                  </a:ext>
+                </a:extLst>
+              </p:cNvPr>
+              <p:cNvSpPr txBox="1">
+                <a:spLocks noRot="1" noChangeAspect="1" noMove="1" noResize="1" noEditPoints="1" noAdjustHandles="1" noChangeArrowheads="1" noChangeShapeType="1" noTextEdit="1"/>
+              </p:cNvSpPr>
+              <p:nvPr/>
+            </p:nvSpPr>
+            <p:spPr>
+              <a:xfrm>
+                <a:off x="7527122" y="5443974"/>
+                <a:ext cx="452240" cy="369332"/>
+              </a:xfrm>
+              <a:prstGeom prst="rect">
+                <a:avLst/>
+              </a:prstGeom>
+              <a:blipFill>
+                <a:blip r:embed="rId17"/>
+                <a:stretch>
+                  <a:fillRect/>
+                </a:stretch>
+              </a:blipFill>
+            </p:spPr>
+            <p:txBody>
+              <a:bodyPr/>
+              <a:lstStyle/>
+              <a:p>
+                <a:r>
+                  <a:rPr lang="zh-CN" altLang="en-US">
+                    <a:noFill/>
+                  </a:rPr>
+                  <a:t> </a:t>
+                </a:r>
+              </a:p>
+            </p:txBody>
+          </p:sp>
+        </mc:Fallback>
+      </mc:AlternateContent>
+      <mc:AlternateContent xmlns:mc="http://schemas.openxmlformats.org/markup-compatibility/2006">
+        <mc:Choice xmlns:a14="http://schemas.microsoft.com/office/drawing/2010/main" Requires="a14">
+          <p:sp>
+            <p:nvSpPr>
+              <p:cNvPr id="142" name="文本框 141">
+                <a:extLst>
+                  <a:ext uri="{FF2B5EF4-FFF2-40B4-BE49-F238E27FC236}">
+                    <a16:creationId xmlns:a16="http://schemas.microsoft.com/office/drawing/2014/main" id="{3DC4C53C-9C52-C615-D356-A9D76952D67D}"/>
+                  </a:ext>
+                </a:extLst>
+              </p:cNvPr>
+              <p:cNvSpPr txBox="1"/>
+              <p:nvPr/>
+            </p:nvSpPr>
+            <p:spPr>
+              <a:xfrm>
+                <a:off x="2242667" y="69407"/>
+                <a:ext cx="483659" cy="369332"/>
+              </a:xfrm>
+              <a:prstGeom prst="rect">
+                <a:avLst/>
+              </a:prstGeom>
+              <a:noFill/>
+            </p:spPr>
+            <p:txBody>
+              <a:bodyPr wrap="none" rtlCol="0">
+                <a:spAutoFit/>
+              </a:bodyPr>
+              <a:lstStyle/>
+              <a:p>
+                <a14:m>
+                  <m:oMathPara xmlns:m="http://schemas.openxmlformats.org/officeDocument/2006/math">
+                    <m:oMathParaPr>
+                      <m:jc m:val="centerGroup"/>
+                    </m:oMathParaPr>
+                    <m:oMath xmlns:m="http://schemas.openxmlformats.org/officeDocument/2006/math">
+                      <m:r>
+                        <a:rPr lang="en-US" altLang="zh-CN" b="0" i="1" smtClean="0">
+                          <a:latin typeface="Cambria Math" panose="02040503050406030204" pitchFamily="18" charset="0"/>
+                        </a:rPr>
+                        <m:t>𝐼</m:t>
+                      </m:r>
+                      <m:r>
+                        <a:rPr lang="en-US" altLang="zh-CN" i="1" smtClean="0">
+                          <a:latin typeface="Cambria Math" panose="02040503050406030204" pitchFamily="18" charset="0"/>
+                        </a:rPr>
+                        <m:t>𝑃</m:t>
+                      </m:r>
+                    </m:oMath>
+                  </m:oMathPara>
+                </a14:m>
+                <a:endParaRPr lang="en-US" altLang="zh-CN"/>
+              </a:p>
+            </p:txBody>
+          </p:sp>
+        </mc:Choice>
+        <mc:Fallback>
+          <p:sp>
+            <p:nvSpPr>
+              <p:cNvPr id="142" name="文本框 141">
+                <a:extLst>
+                  <a:ext uri="{FF2B5EF4-FFF2-40B4-BE49-F238E27FC236}">
+                    <a16:creationId xmlns:a16="http://schemas.microsoft.com/office/drawing/2014/main" id="{3DC4C53C-9C52-C615-D356-A9D76952D67D}"/>
+                  </a:ext>
+                </a:extLst>
+              </p:cNvPr>
+              <p:cNvSpPr txBox="1">
+                <a:spLocks noRot="1" noChangeAspect="1" noMove="1" noResize="1" noEditPoints="1" noAdjustHandles="1" noChangeArrowheads="1" noChangeShapeType="1" noTextEdit="1"/>
+              </p:cNvSpPr>
+              <p:nvPr/>
+            </p:nvSpPr>
+            <p:spPr>
+              <a:xfrm>
+                <a:off x="2242667" y="69407"/>
+                <a:ext cx="483659" cy="369332"/>
+              </a:xfrm>
+              <a:prstGeom prst="rect">
+                <a:avLst/>
+              </a:prstGeom>
+              <a:blipFill>
+                <a:blip r:embed="rId18"/>
+                <a:stretch>
+                  <a:fillRect/>
+                </a:stretch>
+              </a:blipFill>
+            </p:spPr>
+            <p:txBody>
+              <a:bodyPr/>
+              <a:lstStyle/>
+              <a:p>
+                <a:r>
+                  <a:rPr lang="zh-CN" altLang="en-US">
+                    <a:noFill/>
+                  </a:rPr>
+                  <a:t> </a:t>
+                </a:r>
+              </a:p>
+            </p:txBody>
+          </p:sp>
+        </mc:Fallback>
+      </mc:AlternateContent>
+      <mc:AlternateContent xmlns:mc="http://schemas.openxmlformats.org/markup-compatibility/2006">
+        <mc:Choice xmlns:a14="http://schemas.microsoft.com/office/drawing/2010/main" Requires="a14">
+          <p:sp>
+            <p:nvSpPr>
+              <p:cNvPr id="147" name="文本框 146">
+                <a:extLst>
+                  <a:ext uri="{FF2B5EF4-FFF2-40B4-BE49-F238E27FC236}">
+                    <a16:creationId xmlns:a16="http://schemas.microsoft.com/office/drawing/2014/main" id="{2C3E468F-84CA-D966-E4B6-6E3D9AF1ECE1}"/>
+                  </a:ext>
+                </a:extLst>
+              </p:cNvPr>
+              <p:cNvSpPr txBox="1"/>
+              <p:nvPr/>
+            </p:nvSpPr>
+            <p:spPr>
+              <a:xfrm>
+                <a:off x="3167111" y="777569"/>
+                <a:ext cx="373820" cy="369332"/>
+              </a:xfrm>
+              <a:prstGeom prst="rect">
+                <a:avLst/>
+              </a:prstGeom>
+              <a:noFill/>
+            </p:spPr>
+            <p:txBody>
+              <a:bodyPr wrap="none" rtlCol="0">
+                <a:spAutoFit/>
+              </a:bodyPr>
+              <a:lstStyle/>
+              <a:p>
+                <a14:m>
+                  <m:oMathPara xmlns:m="http://schemas.openxmlformats.org/officeDocument/2006/math">
+                    <m:oMathParaPr>
+                      <m:jc m:val="centerGroup"/>
+                    </m:oMathParaPr>
+                    <m:oMath xmlns:m="http://schemas.openxmlformats.org/officeDocument/2006/math">
+                      <m:r>
+                        <m:rPr>
+                          <m:sty m:val="p"/>
+                        </m:rPr>
+                        <a:rPr lang="en-US" altLang="zh-CN" b="0" i="0" smtClean="0">
+                          <a:latin typeface="Cambria Math" panose="02040503050406030204" pitchFamily="18" charset="0"/>
+                        </a:rPr>
+                        <m:t>I</m:t>
+                      </m:r>
+                      <m:r>
+                        <a:rPr lang="en-US" altLang="zh-CN" i="1" smtClean="0">
+                          <a:latin typeface="Cambria Math" panose="02040503050406030204" pitchFamily="18" charset="0"/>
+                        </a:rPr>
+                        <m:t>’</m:t>
+                      </m:r>
+                    </m:oMath>
+                  </m:oMathPara>
+                </a14:m>
+                <a:endParaRPr lang="en-US" altLang="zh-CN"/>
+              </a:p>
+            </p:txBody>
+          </p:sp>
+        </mc:Choice>
+        <mc:Fallback>
+          <p:sp>
+            <p:nvSpPr>
+              <p:cNvPr id="147" name="文本框 146">
+                <a:extLst>
+                  <a:ext uri="{FF2B5EF4-FFF2-40B4-BE49-F238E27FC236}">
+                    <a16:creationId xmlns:a16="http://schemas.microsoft.com/office/drawing/2014/main" id="{2C3E468F-84CA-D966-E4B6-6E3D9AF1ECE1}"/>
+                  </a:ext>
+                </a:extLst>
+              </p:cNvPr>
+              <p:cNvSpPr txBox="1">
+                <a:spLocks noRot="1" noChangeAspect="1" noMove="1" noResize="1" noEditPoints="1" noAdjustHandles="1" noChangeArrowheads="1" noChangeShapeType="1" noTextEdit="1"/>
+              </p:cNvSpPr>
+              <p:nvPr/>
+            </p:nvSpPr>
+            <p:spPr>
+              <a:xfrm>
+                <a:off x="3167111" y="777569"/>
+                <a:ext cx="373820" cy="369332"/>
+              </a:xfrm>
+              <a:prstGeom prst="rect">
+                <a:avLst/>
+              </a:prstGeom>
+              <a:blipFill>
+                <a:blip r:embed="rId19"/>
+                <a:stretch>
+                  <a:fillRect/>
+                </a:stretch>
+              </a:blipFill>
+            </p:spPr>
+            <p:txBody>
+              <a:bodyPr/>
+              <a:lstStyle/>
+              <a:p>
+                <a:r>
+                  <a:rPr lang="zh-CN" altLang="en-US">
+                    <a:noFill/>
+                  </a:rPr>
+                  <a:t> </a:t>
+                </a:r>
+              </a:p>
+            </p:txBody>
+          </p:sp>
+        </mc:Fallback>
+      </mc:AlternateContent>
+      <mc:AlternateContent xmlns:mc="http://schemas.openxmlformats.org/markup-compatibility/2006">
+        <mc:Choice xmlns:a14="http://schemas.microsoft.com/office/drawing/2010/main" Requires="a14">
+          <p:sp>
+            <p:nvSpPr>
+              <p:cNvPr id="154" name="文本框 153">
+                <a:extLst>
+                  <a:ext uri="{FF2B5EF4-FFF2-40B4-BE49-F238E27FC236}">
+                    <a16:creationId xmlns:a16="http://schemas.microsoft.com/office/drawing/2014/main" id="{A1509B48-A6D1-4366-AEFA-2062C04CBACF}"/>
+                  </a:ext>
+                </a:extLst>
+              </p:cNvPr>
+              <p:cNvSpPr txBox="1"/>
+              <p:nvPr/>
+            </p:nvSpPr>
+            <p:spPr>
+              <a:xfrm>
+                <a:off x="1433034" y="788016"/>
+                <a:ext cx="563809" cy="369332"/>
+              </a:xfrm>
+              <a:prstGeom prst="rect">
+                <a:avLst/>
+              </a:prstGeom>
+              <a:noFill/>
+            </p:spPr>
+            <p:txBody>
+              <a:bodyPr wrap="none" rtlCol="0">
+                <a:spAutoFit/>
+              </a:bodyPr>
+              <a:lstStyle/>
+              <a:p>
+                <a14:m>
+                  <m:oMathPara xmlns:m="http://schemas.openxmlformats.org/officeDocument/2006/math">
+                    <m:oMathParaPr>
+                      <m:jc m:val="centerGroup"/>
+                    </m:oMathParaPr>
+                    <m:oMath xmlns:m="http://schemas.openxmlformats.org/officeDocument/2006/math">
+                      <m:r>
+                        <a:rPr lang="en-US" altLang="zh-CN" b="0" i="1" smtClean="0">
+                          <a:latin typeface="Cambria Math" panose="02040503050406030204" pitchFamily="18" charset="0"/>
+                        </a:rPr>
+                        <m:t>𝑁𝑃</m:t>
+                      </m:r>
+                    </m:oMath>
+                  </m:oMathPara>
+                </a14:m>
+                <a:endParaRPr lang="en-US" altLang="zh-CN"/>
+              </a:p>
+            </p:txBody>
+          </p:sp>
+        </mc:Choice>
+        <mc:Fallback>
+          <p:sp>
+            <p:nvSpPr>
+              <p:cNvPr id="154" name="文本框 153">
+                <a:extLst>
+                  <a:ext uri="{FF2B5EF4-FFF2-40B4-BE49-F238E27FC236}">
+                    <a16:creationId xmlns:a16="http://schemas.microsoft.com/office/drawing/2014/main" id="{A1509B48-A6D1-4366-AEFA-2062C04CBACF}"/>
+                  </a:ext>
+                </a:extLst>
+              </p:cNvPr>
+              <p:cNvSpPr txBox="1">
+                <a:spLocks noRot="1" noChangeAspect="1" noMove="1" noResize="1" noEditPoints="1" noAdjustHandles="1" noChangeArrowheads="1" noChangeShapeType="1" noTextEdit="1"/>
+              </p:cNvSpPr>
+              <p:nvPr/>
+            </p:nvSpPr>
+            <p:spPr>
+              <a:xfrm>
+                <a:off x="1433034" y="788016"/>
+                <a:ext cx="563809" cy="369332"/>
+              </a:xfrm>
+              <a:prstGeom prst="rect">
+                <a:avLst/>
+              </a:prstGeom>
+              <a:blipFill>
+                <a:blip r:embed="rId20"/>
+                <a:stretch>
+                  <a:fillRect/>
+                </a:stretch>
+              </a:blipFill>
+            </p:spPr>
+            <p:txBody>
+              <a:bodyPr/>
+              <a:lstStyle/>
+              <a:p>
+                <a:r>
+                  <a:rPr lang="zh-CN" altLang="en-US">
+                    <a:noFill/>
+                  </a:rPr>
+                  <a:t> </a:t>
+                </a:r>
+              </a:p>
+            </p:txBody>
+          </p:sp>
+        </mc:Fallback>
+      </mc:AlternateContent>
+      <p:sp>
+        <p:nvSpPr>
+          <p:cNvPr id="155" name="等腰三角形 154">
+            <a:extLst>
+              <a:ext uri="{FF2B5EF4-FFF2-40B4-BE49-F238E27FC236}">
+                <a16:creationId xmlns:a16="http://schemas.microsoft.com/office/drawing/2014/main" id="{4519AC16-307D-A61F-0C11-864D0809E19A}"/>
+              </a:ext>
+            </a:extLst>
+          </p:cNvPr>
+          <p:cNvSpPr/>
+          <p:nvPr/>
+        </p:nvSpPr>
+        <p:spPr>
+          <a:xfrm>
+            <a:off x="1359072" y="1146901"/>
+            <a:ext cx="684655" cy="230414"/>
+          </a:xfrm>
+          <a:prstGeom prst="triangle">
+            <a:avLst/>
+          </a:prstGeom>
+          <a:noFill/>
+          <a:ln>
+            <a:solidFill>
+              <a:schemeClr val="tx1"/>
+            </a:solidFill>
+          </a:ln>
+        </p:spPr>
+        <p:style>
+          <a:lnRef idx="2">
+            <a:schemeClr val="accent1">
+              <a:shade val="15000"/>
+            </a:schemeClr>
+          </a:lnRef>
+          <a:fillRef idx="1">
+            <a:schemeClr val="accent1"/>
+          </a:fillRef>
+          <a:effectRef idx="0">
+            <a:schemeClr val="accent1"/>
+          </a:effectRef>
+          <a:fontRef idx="minor">
+            <a:schemeClr val="lt1"/>
+          </a:fontRef>
+        </p:style>
+        <p:txBody>
+          <a:bodyPr rtlCol="0" anchor="ctr"/>
+          <a:lstStyle/>
+          <a:p>
+            <a:pPr algn="ctr"/>
+            <a:endParaRPr lang="zh-CN" altLang="en-US"/>
+          </a:p>
+        </p:txBody>
+      </p:sp>
+      <mc:AlternateContent xmlns:mc="http://schemas.openxmlformats.org/markup-compatibility/2006">
+        <mc:Choice xmlns:a14="http://schemas.microsoft.com/office/drawing/2010/main" Requires="a14">
+          <p:sp>
+            <p:nvSpPr>
+              <p:cNvPr id="156" name="文本框 155">
+                <a:extLst>
+                  <a:ext uri="{FF2B5EF4-FFF2-40B4-BE49-F238E27FC236}">
+                    <a16:creationId xmlns:a16="http://schemas.microsoft.com/office/drawing/2014/main" id="{9362988C-C1C6-0562-0263-DE67C9F7FD3B}"/>
+                  </a:ext>
+                </a:extLst>
+              </p:cNvPr>
+              <p:cNvSpPr txBox="1"/>
+              <p:nvPr/>
+            </p:nvSpPr>
+            <p:spPr>
+              <a:xfrm>
+                <a:off x="1319683" y="1377315"/>
+                <a:ext cx="724044" cy="369332"/>
+              </a:xfrm>
+              <a:prstGeom prst="rect">
+                <a:avLst/>
+              </a:prstGeom>
+              <a:noFill/>
+            </p:spPr>
+            <p:txBody>
+              <a:bodyPr wrap="none" rtlCol="0">
+                <a:spAutoFit/>
+              </a:bodyPr>
+              <a:lstStyle/>
+              <a:p>
+                <a14:m>
+                  <m:oMathPara xmlns:m="http://schemas.openxmlformats.org/officeDocument/2006/math">
+                    <m:oMathParaPr>
+                      <m:jc m:val="centerGroup"/>
+                    </m:oMathParaPr>
+                    <m:oMath xmlns:m="http://schemas.openxmlformats.org/officeDocument/2006/math">
+                      <m:r>
+                        <a:rPr lang="en-US" altLang="zh-CN" b="0" i="1" smtClean="0">
+                          <a:latin typeface="Cambria Math" panose="02040503050406030204" pitchFamily="18" charset="0"/>
+                        </a:rPr>
+                        <m:t>𝐽𝑜h𝑛</m:t>
+                      </m:r>
+                    </m:oMath>
+                  </m:oMathPara>
+                </a14:m>
+                <a:endParaRPr lang="zh-CN" altLang="en-US"/>
+              </a:p>
+            </p:txBody>
+          </p:sp>
+        </mc:Choice>
+        <mc:Fallback>
+          <p:sp>
+            <p:nvSpPr>
+              <p:cNvPr id="156" name="文本框 155">
+                <a:extLst>
+                  <a:ext uri="{FF2B5EF4-FFF2-40B4-BE49-F238E27FC236}">
+                    <a16:creationId xmlns:a16="http://schemas.microsoft.com/office/drawing/2014/main" id="{9362988C-C1C6-0562-0263-DE67C9F7FD3B}"/>
+                  </a:ext>
+                </a:extLst>
+              </p:cNvPr>
+              <p:cNvSpPr txBox="1">
+                <a:spLocks noRot="1" noChangeAspect="1" noMove="1" noResize="1" noEditPoints="1" noAdjustHandles="1" noChangeArrowheads="1" noChangeShapeType="1" noTextEdit="1"/>
+              </p:cNvSpPr>
+              <p:nvPr/>
+            </p:nvSpPr>
+            <p:spPr>
+              <a:xfrm>
+                <a:off x="1319683" y="1377315"/>
+                <a:ext cx="724044" cy="369332"/>
+              </a:xfrm>
+              <a:prstGeom prst="rect">
+                <a:avLst/>
+              </a:prstGeom>
+              <a:blipFill>
+                <a:blip r:embed="rId21"/>
+                <a:stretch>
+                  <a:fillRect b="-9836"/>
+                </a:stretch>
+              </a:blipFill>
+            </p:spPr>
+            <p:txBody>
+              <a:bodyPr/>
+              <a:lstStyle/>
+              <a:p>
+                <a:r>
+                  <a:rPr lang="zh-CN" altLang="en-US">
+                    <a:noFill/>
+                  </a:rPr>
+                  <a:t> </a:t>
+                </a:r>
+              </a:p>
+            </p:txBody>
+          </p:sp>
+        </mc:Fallback>
+      </mc:AlternateContent>
+      <p:cxnSp>
+        <p:nvCxnSpPr>
+          <p:cNvPr id="157" name="直接连接符 156">
+            <a:extLst>
+              <a:ext uri="{FF2B5EF4-FFF2-40B4-BE49-F238E27FC236}">
+                <a16:creationId xmlns:a16="http://schemas.microsoft.com/office/drawing/2014/main" id="{866465E3-D602-B8C5-0618-DFBDDDE7ABBA}"/>
+              </a:ext>
+            </a:extLst>
+          </p:cNvPr>
+          <p:cNvCxnSpPr>
+            <a:cxnSpLocks/>
+            <a:stCxn id="154" idx="0"/>
+            <a:endCxn id="142" idx="2"/>
+          </p:cNvCxnSpPr>
+          <p:nvPr/>
+        </p:nvCxnSpPr>
+        <p:spPr>
+          <a:xfrm flipV="1">
+            <a:off x="1714939" y="438739"/>
+            <a:ext cx="769558" cy="349277"/>
+          </a:xfrm>
+          <a:prstGeom prst="line">
+            <a:avLst/>
+          </a:prstGeom>
+          <a:ln w="12700">
+            <a:solidFill>
+              <a:schemeClr val="tx1"/>
+            </a:solidFill>
+          </a:ln>
+        </p:spPr>
+        <p:style>
+          <a:lnRef idx="1">
+            <a:schemeClr val="accent1"/>
+          </a:lnRef>
+          <a:fillRef idx="0">
+            <a:schemeClr val="accent1"/>
+          </a:fillRef>
+          <a:effectRef idx="0">
+            <a:schemeClr val="accent1"/>
+          </a:effectRef>
+          <a:fontRef idx="minor">
+            <a:schemeClr val="tx1"/>
+          </a:fontRef>
+        </p:style>
+      </p:cxnSp>
+      <p:cxnSp>
+        <p:nvCxnSpPr>
+          <p:cNvPr id="160" name="直接连接符 159">
+            <a:extLst>
+              <a:ext uri="{FF2B5EF4-FFF2-40B4-BE49-F238E27FC236}">
+                <a16:creationId xmlns:a16="http://schemas.microsoft.com/office/drawing/2014/main" id="{361819B8-5878-64B9-B200-3918C6D30549}"/>
+              </a:ext>
+            </a:extLst>
+          </p:cNvPr>
+          <p:cNvCxnSpPr>
+            <a:cxnSpLocks/>
+            <a:stCxn id="147" idx="0"/>
+            <a:endCxn id="142" idx="2"/>
+          </p:cNvCxnSpPr>
+          <p:nvPr/>
+        </p:nvCxnSpPr>
+        <p:spPr>
+          <a:xfrm flipH="1" flipV="1">
+            <a:off x="2484497" y="438739"/>
+            <a:ext cx="869524" cy="338830"/>
+          </a:xfrm>
+          <a:prstGeom prst="line">
+            <a:avLst/>
+          </a:prstGeom>
+          <a:ln w="12700">
+            <a:solidFill>
+              <a:schemeClr val="tx1"/>
+            </a:solidFill>
+          </a:ln>
+        </p:spPr>
+        <p:style>
+          <a:lnRef idx="1">
+            <a:schemeClr val="accent1"/>
+          </a:lnRef>
+          <a:fillRef idx="0">
+            <a:schemeClr val="accent1"/>
+          </a:fillRef>
+          <a:effectRef idx="0">
+            <a:schemeClr val="accent1"/>
+          </a:effectRef>
+          <a:fontRef idx="minor">
+            <a:schemeClr val="tx1"/>
+          </a:fontRef>
+        </p:style>
+      </p:cxnSp>
+      <p:cxnSp>
+        <p:nvCxnSpPr>
+          <p:cNvPr id="166" name="直接连接符 165">
+            <a:extLst>
+              <a:ext uri="{FF2B5EF4-FFF2-40B4-BE49-F238E27FC236}">
+                <a16:creationId xmlns:a16="http://schemas.microsoft.com/office/drawing/2014/main" id="{888452A3-12ED-7E1E-BA84-E65492B1D72E}"/>
+              </a:ext>
+            </a:extLst>
+          </p:cNvPr>
+          <p:cNvCxnSpPr>
+            <a:cxnSpLocks/>
+            <a:stCxn id="147" idx="2"/>
+            <a:endCxn id="215" idx="0"/>
+          </p:cNvCxnSpPr>
+          <p:nvPr/>
+        </p:nvCxnSpPr>
+        <p:spPr>
+          <a:xfrm flipH="1">
+            <a:off x="2723689" y="1146901"/>
+            <a:ext cx="630332" cy="318695"/>
+          </a:xfrm>
+          <a:prstGeom prst="line">
+            <a:avLst/>
+          </a:prstGeom>
+          <a:ln w="12700">
+            <a:solidFill>
+              <a:schemeClr val="tx1"/>
+            </a:solidFill>
+          </a:ln>
+        </p:spPr>
+        <p:style>
+          <a:lnRef idx="1">
+            <a:schemeClr val="accent1"/>
+          </a:lnRef>
+          <a:fillRef idx="0">
+            <a:schemeClr val="accent1"/>
+          </a:fillRef>
+          <a:effectRef idx="0">
+            <a:schemeClr val="accent1"/>
+          </a:effectRef>
+          <a:fontRef idx="minor">
+            <a:schemeClr val="tx1"/>
+          </a:fontRef>
+        </p:style>
+      </p:cxnSp>
+      <p:sp>
+        <p:nvSpPr>
+          <p:cNvPr id="201" name="文本框 200">
+            <a:extLst>
+              <a:ext uri="{FF2B5EF4-FFF2-40B4-BE49-F238E27FC236}">
+                <a16:creationId xmlns:a16="http://schemas.microsoft.com/office/drawing/2014/main" id="{210CADAE-8900-2F7F-A865-559C34EC4A84}"/>
+              </a:ext>
+            </a:extLst>
+          </p:cNvPr>
+          <p:cNvSpPr txBox="1"/>
+          <p:nvPr/>
+        </p:nvSpPr>
+        <p:spPr>
+          <a:xfrm>
+            <a:off x="3855783" y="1462584"/>
+            <a:ext cx="346570" cy="369332"/>
+          </a:xfrm>
+          <a:prstGeom prst="rect">
+            <a:avLst/>
+          </a:prstGeom>
+          <a:noFill/>
+        </p:spPr>
+        <p:txBody>
+          <a:bodyPr wrap="square" rtlCol="0">
+            <a:spAutoFit/>
+          </a:bodyPr>
+          <a:lstStyle/>
+          <a:p>
+            <a:r>
+              <a:rPr lang="en-US" altLang="zh-CN"/>
+              <a:t>…</a:t>
+            </a:r>
+          </a:p>
+        </p:txBody>
+      </p:sp>
+      <p:cxnSp>
+        <p:nvCxnSpPr>
+          <p:cNvPr id="202" name="直接连接符 201">
+            <a:extLst>
+              <a:ext uri="{FF2B5EF4-FFF2-40B4-BE49-F238E27FC236}">
+                <a16:creationId xmlns:a16="http://schemas.microsoft.com/office/drawing/2014/main" id="{453E73D1-6A72-8ED7-76EE-CCBD57914043}"/>
+              </a:ext>
+            </a:extLst>
+          </p:cNvPr>
+          <p:cNvCxnSpPr>
+            <a:cxnSpLocks/>
+            <a:stCxn id="4" idx="0"/>
+          </p:cNvCxnSpPr>
+          <p:nvPr/>
+        </p:nvCxnSpPr>
+        <p:spPr>
+          <a:xfrm flipH="1" flipV="1">
+            <a:off x="4146176" y="1757394"/>
+            <a:ext cx="371029" cy="289924"/>
+          </a:xfrm>
+          <a:prstGeom prst="line">
+            <a:avLst/>
+          </a:prstGeom>
+          <a:ln w="12700">
+            <a:solidFill>
+              <a:schemeClr val="tx1"/>
+            </a:solidFill>
+          </a:ln>
+        </p:spPr>
+        <p:style>
+          <a:lnRef idx="1">
+            <a:schemeClr val="accent1"/>
+          </a:lnRef>
+          <a:fillRef idx="0">
+            <a:schemeClr val="accent1"/>
+          </a:fillRef>
+          <a:effectRef idx="0">
+            <a:schemeClr val="accent1"/>
+          </a:effectRef>
+          <a:fontRef idx="minor">
+            <a:schemeClr val="tx1"/>
+          </a:fontRef>
+        </p:style>
+      </p:cxnSp>
+      <p:cxnSp>
+        <p:nvCxnSpPr>
+          <p:cNvPr id="205" name="直接连接符 204">
+            <a:extLst>
+              <a:ext uri="{FF2B5EF4-FFF2-40B4-BE49-F238E27FC236}">
+                <a16:creationId xmlns:a16="http://schemas.microsoft.com/office/drawing/2014/main" id="{48BBC60E-3EB8-32C4-EC31-57F1086AB8FD}"/>
+              </a:ext>
+            </a:extLst>
+          </p:cNvPr>
+          <p:cNvCxnSpPr>
+            <a:cxnSpLocks/>
+            <a:stCxn id="147" idx="2"/>
+          </p:cNvCxnSpPr>
+          <p:nvPr/>
+        </p:nvCxnSpPr>
+        <p:spPr>
+          <a:xfrm>
+            <a:off x="3354021" y="1146901"/>
+            <a:ext cx="554591" cy="345786"/>
+          </a:xfrm>
+          <a:prstGeom prst="line">
+            <a:avLst/>
+          </a:prstGeom>
+          <a:ln w="12700">
+            <a:solidFill>
+              <a:schemeClr val="tx1"/>
+            </a:solidFill>
+          </a:ln>
+        </p:spPr>
+        <p:style>
+          <a:lnRef idx="1">
+            <a:schemeClr val="accent1"/>
+          </a:lnRef>
+          <a:fillRef idx="0">
+            <a:schemeClr val="accent1"/>
+          </a:fillRef>
+          <a:effectRef idx="0">
+            <a:schemeClr val="accent1"/>
+          </a:effectRef>
+          <a:fontRef idx="minor">
+            <a:schemeClr val="tx1"/>
+          </a:fontRef>
+        </p:style>
+      </p:cxnSp>
+      <mc:AlternateContent xmlns:mc="http://schemas.openxmlformats.org/markup-compatibility/2006">
+        <mc:Choice xmlns:a14="http://schemas.microsoft.com/office/drawing/2010/main" Requires="a14">
+          <p:sp>
+            <p:nvSpPr>
+              <p:cNvPr id="215" name="文本框 214">
+                <a:extLst>
+                  <a:ext uri="{FF2B5EF4-FFF2-40B4-BE49-F238E27FC236}">
+                    <a16:creationId xmlns:a16="http://schemas.microsoft.com/office/drawing/2014/main" id="{6E91EB17-9AE7-239F-C755-751CCDDD856F}"/>
+                  </a:ext>
+                </a:extLst>
+              </p:cNvPr>
+              <p:cNvSpPr txBox="1"/>
+              <p:nvPr/>
+            </p:nvSpPr>
+            <p:spPr>
+              <a:xfrm>
+                <a:off x="2498691" y="1465596"/>
+                <a:ext cx="449995" cy="369332"/>
+              </a:xfrm>
+              <a:prstGeom prst="rect">
+                <a:avLst/>
+              </a:prstGeom>
+              <a:noFill/>
+            </p:spPr>
+            <p:txBody>
+              <a:bodyPr wrap="none" rtlCol="0">
+                <a:spAutoFit/>
+              </a:bodyPr>
+              <a:lstStyle/>
+              <a:p>
+                <a14:m>
+                  <m:oMathPara xmlns:m="http://schemas.openxmlformats.org/officeDocument/2006/math">
+                    <m:oMathParaPr>
+                      <m:jc m:val="centerGroup"/>
+                    </m:oMathParaPr>
+                    <m:oMath xmlns:m="http://schemas.openxmlformats.org/officeDocument/2006/math">
+                      <m:sSup>
+                        <m:sSupPr>
+                          <m:ctrlPr>
+                            <a:rPr lang="en-US" altLang="zh-CN" i="1" smtClean="0">
+                              <a:latin typeface="Cambria Math" panose="02040503050406030204" pitchFamily="18" charset="0"/>
+                            </a:rPr>
+                          </m:ctrlPr>
+                        </m:sSupPr>
+                        <m:e>
+                          <m:r>
+                            <a:rPr lang="en-US" altLang="zh-CN" b="0" i="1" smtClean="0">
+                              <a:latin typeface="Cambria Math" panose="02040503050406030204" pitchFamily="18" charset="0"/>
+                            </a:rPr>
+                            <m:t>𝐼</m:t>
+                          </m:r>
+                        </m:e>
+                        <m:sup>
+                          <m:r>
+                            <a:rPr lang="en-US" altLang="zh-CN" b="0" i="1" smtClean="0">
+                              <a:latin typeface="Cambria Math" panose="02040503050406030204" pitchFamily="18" charset="0"/>
+                            </a:rPr>
+                            <m:t>0</m:t>
+                          </m:r>
+                        </m:sup>
+                      </m:sSup>
+                    </m:oMath>
+                  </m:oMathPara>
+                </a14:m>
+                <a:endParaRPr lang="en-US" altLang="zh-CN"/>
+              </a:p>
+            </p:txBody>
+          </p:sp>
+        </mc:Choice>
+        <mc:Fallback>
+          <p:sp>
+            <p:nvSpPr>
+              <p:cNvPr id="215" name="文本框 214">
+                <a:extLst>
+                  <a:ext uri="{FF2B5EF4-FFF2-40B4-BE49-F238E27FC236}">
+                    <a16:creationId xmlns:a16="http://schemas.microsoft.com/office/drawing/2014/main" id="{6E91EB17-9AE7-239F-C755-751CCDDD856F}"/>
+                  </a:ext>
+                </a:extLst>
+              </p:cNvPr>
+              <p:cNvSpPr txBox="1">
+                <a:spLocks noRot="1" noChangeAspect="1" noMove="1" noResize="1" noEditPoints="1" noAdjustHandles="1" noChangeArrowheads="1" noChangeShapeType="1" noTextEdit="1"/>
+              </p:cNvSpPr>
+              <p:nvPr/>
+            </p:nvSpPr>
+            <p:spPr>
+              <a:xfrm>
+                <a:off x="2498691" y="1465596"/>
+                <a:ext cx="449995" cy="369332"/>
+              </a:xfrm>
+              <a:prstGeom prst="rect">
+                <a:avLst/>
+              </a:prstGeom>
+              <a:blipFill>
+                <a:blip r:embed="rId22"/>
+                <a:stretch>
+                  <a:fillRect/>
+                </a:stretch>
+              </a:blipFill>
+            </p:spPr>
+            <p:txBody>
+              <a:bodyPr/>
+              <a:lstStyle/>
+              <a:p>
+                <a:r>
+                  <a:rPr lang="zh-CN" altLang="en-US">
+                    <a:noFill/>
+                  </a:rPr>
+                  <a:t> </a:t>
+                </a:r>
+              </a:p>
+            </p:txBody>
+          </p:sp>
+        </mc:Fallback>
+      </mc:AlternateContent>
+      <p:sp>
+        <p:nvSpPr>
+          <p:cNvPr id="229" name="等腰三角形 228">
+            <a:extLst>
+              <a:ext uri="{FF2B5EF4-FFF2-40B4-BE49-F238E27FC236}">
+                <a16:creationId xmlns:a16="http://schemas.microsoft.com/office/drawing/2014/main" id="{763893E1-3983-DC82-B082-E742B28E0787}"/>
+              </a:ext>
+            </a:extLst>
+          </p:cNvPr>
+          <p:cNvSpPr/>
+          <p:nvPr/>
+        </p:nvSpPr>
+        <p:spPr>
+          <a:xfrm>
+            <a:off x="3181313" y="3055631"/>
+            <a:ext cx="684655" cy="230414"/>
+          </a:xfrm>
+          <a:prstGeom prst="triangle">
+            <a:avLst/>
+          </a:prstGeom>
+          <a:noFill/>
+          <a:ln>
+            <a:solidFill>
+              <a:schemeClr val="tx1"/>
+            </a:solidFill>
+          </a:ln>
+        </p:spPr>
+        <p:style>
+          <a:lnRef idx="2">
+            <a:schemeClr val="accent1">
+              <a:shade val="15000"/>
+            </a:schemeClr>
+          </a:lnRef>
+          <a:fillRef idx="1">
+            <a:schemeClr val="accent1"/>
+          </a:fillRef>
+          <a:effectRef idx="0">
+            <a:schemeClr val="accent1"/>
+          </a:effectRef>
+          <a:fontRef idx="minor">
+            <a:schemeClr val="lt1"/>
+          </a:fontRef>
+        </p:style>
+        <p:txBody>
+          <a:bodyPr rtlCol="0" anchor="ctr"/>
+          <a:lstStyle/>
+          <a:p>
+            <a:pPr algn="ctr"/>
+            <a:endParaRPr lang="zh-CN" altLang="en-US"/>
+          </a:p>
+        </p:txBody>
+      </p:sp>
+      <mc:AlternateContent xmlns:mc="http://schemas.openxmlformats.org/markup-compatibility/2006">
+        <mc:Choice xmlns:a14="http://schemas.microsoft.com/office/drawing/2010/main" Requires="a14">
+          <p:sp>
+            <p:nvSpPr>
+              <p:cNvPr id="230" name="文本框 229">
+                <a:extLst>
+                  <a:ext uri="{FF2B5EF4-FFF2-40B4-BE49-F238E27FC236}">
+                    <a16:creationId xmlns:a16="http://schemas.microsoft.com/office/drawing/2014/main" id="{AB43F32C-9BA1-0B2A-2388-E3F83F6C5175}"/>
+                  </a:ext>
+                </a:extLst>
+              </p:cNvPr>
+              <p:cNvSpPr txBox="1"/>
+              <p:nvPr/>
+            </p:nvSpPr>
+            <p:spPr>
+              <a:xfrm>
+                <a:off x="2976801" y="3286045"/>
+                <a:ext cx="1072794" cy="369332"/>
+              </a:xfrm>
+              <a:prstGeom prst="rect">
+                <a:avLst/>
+              </a:prstGeom>
+              <a:noFill/>
+            </p:spPr>
+            <p:txBody>
+              <a:bodyPr wrap="none" rtlCol="0">
+                <a:spAutoFit/>
+              </a:bodyPr>
+              <a:lstStyle/>
+              <a:p>
+                <a14:m>
+                  <m:oMathPara xmlns:m="http://schemas.openxmlformats.org/officeDocument/2006/math">
+                    <m:oMathParaPr>
+                      <m:jc m:val="centerGroup"/>
+                    </m:oMathParaPr>
+                    <m:oMath xmlns:m="http://schemas.openxmlformats.org/officeDocument/2006/math">
+                      <m:r>
+                        <a:rPr lang="en-US" altLang="zh-CN" b="0" i="1" smtClean="0">
+                          <a:latin typeface="Cambria Math" panose="02040503050406030204" pitchFamily="18" charset="0"/>
+                        </a:rPr>
+                        <m:t>𝑏𝑖</m:t>
+                      </m:r>
+                      <m:r>
+                        <a:rPr lang="en-US" altLang="zh-CN" b="0" i="1" smtClean="0">
+                          <a:latin typeface="Cambria Math" panose="02040503050406030204" pitchFamily="18" charset="0"/>
+                        </a:rPr>
+                        <m:t> </m:t>
+                      </m:r>
+                      <m:r>
+                        <a:rPr lang="en-US" altLang="zh-CN" b="0" i="1" smtClean="0">
+                          <a:latin typeface="Cambria Math" panose="02040503050406030204" pitchFamily="18" charset="0"/>
+                        </a:rPr>
+                        <m:t>𝑀𝑎𝑟𝑦</m:t>
+                      </m:r>
+                    </m:oMath>
+                  </m:oMathPara>
+                </a14:m>
+                <a:endParaRPr lang="zh-CN" altLang="en-US"/>
+              </a:p>
+            </p:txBody>
+          </p:sp>
+        </mc:Choice>
+        <mc:Fallback>
+          <p:sp>
+            <p:nvSpPr>
+              <p:cNvPr id="230" name="文本框 229">
+                <a:extLst>
+                  <a:ext uri="{FF2B5EF4-FFF2-40B4-BE49-F238E27FC236}">
+                    <a16:creationId xmlns:a16="http://schemas.microsoft.com/office/drawing/2014/main" id="{AB43F32C-9BA1-0B2A-2388-E3F83F6C5175}"/>
+                  </a:ext>
+                </a:extLst>
+              </p:cNvPr>
+              <p:cNvSpPr txBox="1">
+                <a:spLocks noRot="1" noChangeAspect="1" noMove="1" noResize="1" noEditPoints="1" noAdjustHandles="1" noChangeArrowheads="1" noChangeShapeType="1" noTextEdit="1"/>
+              </p:cNvSpPr>
+              <p:nvPr/>
+            </p:nvSpPr>
+            <p:spPr>
+              <a:xfrm>
+                <a:off x="2976801" y="3286045"/>
+                <a:ext cx="1072794" cy="369332"/>
+              </a:xfrm>
+              <a:prstGeom prst="rect">
+                <a:avLst/>
+              </a:prstGeom>
+              <a:blipFill>
+                <a:blip r:embed="rId23"/>
+                <a:stretch>
+                  <a:fillRect b="-11475"/>
+                </a:stretch>
+              </a:blipFill>
+            </p:spPr>
+            <p:txBody>
+              <a:bodyPr/>
+              <a:lstStyle/>
+              <a:p>
+                <a:r>
+                  <a:rPr lang="zh-CN" altLang="en-US">
+                    <a:noFill/>
+                  </a:rPr>
+                  <a:t> </a:t>
+                </a:r>
+              </a:p>
+            </p:txBody>
+          </p:sp>
+        </mc:Fallback>
+      </mc:AlternateContent>
+      <p:cxnSp>
+        <p:nvCxnSpPr>
+          <p:cNvPr id="231" name="连接符: 肘形 230">
+            <a:extLst>
+              <a:ext uri="{FF2B5EF4-FFF2-40B4-BE49-F238E27FC236}">
+                <a16:creationId xmlns:a16="http://schemas.microsoft.com/office/drawing/2014/main" id="{E07BDBB9-950D-A153-DFA7-C2977A378195}"/>
+              </a:ext>
+            </a:extLst>
+          </p:cNvPr>
+          <p:cNvCxnSpPr>
+            <a:cxnSpLocks/>
+            <a:stCxn id="141" idx="2"/>
+            <a:endCxn id="156" idx="2"/>
+          </p:cNvCxnSpPr>
+          <p:nvPr/>
+        </p:nvCxnSpPr>
+        <p:spPr>
+          <a:xfrm rot="5400000" flipH="1">
+            <a:off x="2684144" y="744209"/>
+            <a:ext cx="4066659" cy="6071537"/>
+          </a:xfrm>
+          <a:prstGeom prst="bentConnector3">
+            <a:avLst>
+              <a:gd name="adj1" fmla="val -5621"/>
+            </a:avLst>
+          </a:prstGeom>
+          <a:ln w="12700">
+            <a:solidFill>
+              <a:schemeClr val="tx1"/>
+            </a:solidFill>
+            <a:prstDash val="lgDashDot"/>
+            <a:tailEnd type="triangle"/>
+          </a:ln>
+        </p:spPr>
+        <p:style>
+          <a:lnRef idx="1">
+            <a:schemeClr val="accent1"/>
+          </a:lnRef>
+          <a:fillRef idx="0">
+            <a:schemeClr val="accent1"/>
+          </a:fillRef>
+          <a:effectRef idx="0">
+            <a:schemeClr val="accent1"/>
+          </a:effectRef>
+          <a:fontRef idx="minor">
+            <a:schemeClr val="tx1"/>
+          </a:fontRef>
+        </p:style>
+      </p:cxnSp>
     </p:spTree>
     <p:extLst>
       <p:ext uri="{BB962C8B-B14F-4D97-AF65-F5344CB8AC3E}">
